--- a/Video Ver1/Video PPT/6. Schema in databases.pptx
+++ b/Video Ver1/Video PPT/6. Schema in databases.pptx
@@ -111,7 +111,7 @@
   </p:defaultTextStyle>
   <p:extLst>
     <p:ext uri="{521415D9-36F7-43E2-AB2F-B90AF26B5E84}">
-      <p14:sectionLst xmlns:p14="http://schemas.microsoft.com/office/powerpoint/2010/main" xmlns="">
+      <p14:sectionLst xmlns="" xmlns:p14="http://schemas.microsoft.com/office/powerpoint/2010/main">
         <p14:section name="Introduction" id="{A3D14946-8297-4856-B082-4FEFA482017C}">
           <p14:sldIdLst>
             <p14:sldId id="282"/>
@@ -752,7 +752,7 @@
       </p14:sectionLst>
     </p:ext>
     <p:ext uri="{EFAFB233-063F-42B5-8137-9DF3F51BA10A}">
-      <p15:sldGuideLst xmlns:p15="http://schemas.microsoft.com/office/powerpoint/2012/main" xmlns="">
+      <p15:sldGuideLst xmlns="" xmlns:p15="http://schemas.microsoft.com/office/powerpoint/2012/main">
         <p15:guide id="1" orient="horz" pos="2160">
           <p15:clr>
             <a:srgbClr val="A4A3A4"/>
@@ -774,7 +774,7 @@
   <p:cmAuthor id="1" name="Saleel" initials="S" lastIdx="1" clrIdx="0">
     <p:extLst>
       <p:ext uri="{19B8F6BF-5375-455C-9EA6-DF929625EA0E}">
-        <p15:presenceInfo xmlns:p15="http://schemas.microsoft.com/office/powerpoint/2012/main" xmlns="" userId="Saleel" providerId="None"/>
+        <p15:presenceInfo xmlns="" xmlns:p15="http://schemas.microsoft.com/office/powerpoint/2012/main" userId="Saleel" providerId="None"/>
       </p:ext>
     </p:extLst>
   </p:cmAuthor>
@@ -864,7 +864,7 @@
             <a:fld id="{4DF51050-3720-483B-B552-57DC1341D582}" type="datetimeFigureOut">
               <a:rPr lang="en-US" smtClean="0"/>
               <a:pPr/>
-              <a:t>6/4/2020</a:t>
+              <a:t>6/6/2020</a:t>
             </a:fld>
             <a:endParaRPr lang="en-US"/>
           </a:p>
@@ -1323,7 +1323,7 @@
             <a:fld id="{EEE556E8-492E-4E8F-8E7F-7A7787724D01}" type="datetimeFigureOut">
               <a:rPr lang="en-US" smtClean="0"/>
               <a:pPr/>
-              <a:t>6/4/2020</a:t>
+              <a:t>6/6/2020</a:t>
             </a:fld>
             <a:endParaRPr lang="en-US"/>
           </a:p>
@@ -1528,7 +1528,7 @@
             <a:fld id="{EEE556E8-492E-4E8F-8E7F-7A7787724D01}" type="datetimeFigureOut">
               <a:rPr lang="en-US" smtClean="0"/>
               <a:pPr/>
-              <a:t>6/4/2020</a:t>
+              <a:t>6/6/2020</a:t>
             </a:fld>
             <a:endParaRPr lang="en-US"/>
           </a:p>
@@ -1733,7 +1733,7 @@
             <a:fld id="{EEE556E8-492E-4E8F-8E7F-7A7787724D01}" type="datetimeFigureOut">
               <a:rPr lang="en-US" smtClean="0"/>
               <a:pPr/>
-              <a:t>6/4/2020</a:t>
+              <a:t>6/6/2020</a:t>
             </a:fld>
             <a:endParaRPr lang="en-US"/>
           </a:p>
@@ -1938,7 +1938,7 @@
             <a:fld id="{EEE556E8-492E-4E8F-8E7F-7A7787724D01}" type="datetimeFigureOut">
               <a:rPr lang="en-US" smtClean="0"/>
               <a:pPr/>
-              <a:t>6/4/2020</a:t>
+              <a:t>6/6/2020</a:t>
             </a:fld>
             <a:endParaRPr lang="en-US"/>
           </a:p>
@@ -2210,7 +2210,7 @@
             <a:fld id="{EEE556E8-492E-4E8F-8E7F-7A7787724D01}" type="datetimeFigureOut">
               <a:rPr lang="en-US" smtClean="0"/>
               <a:pPr/>
-              <a:t>6/4/2020</a:t>
+              <a:t>6/6/2020</a:t>
             </a:fld>
             <a:endParaRPr lang="en-US"/>
           </a:p>
@@ -2530,7 +2530,7 @@
             <a:fld id="{EEE556E8-492E-4E8F-8E7F-7A7787724D01}" type="datetimeFigureOut">
               <a:rPr lang="en-US" smtClean="0"/>
               <a:pPr/>
-              <a:t>6/4/2020</a:t>
+              <a:t>6/6/2020</a:t>
             </a:fld>
             <a:endParaRPr lang="en-US"/>
           </a:p>
@@ -2990,7 +2990,7 @@
             <a:fld id="{EEE556E8-492E-4E8F-8E7F-7A7787724D01}" type="datetimeFigureOut">
               <a:rPr lang="en-US" smtClean="0"/>
               <a:pPr/>
-              <a:t>6/4/2020</a:t>
+              <a:t>6/6/2020</a:t>
             </a:fld>
             <a:endParaRPr lang="en-US"/>
           </a:p>
@@ -3136,7 +3136,7 @@
             <a:fld id="{EEE556E8-492E-4E8F-8E7F-7A7787724D01}" type="datetimeFigureOut">
               <a:rPr lang="en-US" smtClean="0"/>
               <a:pPr/>
-              <a:t>6/4/2020</a:t>
+              <a:t>6/6/2020</a:t>
             </a:fld>
             <a:endParaRPr lang="en-US"/>
           </a:p>
@@ -3466,7 +3466,7 @@
             <a:fld id="{EEE556E8-492E-4E8F-8E7F-7A7787724D01}" type="datetimeFigureOut">
               <a:rPr lang="en-US" smtClean="0"/>
               <a:pPr/>
-              <a:t>6/4/2020</a:t>
+              <a:t>6/6/2020</a:t>
             </a:fld>
             <a:endParaRPr lang="en-US"/>
           </a:p>
@@ -3748,7 +3748,7 @@
             <a:fld id="{EEE556E8-492E-4E8F-8E7F-7A7787724D01}" type="datetimeFigureOut">
               <a:rPr lang="en-US" smtClean="0"/>
               <a:pPr/>
-              <a:t>6/4/2020</a:t>
+              <a:t>6/6/2020</a:t>
             </a:fld>
             <a:endParaRPr lang="en-US"/>
           </a:p>
@@ -4134,7 +4134,7 @@
           <p:cNvPr id="8" name="Picture 7">
             <a:extLst>
               <a:ext uri="{FF2B5EF4-FFF2-40B4-BE49-F238E27FC236}">
-                <a16:creationId xmlns:a16="http://schemas.microsoft.com/office/drawing/2014/main" xmlns="" id="{FF24E983-0C73-4002-AA14-199E8763DD65}"/>
+                <a16:creationId xmlns="" xmlns:a16="http://schemas.microsoft.com/office/drawing/2014/main" id="{FF24E983-0C73-4002-AA14-199E8763DD65}"/>
               </a:ext>
             </a:extLst>
           </p:cNvPr>
@@ -4147,7 +4147,7 @@
           <a:blip r:embed="rId2" cstate="print">
             <a:extLst>
               <a:ext uri="{28A0092B-C50C-407E-A947-70E740481C1C}">
-                <a14:useLocalDpi xmlns:a14="http://schemas.microsoft.com/office/drawing/2010/main" xmlns="" val="0"/>
+                <a14:useLocalDpi xmlns="" xmlns:a14="http://schemas.microsoft.com/office/drawing/2010/main" val="0"/>
               </a:ext>
             </a:extLst>
           </a:blip>
@@ -4170,7 +4170,7 @@
           <p:cNvPr id="7" name="Footer Placeholder 2">
             <a:extLst>
               <a:ext uri="{FF2B5EF4-FFF2-40B4-BE49-F238E27FC236}">
-                <a16:creationId xmlns:a16="http://schemas.microsoft.com/office/drawing/2014/main" xmlns="" id="{E14F7621-66C5-47D6-A8C7-2B6C3CD2205A}"/>
+                <a16:creationId xmlns="" xmlns:a16="http://schemas.microsoft.com/office/drawing/2014/main" id="{E14F7621-66C5-47D6-A8C7-2B6C3CD2205A}"/>
               </a:ext>
             </a:extLst>
           </p:cNvPr>
@@ -4381,7 +4381,7 @@
         <p:spPr>
           <a:xfrm>
             <a:off x="3730111" y="3244334"/>
-            <a:ext cx="4561890" cy="369332"/>
+            <a:ext cx="5083443" cy="369332"/>
           </a:xfrm>
           <a:prstGeom prst="rect">
             <a:avLst/>
@@ -4394,41 +4394,126 @@
           <a:lstStyle/>
           <a:p>
             <a:r>
-              <a:rPr lang="en-US" dirty="0" smtClean="0"/>
+              <a:rPr lang="en-US" dirty="0" smtClean="0">
+                <a:latin typeface="Palatino Linotype" pitchFamily="18" charset="0"/>
+              </a:rPr>
               <a:t>In </a:t>
             </a:r>
             <a:r>
-              <a:rPr lang="en-US" b="1" dirty="0" smtClean="0"/>
+              <a:rPr lang="en-US" b="1" dirty="0" smtClean="0">
+                <a:latin typeface="Palatino Linotype" pitchFamily="18" charset="0"/>
+              </a:rPr>
               <a:t>MySQL</a:t>
             </a:r>
             <a:r>
-              <a:rPr lang="en-US" dirty="0" smtClean="0"/>
+              <a:rPr lang="en-US" dirty="0" smtClean="0">
+                <a:latin typeface="Palatino Linotype" pitchFamily="18" charset="0"/>
+              </a:rPr>
               <a:t>, </a:t>
             </a:r>
             <a:r>
-              <a:rPr lang="en-US" b="1" dirty="0" smtClean="0"/>
+              <a:rPr lang="en-US" b="1" dirty="0" smtClean="0">
+                <a:latin typeface="Palatino Linotype" pitchFamily="18" charset="0"/>
+              </a:rPr>
               <a:t>schema</a:t>
             </a:r>
             <a:r>
-              <a:rPr lang="en-US" dirty="0" smtClean="0"/>
+              <a:rPr lang="en-US" dirty="0" smtClean="0">
+                <a:latin typeface="Palatino Linotype" pitchFamily="18" charset="0"/>
+              </a:rPr>
               <a:t> is synonymous of </a:t>
             </a:r>
             <a:r>
-              <a:rPr lang="en-US" b="1" dirty="0" smtClean="0"/>
+              <a:rPr lang="en-US" b="1" dirty="0" smtClean="0">
+                <a:latin typeface="Palatino Linotype" pitchFamily="18" charset="0"/>
+              </a:rPr>
               <a:t>database</a:t>
             </a:r>
             <a:r>
-              <a:rPr lang="en-US" dirty="0" smtClean="0"/>
+              <a:rPr lang="en-US" dirty="0" smtClean="0">
+                <a:latin typeface="Palatino Linotype" pitchFamily="18" charset="0"/>
+              </a:rPr>
               <a:t>.</a:t>
             </a:r>
-            <a:endParaRPr lang="en-US" dirty="0"/>
+            <a:endParaRPr lang="en-US" dirty="0">
+              <a:latin typeface="Palatino Linotype" pitchFamily="18" charset="0"/>
+            </a:endParaRPr>
+          </a:p>
+        </p:txBody>
+      </p:sp>
+      <p:sp>
+        <p:nvSpPr>
+          <p:cNvPr id="11" name="Rectangle 10"/>
+          <p:cNvSpPr/>
+          <p:nvPr/>
+        </p:nvSpPr>
+        <p:spPr>
+          <a:xfrm>
+            <a:off x="1558702" y="4077072"/>
+            <a:ext cx="9289032" cy="923330"/>
+          </a:xfrm>
+          <a:prstGeom prst="rect">
+            <a:avLst/>
+          </a:prstGeom>
+        </p:spPr>
+        <p:txBody>
+          <a:bodyPr wrap="square">
+            <a:spAutoFit/>
+          </a:bodyPr>
+          <a:lstStyle/>
+          <a:p>
+            <a:r>
+              <a:rPr lang="en-US" dirty="0" smtClean="0">
+                <a:latin typeface="Palatino Linotype" pitchFamily="18" charset="0"/>
+              </a:rPr>
+              <a:t>A </a:t>
+            </a:r>
+            <a:r>
+              <a:rPr lang="en-US" b="1" dirty="0" smtClean="0">
+                <a:latin typeface="Palatino Linotype" pitchFamily="18" charset="0"/>
+              </a:rPr>
+              <a:t>schema</a:t>
+            </a:r>
+            <a:r>
+              <a:rPr lang="en-US" dirty="0" smtClean="0">
+                <a:latin typeface="Palatino Linotype" pitchFamily="18" charset="0"/>
+              </a:rPr>
+              <a:t> is a collection of database objects including tables, views, triggers, stored procedures, indexes, etc. A </a:t>
+            </a:r>
+            <a:r>
+              <a:rPr lang="en-US" b="1" dirty="0" smtClean="0">
+                <a:latin typeface="Palatino Linotype" pitchFamily="18" charset="0"/>
+              </a:rPr>
+              <a:t>schema</a:t>
+            </a:r>
+            <a:r>
+              <a:rPr lang="en-US" dirty="0" smtClean="0">
+                <a:latin typeface="Palatino Linotype" pitchFamily="18" charset="0"/>
+              </a:rPr>
+              <a:t> is associated with a username which is known as the </a:t>
+            </a:r>
+            <a:r>
+              <a:rPr lang="en-US" b="1" dirty="0" smtClean="0">
+                <a:latin typeface="Palatino Linotype" pitchFamily="18" charset="0"/>
+              </a:rPr>
+              <a:t>schema</a:t>
+            </a:r>
+            <a:r>
+              <a:rPr lang="en-US" dirty="0" smtClean="0">
+                <a:latin typeface="Palatino Linotype" pitchFamily="18" charset="0"/>
+              </a:rPr>
+              <a:t> owner, who is the owner of the logically related database objects.</a:t>
+            </a:r>
+            <a:endParaRPr lang="en-US" dirty="0">
+              <a:latin typeface="Palatino Linotype" pitchFamily="18" charset="0"/>
+            </a:endParaRPr>
           </a:p>
         </p:txBody>
       </p:sp>
     </p:spTree>
     <p:extLst>
       <p:ext uri="{BB962C8B-B14F-4D97-AF65-F5344CB8AC3E}">
-        <p14:creationId xmlns:p14="http://schemas.microsoft.com/office/powerpoint/2010/main" xmlns="" val="2547664928"/>
+        <p14:creationId xmlns="" xmlns:p14="http://schemas.microsoft.com/office/powerpoint/2010/main" val="2547664928"/>
       </p:ext>
     </p:extLst>
   </p:cSld>
@@ -4467,7 +4552,7 @@
           <p:cNvPr id="4" name="Picture 3">
             <a:extLst>
               <a:ext uri="{FF2B5EF4-FFF2-40B4-BE49-F238E27FC236}">
-                <a16:creationId xmlns:a16="http://schemas.microsoft.com/office/drawing/2014/main" xmlns="" id="{4B3E96E4-8532-4FFA-8020-A53D8FBA2F23}"/>
+                <a16:creationId xmlns="" xmlns:a16="http://schemas.microsoft.com/office/drawing/2014/main" id="{4B3E96E4-8532-4FFA-8020-A53D8FBA2F23}"/>
               </a:ext>
             </a:extLst>
           </p:cNvPr>
@@ -4480,7 +4565,7 @@
           <a:blip r:embed="rId2" cstate="print">
             <a:extLst>
               <a:ext uri="{28A0092B-C50C-407E-A947-70E740481C1C}">
-                <a14:useLocalDpi xmlns:a14="http://schemas.microsoft.com/office/drawing/2010/main" xmlns="" val="0"/>
+                <a14:useLocalDpi xmlns="" xmlns:a14="http://schemas.microsoft.com/office/drawing/2010/main" val="0"/>
               </a:ext>
             </a:extLst>
           </a:blip>
@@ -4503,7 +4588,7 @@
           <p:cNvPr id="5" name="Footer Placeholder 2">
             <a:extLst>
               <a:ext uri="{FF2B5EF4-FFF2-40B4-BE49-F238E27FC236}">
-                <a16:creationId xmlns:a16="http://schemas.microsoft.com/office/drawing/2014/main" xmlns="" id="{70AFCD6D-DBA1-4EE8-A96A-D9652119B5FA}"/>
+                <a16:creationId xmlns="" xmlns:a16="http://schemas.microsoft.com/office/drawing/2014/main" id="{70AFCD6D-DBA1-4EE8-A96A-D9652119B5FA}"/>
               </a:ext>
             </a:extLst>
           </p:cNvPr>
@@ -4635,7 +4720,7 @@
           <p:cNvPr id="7" name="Rectangle 6">
             <a:extLst>
               <a:ext uri="{FF2B5EF4-FFF2-40B4-BE49-F238E27FC236}">
-                <a16:creationId xmlns:a16="http://schemas.microsoft.com/office/drawing/2014/main" xmlns="" id="{09A4DD51-F450-4FA7-BA18-C2A26D10D72C}"/>
+                <a16:creationId xmlns="" xmlns:a16="http://schemas.microsoft.com/office/drawing/2014/main" id="{09A4DD51-F450-4FA7-BA18-C2A26D10D72C}"/>
               </a:ext>
             </a:extLst>
           </p:cNvPr>
@@ -4795,7 +4880,7 @@
     </p:spTree>
     <p:extLst>
       <p:ext uri="{BB962C8B-B14F-4D97-AF65-F5344CB8AC3E}">
-        <p14:creationId xmlns:p14="http://schemas.microsoft.com/office/powerpoint/2010/main" xmlns="" val="1941358839"/>
+        <p14:creationId xmlns="" xmlns:p14="http://schemas.microsoft.com/office/powerpoint/2010/main" val="1941358839"/>
       </p:ext>
     </p:extLst>
   </p:cSld>
@@ -4834,7 +4919,7 @@
           <p:cNvPr id="4" name="Picture 3">
             <a:extLst>
               <a:ext uri="{FF2B5EF4-FFF2-40B4-BE49-F238E27FC236}">
-                <a16:creationId xmlns:a16="http://schemas.microsoft.com/office/drawing/2014/main" xmlns="" id="{4B3E96E4-8532-4FFA-8020-A53D8FBA2F23}"/>
+                <a16:creationId xmlns="" xmlns:a16="http://schemas.microsoft.com/office/drawing/2014/main" id="{4B3E96E4-8532-4FFA-8020-A53D8FBA2F23}"/>
               </a:ext>
             </a:extLst>
           </p:cNvPr>
@@ -4847,7 +4932,7 @@
           <a:blip r:embed="rId2" cstate="print">
             <a:extLst>
               <a:ext uri="{28A0092B-C50C-407E-A947-70E740481C1C}">
-                <a14:useLocalDpi xmlns:a14="http://schemas.microsoft.com/office/drawing/2010/main" xmlns="" val="0"/>
+                <a14:useLocalDpi xmlns="" xmlns:a14="http://schemas.microsoft.com/office/drawing/2010/main" val="0"/>
               </a:ext>
             </a:extLst>
           </a:blip>
@@ -4870,7 +4955,7 @@
           <p:cNvPr id="5" name="Footer Placeholder 2">
             <a:extLst>
               <a:ext uri="{FF2B5EF4-FFF2-40B4-BE49-F238E27FC236}">
-                <a16:creationId xmlns:a16="http://schemas.microsoft.com/office/drawing/2014/main" xmlns="" id="{70AFCD6D-DBA1-4EE8-A96A-D9652119B5FA}"/>
+                <a16:creationId xmlns="" xmlns:a16="http://schemas.microsoft.com/office/drawing/2014/main" id="{70AFCD6D-DBA1-4EE8-A96A-D9652119B5FA}"/>
               </a:ext>
             </a:extLst>
           </p:cNvPr>
@@ -5002,7 +5087,7 @@
           <p:cNvPr id="7" name="Rectangle 6">
             <a:extLst>
               <a:ext uri="{FF2B5EF4-FFF2-40B4-BE49-F238E27FC236}">
-                <a16:creationId xmlns:a16="http://schemas.microsoft.com/office/drawing/2014/main" xmlns="" id="{09A4DD51-F450-4FA7-BA18-C2A26D10D72C}"/>
+                <a16:creationId xmlns="" xmlns:a16="http://schemas.microsoft.com/office/drawing/2014/main" id="{09A4DD51-F450-4FA7-BA18-C2A26D10D72C}"/>
               </a:ext>
             </a:extLst>
           </p:cNvPr>
@@ -5112,7 +5197,7 @@
           <p:cNvPr id="10" name="Rectangle 9">
             <a:extLst>
               <a:ext uri="{FF2B5EF4-FFF2-40B4-BE49-F238E27FC236}">
-                <a16:creationId xmlns:a16="http://schemas.microsoft.com/office/drawing/2014/main" xmlns="" id="{2FDB2253-836D-468E-A0B5-6DA6EE4B76FE}"/>
+                <a16:creationId xmlns="" xmlns:a16="http://schemas.microsoft.com/office/drawing/2014/main" id="{2FDB2253-836D-468E-A0B5-6DA6EE4B76FE}"/>
               </a:ext>
             </a:extLst>
           </p:cNvPr>
@@ -5203,7 +5288,7 @@
           <p:cNvPr id="14" name="Rectangle 13">
             <a:extLst>
               <a:ext uri="{FF2B5EF4-FFF2-40B4-BE49-F238E27FC236}">
-                <a16:creationId xmlns:a16="http://schemas.microsoft.com/office/drawing/2014/main" xmlns="" id="{2FDB2253-836D-468E-A0B5-6DA6EE4B76FE}"/>
+                <a16:creationId xmlns="" xmlns:a16="http://schemas.microsoft.com/office/drawing/2014/main" id="{2FDB2253-836D-468E-A0B5-6DA6EE4B76FE}"/>
               </a:ext>
             </a:extLst>
           </p:cNvPr>
@@ -5251,7 +5336,7 @@
           <p:cNvPr id="15" name="Rectangle 14">
             <a:extLst>
               <a:ext uri="{FF2B5EF4-FFF2-40B4-BE49-F238E27FC236}">
-                <a16:creationId xmlns:a16="http://schemas.microsoft.com/office/drawing/2014/main" xmlns="" id="{2FDB2253-836D-468E-A0B5-6DA6EE4B76FE}"/>
+                <a16:creationId xmlns="" xmlns:a16="http://schemas.microsoft.com/office/drawing/2014/main" id="{2FDB2253-836D-468E-A0B5-6DA6EE4B76FE}"/>
               </a:ext>
             </a:extLst>
           </p:cNvPr>
@@ -5402,7 +5487,7 @@
     </p:spTree>
     <p:extLst>
       <p:ext uri="{BB962C8B-B14F-4D97-AF65-F5344CB8AC3E}">
-        <p14:creationId xmlns:p14="http://schemas.microsoft.com/office/powerpoint/2010/main" xmlns="" val="1941358839"/>
+        <p14:creationId xmlns="" xmlns:p14="http://schemas.microsoft.com/office/powerpoint/2010/main" val="1941358839"/>
       </p:ext>
     </p:extLst>
   </p:cSld>

--- a/Video Ver1/Video PPT/6. Schema in databases.pptx
+++ b/Video Ver1/Video PPT/6. Schema in databases.pptx
@@ -5,12 +5,14 @@
     <p:sldMasterId id="2147483648" r:id="rId1"/>
   </p:sldMasterIdLst>
   <p:notesMasterIdLst>
-    <p:notesMasterId r:id="rId5"/>
+    <p:notesMasterId r:id="rId7"/>
   </p:notesMasterIdLst>
   <p:sldIdLst>
     <p:sldId id="1199" r:id="rId2"/>
     <p:sldId id="1202" r:id="rId3"/>
-    <p:sldId id="1203" r:id="rId4"/>
+    <p:sldId id="1204" r:id="rId4"/>
+    <p:sldId id="1203" r:id="rId5"/>
+    <p:sldId id="1205" r:id="rId6"/>
   </p:sldIdLst>
   <p:sldSz cx="12190413" cy="6858000"/>
   <p:notesSz cx="6858000" cy="9144000"/>
@@ -111,648 +113,44 @@
   </p:defaultTextStyle>
   <p:extLst>
     <p:ext uri="{521415D9-36F7-43E2-AB2F-B90AF26B5E84}">
-      <p14:sectionLst xmlns="" xmlns:p14="http://schemas.microsoft.com/office/powerpoint/2010/main">
+      <p14:sectionLst xmlns:p14="http://schemas.microsoft.com/office/powerpoint/2010/main">
         <p14:section name="Introduction" id="{A3D14946-8297-4856-B082-4FEFA482017C}">
           <p14:sldIdLst>
-            <p14:sldId id="282"/>
-            <p14:sldId id="257"/>
-            <p14:sldId id="1096"/>
-            <p14:sldId id="1098"/>
-            <p14:sldId id="1093"/>
-            <p14:sldId id="1094"/>
-            <p14:sldId id="1095"/>
-            <p14:sldId id="262"/>
-            <p14:sldId id="1082"/>
-            <p14:sldId id="1099"/>
-            <p14:sldId id="266"/>
-            <p14:sldId id="1100"/>
-            <p14:sldId id="1085"/>
-            <p14:sldId id="1083"/>
-            <p14:sldId id="1070"/>
-            <p14:sldId id="269"/>
-            <p14:sldId id="270"/>
-            <p14:sldId id="271"/>
-            <p14:sldId id="267"/>
-            <p14:sldId id="272"/>
-            <p14:sldId id="273"/>
+            <p14:sldId id="1199"/>
+            <p14:sldId id="1202"/>
+            <p14:sldId id="1204"/>
+            <p14:sldId id="1203"/>
+            <p14:sldId id="1205"/>
           </p14:sldIdLst>
         </p14:section>
         <p14:section name="Data Defination Language" id="{347E00EC-A70B-42D3-B55A-27753B89E162}">
-          <p14:sldIdLst>
-            <p14:sldId id="283"/>
-            <p14:sldId id="274"/>
-            <p14:sldId id="275"/>
-            <p14:sldId id="276"/>
-            <p14:sldId id="285"/>
-            <p14:sldId id="286"/>
-            <p14:sldId id="289"/>
-            <p14:sldId id="290"/>
-            <p14:sldId id="291"/>
-            <p14:sldId id="866"/>
-            <p14:sldId id="292"/>
-            <p14:sldId id="293"/>
-            <p14:sldId id="294"/>
-            <p14:sldId id="295"/>
-            <p14:sldId id="296"/>
-            <p14:sldId id="297"/>
-            <p14:sldId id="298"/>
-            <p14:sldId id="300"/>
-            <p14:sldId id="301"/>
-            <p14:sldId id="302"/>
-            <p14:sldId id="1104"/>
-            <p14:sldId id="1147"/>
-            <p14:sldId id="1150"/>
-            <p14:sldId id="305"/>
-            <p14:sldId id="1151"/>
-            <p14:sldId id="306"/>
-            <p14:sldId id="307"/>
-            <p14:sldId id="308"/>
-            <p14:sldId id="1105"/>
-            <p14:sldId id="1148"/>
-            <p14:sldId id="1152"/>
-            <p14:sldId id="311"/>
-            <p14:sldId id="1153"/>
-            <p14:sldId id="312"/>
-            <p14:sldId id="313"/>
-            <p14:sldId id="314"/>
-            <p14:sldId id="315"/>
-            <p14:sldId id="316"/>
-            <p14:sldId id="1158"/>
-            <p14:sldId id="1156"/>
-            <p14:sldId id="1109"/>
-            <p14:sldId id="1157"/>
-            <p14:sldId id="1110"/>
-            <p14:sldId id="319"/>
-            <p14:sldId id="847"/>
-            <p14:sldId id="320"/>
-            <p14:sldId id="1149"/>
-            <p14:sldId id="1111"/>
-            <p14:sldId id="1154"/>
-            <p14:sldId id="1107"/>
-            <p14:sldId id="1155"/>
-            <p14:sldId id="1108"/>
-            <p14:sldId id="1106"/>
-            <p14:sldId id="321"/>
-            <p14:sldId id="322"/>
-            <p14:sldId id="323"/>
-            <p14:sldId id="324"/>
-            <p14:sldId id="325"/>
-            <p14:sldId id="326"/>
-            <p14:sldId id="327"/>
-            <p14:sldId id="328"/>
-            <p14:sldId id="329"/>
-            <p14:sldId id="330"/>
-            <p14:sldId id="848"/>
-            <p14:sldId id="849"/>
-            <p14:sldId id="851"/>
-            <p14:sldId id="331"/>
-            <p14:sldId id="1144"/>
-            <p14:sldId id="336"/>
-            <p14:sldId id="852"/>
-            <p14:sldId id="334"/>
-            <p14:sldId id="337"/>
-            <p14:sldId id="338"/>
-            <p14:sldId id="339"/>
-            <p14:sldId id="1159"/>
-            <p14:sldId id="1163"/>
-            <p14:sldId id="1160"/>
-            <p14:sldId id="1164"/>
-            <p14:sldId id="1161"/>
-            <p14:sldId id="1165"/>
-            <p14:sldId id="1167"/>
-            <p14:sldId id="1162"/>
-            <p14:sldId id="1166"/>
-            <p14:sldId id="1140"/>
-            <p14:sldId id="340"/>
-            <p14:sldId id="341"/>
-            <p14:sldId id="342"/>
-            <p14:sldId id="343"/>
-            <p14:sldId id="344"/>
-            <p14:sldId id="345"/>
-            <p14:sldId id="346"/>
-            <p14:sldId id="347"/>
-            <p14:sldId id="348"/>
-            <p14:sldId id="349"/>
-            <p14:sldId id="350"/>
-            <p14:sldId id="351"/>
-            <p14:sldId id="352"/>
-            <p14:sldId id="1079"/>
-            <p14:sldId id="1080"/>
-            <p14:sldId id="353"/>
-            <p14:sldId id="354"/>
-            <p14:sldId id="355"/>
-            <p14:sldId id="356"/>
-            <p14:sldId id="357"/>
-            <p14:sldId id="358"/>
-            <p14:sldId id="359"/>
-            <p14:sldId id="360"/>
-            <p14:sldId id="361"/>
-            <p14:sldId id="1131"/>
-            <p14:sldId id="362"/>
-            <p14:sldId id="365"/>
-            <p14:sldId id="366"/>
-          </p14:sldIdLst>
+          <p14:sldIdLst/>
         </p14:section>
         <p14:section name="Data Manuplation Language" id="{DABA1552-33D0-4262-A930-69DA7CCB6843}">
-          <p14:sldIdLst>
-            <p14:sldId id="367"/>
-            <p14:sldId id="368"/>
-            <p14:sldId id="369"/>
-            <p14:sldId id="371"/>
-            <p14:sldId id="1126"/>
-            <p14:sldId id="372"/>
-            <p14:sldId id="1125"/>
-            <p14:sldId id="373"/>
-            <p14:sldId id="374"/>
-            <p14:sldId id="375"/>
-            <p14:sldId id="376"/>
-            <p14:sldId id="377"/>
-            <p14:sldId id="380"/>
-            <p14:sldId id="381"/>
-            <p14:sldId id="382"/>
-            <p14:sldId id="383"/>
-            <p14:sldId id="1081"/>
-            <p14:sldId id="384"/>
-            <p14:sldId id="385"/>
-            <p14:sldId id="386"/>
-            <p14:sldId id="387"/>
-            <p14:sldId id="388"/>
-            <p14:sldId id="389"/>
-            <p14:sldId id="390"/>
-            <p14:sldId id="391"/>
-            <p14:sldId id="853"/>
-            <p14:sldId id="1102"/>
-            <p14:sldId id="855"/>
-            <p14:sldId id="856"/>
-            <p14:sldId id="857"/>
-            <p14:sldId id="858"/>
-            <p14:sldId id="393"/>
-            <p14:sldId id="394"/>
-            <p14:sldId id="395"/>
-            <p14:sldId id="397"/>
-            <p14:sldId id="398"/>
-            <p14:sldId id="402"/>
-            <p14:sldId id="403"/>
-            <p14:sldId id="404"/>
-            <p14:sldId id="405"/>
-            <p14:sldId id="406"/>
-            <p14:sldId id="413"/>
-            <p14:sldId id="414"/>
-            <p14:sldId id="415"/>
-            <p14:sldId id="416"/>
-            <p14:sldId id="417"/>
-            <p14:sldId id="418"/>
-            <p14:sldId id="419"/>
-            <p14:sldId id="420"/>
-            <p14:sldId id="421"/>
-            <p14:sldId id="1113"/>
-            <p14:sldId id="1042"/>
-            <p14:sldId id="1114"/>
-            <p14:sldId id="1127"/>
-            <p14:sldId id="1115"/>
-            <p14:sldId id="1116"/>
-            <p14:sldId id="428"/>
-            <p14:sldId id="429"/>
-            <p14:sldId id="1128"/>
-            <p14:sldId id="430"/>
-            <p14:sldId id="431"/>
-            <p14:sldId id="434"/>
-            <p14:sldId id="435"/>
-            <p14:sldId id="436"/>
-            <p14:sldId id="437"/>
-            <p14:sldId id="438"/>
-            <p14:sldId id="443"/>
-            <p14:sldId id="445"/>
-            <p14:sldId id="446"/>
-            <p14:sldId id="440"/>
-            <p14:sldId id="441"/>
-            <p14:sldId id="442"/>
-            <p14:sldId id="453"/>
-            <p14:sldId id="454"/>
-            <p14:sldId id="455"/>
-            <p14:sldId id="456"/>
-            <p14:sldId id="457"/>
-            <p14:sldId id="458"/>
-            <p14:sldId id="459"/>
-            <p14:sldId id="460"/>
-            <p14:sldId id="461"/>
-            <p14:sldId id="462"/>
-            <p14:sldId id="463"/>
-            <p14:sldId id="464"/>
-            <p14:sldId id="467"/>
-            <p14:sldId id="468"/>
-            <p14:sldId id="469"/>
-            <p14:sldId id="470"/>
-            <p14:sldId id="471"/>
-            <p14:sldId id="472"/>
-            <p14:sldId id="473"/>
-            <p14:sldId id="477"/>
-            <p14:sldId id="478"/>
-            <p14:sldId id="479"/>
-            <p14:sldId id="480"/>
-            <p14:sldId id="481"/>
-            <p14:sldId id="482"/>
-            <p14:sldId id="483"/>
-            <p14:sldId id="484"/>
-            <p14:sldId id="485"/>
-            <p14:sldId id="486"/>
-            <p14:sldId id="487"/>
-            <p14:sldId id="488"/>
-            <p14:sldId id="489"/>
-            <p14:sldId id="490"/>
-            <p14:sldId id="491"/>
-            <p14:sldId id="492"/>
-            <p14:sldId id="493"/>
-            <p14:sldId id="494"/>
-            <p14:sldId id="495"/>
-            <p14:sldId id="496"/>
-            <p14:sldId id="497"/>
-            <p14:sldId id="498"/>
-            <p14:sldId id="499"/>
-            <p14:sldId id="500"/>
-            <p14:sldId id="501"/>
-            <p14:sldId id="502"/>
-            <p14:sldId id="504"/>
-            <p14:sldId id="505"/>
-            <p14:sldId id="506"/>
-            <p14:sldId id="507"/>
-            <p14:sldId id="508"/>
-            <p14:sldId id="509"/>
-            <p14:sldId id="510"/>
-            <p14:sldId id="511"/>
-            <p14:sldId id="512"/>
-            <p14:sldId id="513"/>
-            <p14:sldId id="514"/>
-            <p14:sldId id="515"/>
-            <p14:sldId id="516"/>
-            <p14:sldId id="517"/>
-            <p14:sldId id="518"/>
-            <p14:sldId id="519"/>
-            <p14:sldId id="520"/>
-            <p14:sldId id="521"/>
-            <p14:sldId id="522"/>
-            <p14:sldId id="523"/>
-            <p14:sldId id="1123"/>
-            <p14:sldId id="524"/>
-            <p14:sldId id="1124"/>
-            <p14:sldId id="525"/>
-            <p14:sldId id="526"/>
-            <p14:sldId id="527"/>
-            <p14:sldId id="1122"/>
-            <p14:sldId id="529"/>
-            <p14:sldId id="530"/>
-            <p14:sldId id="531"/>
-            <p14:sldId id="532"/>
-            <p14:sldId id="533"/>
-            <p14:sldId id="534"/>
-            <p14:sldId id="535"/>
-            <p14:sldId id="536"/>
-            <p14:sldId id="537"/>
-            <p14:sldId id="538"/>
-            <p14:sldId id="539"/>
-            <p14:sldId id="540"/>
-            <p14:sldId id="541"/>
-            <p14:sldId id="542"/>
-            <p14:sldId id="543"/>
-            <p14:sldId id="1121"/>
-            <p14:sldId id="544"/>
-            <p14:sldId id="545"/>
-            <p14:sldId id="546"/>
-            <p14:sldId id="547"/>
-            <p14:sldId id="548"/>
-            <p14:sldId id="549"/>
-            <p14:sldId id="550"/>
-            <p14:sldId id="551"/>
-            <p14:sldId id="552"/>
-            <p14:sldId id="553"/>
-            <p14:sldId id="554"/>
-            <p14:sldId id="555"/>
-            <p14:sldId id="556"/>
-            <p14:sldId id="557"/>
-            <p14:sldId id="558"/>
-          </p14:sldIdLst>
+          <p14:sldIdLst/>
         </p14:section>
         <p14:section name="Theory Section" id="{34884AC8-2BB3-410A-B367-3356E05FE22B}">
-          <p14:sldIdLst>
-            <p14:sldId id="618"/>
-            <p14:sldId id="563"/>
-            <p14:sldId id="564"/>
-            <p14:sldId id="565"/>
-            <p14:sldId id="566"/>
-            <p14:sldId id="567"/>
-            <p14:sldId id="570"/>
-            <p14:sldId id="571"/>
-            <p14:sldId id="572"/>
-            <p14:sldId id="573"/>
-            <p14:sldId id="574"/>
-            <p14:sldId id="575"/>
-            <p14:sldId id="576"/>
-            <p14:sldId id="577"/>
-            <p14:sldId id="578"/>
-            <p14:sldId id="579"/>
-            <p14:sldId id="580"/>
-            <p14:sldId id="581"/>
-            <p14:sldId id="582"/>
-            <p14:sldId id="583"/>
-            <p14:sldId id="584"/>
-            <p14:sldId id="585"/>
-            <p14:sldId id="586"/>
-            <p14:sldId id="587"/>
-            <p14:sldId id="588"/>
-            <p14:sldId id="589"/>
-            <p14:sldId id="590"/>
-            <p14:sldId id="1141"/>
-            <p14:sldId id="591"/>
-            <p14:sldId id="1142"/>
-            <p14:sldId id="592"/>
-            <p14:sldId id="593"/>
-            <p14:sldId id="1143"/>
-            <p14:sldId id="594"/>
-            <p14:sldId id="595"/>
-            <p14:sldId id="596"/>
-            <p14:sldId id="597"/>
-            <p14:sldId id="598"/>
-            <p14:sldId id="599"/>
-            <p14:sldId id="602"/>
-            <p14:sldId id="603"/>
-            <p14:sldId id="604"/>
-            <p14:sldId id="605"/>
-            <p14:sldId id="606"/>
-            <p14:sldId id="607"/>
-          </p14:sldIdLst>
+          <p14:sldIdLst/>
         </p14:section>
         <p14:section name="Normatization" id="{EF0E5AD4-5FD4-4F19-A19E-E102405AA098}">
-          <p14:sldIdLst>
-            <p14:sldId id="619"/>
-            <p14:sldId id="620"/>
-            <p14:sldId id="621"/>
-            <p14:sldId id="622"/>
-            <p14:sldId id="623"/>
-            <p14:sldId id="624"/>
-            <p14:sldId id="625"/>
-            <p14:sldId id="626"/>
-            <p14:sldId id="627"/>
-            <p14:sldId id="628"/>
-            <p14:sldId id="629"/>
-            <p14:sldId id="630"/>
-            <p14:sldId id="631"/>
-            <p14:sldId id="860"/>
-            <p14:sldId id="861"/>
-            <p14:sldId id="862"/>
-            <p14:sldId id="632"/>
-            <p14:sldId id="633"/>
-            <p14:sldId id="634"/>
-            <p14:sldId id="1086"/>
-            <p14:sldId id="635"/>
-            <p14:sldId id="1087"/>
-            <p14:sldId id="636"/>
-            <p14:sldId id="637"/>
-            <p14:sldId id="1088"/>
-            <p14:sldId id="638"/>
-            <p14:sldId id="639"/>
-            <p14:sldId id="640"/>
-            <p14:sldId id="641"/>
-          </p14:sldIdLst>
+          <p14:sldIdLst/>
         </p14:section>
         <p14:section name="Stored Procedure and Function" id="{B62913B0-EC9F-4436-BEDC-4DCBF9A2B3AB}">
-          <p14:sldIdLst>
-            <p14:sldId id="642"/>
-            <p14:sldId id="643"/>
-            <p14:sldId id="644"/>
-            <p14:sldId id="645"/>
-            <p14:sldId id="646"/>
-            <p14:sldId id="647"/>
-            <p14:sldId id="648"/>
-            <p14:sldId id="649"/>
-            <p14:sldId id="650"/>
-            <p14:sldId id="651"/>
-            <p14:sldId id="652"/>
-            <p14:sldId id="653"/>
-            <p14:sldId id="654"/>
-            <p14:sldId id="655"/>
-            <p14:sldId id="656"/>
-            <p14:sldId id="657"/>
-            <p14:sldId id="658"/>
-            <p14:sldId id="669"/>
-            <p14:sldId id="670"/>
-            <p14:sldId id="1139"/>
-            <p14:sldId id="661"/>
-            <p14:sldId id="662"/>
-            <p14:sldId id="663"/>
-            <p14:sldId id="1132"/>
-            <p14:sldId id="668"/>
-            <p14:sldId id="672"/>
-            <p14:sldId id="673"/>
-            <p14:sldId id="1136"/>
-            <p14:sldId id="1137"/>
-            <p14:sldId id="1138"/>
-            <p14:sldId id="675"/>
-            <p14:sldId id="676"/>
-            <p14:sldId id="677"/>
-            <p14:sldId id="678"/>
-            <p14:sldId id="679"/>
-            <p14:sldId id="680"/>
-          </p14:sldIdLst>
+          <p14:sldIdLst/>
         </p14:section>
         <p14:section name="Triggers" id="{43413A11-6D7B-4E6D-B88B-1C10283CD29F}">
-          <p14:sldIdLst>
-            <p14:sldId id="681"/>
-            <p14:sldId id="682"/>
-            <p14:sldId id="683"/>
-            <p14:sldId id="684"/>
-            <p14:sldId id="686"/>
-            <p14:sldId id="688"/>
-            <p14:sldId id="1133"/>
-            <p14:sldId id="692"/>
-            <p14:sldId id="1134"/>
-            <p14:sldId id="1135"/>
-            <p14:sldId id="689"/>
-            <p14:sldId id="690"/>
-            <p14:sldId id="691"/>
-            <p14:sldId id="693"/>
-            <p14:sldId id="694"/>
-            <p14:sldId id="695"/>
-            <p14:sldId id="696"/>
-            <p14:sldId id="697"/>
-            <p14:sldId id="698"/>
-          </p14:sldIdLst>
+          <p14:sldIdLst/>
         </p14:section>
         <p14:section name="NoSQL" id="{043CF6B2-E975-4043-812B-33699AD3D23F}">
-          <p14:sldIdLst>
-            <p14:sldId id="699"/>
-            <p14:sldId id="700"/>
-            <p14:sldId id="707"/>
-            <p14:sldId id="701"/>
-            <p14:sldId id="702"/>
-            <p14:sldId id="703"/>
-            <p14:sldId id="704"/>
-            <p14:sldId id="1130"/>
-            <p14:sldId id="705"/>
-            <p14:sldId id="708"/>
-            <p14:sldId id="1089"/>
-            <p14:sldId id="864"/>
-            <p14:sldId id="709"/>
-            <p14:sldId id="710"/>
-            <p14:sldId id="711"/>
-            <p14:sldId id="712"/>
-            <p14:sldId id="713"/>
-            <p14:sldId id="714"/>
-            <p14:sldId id="715"/>
-            <p14:sldId id="716"/>
-            <p14:sldId id="717"/>
-            <p14:sldId id="718"/>
-            <p14:sldId id="719"/>
-            <p14:sldId id="720"/>
-            <p14:sldId id="721"/>
-            <p14:sldId id="722"/>
-            <p14:sldId id="723"/>
-            <p14:sldId id="724"/>
-            <p14:sldId id="725"/>
-            <p14:sldId id="726"/>
-            <p14:sldId id="727"/>
-            <p14:sldId id="728"/>
-            <p14:sldId id="729"/>
-            <p14:sldId id="730"/>
-            <p14:sldId id="731"/>
-            <p14:sldId id="732"/>
-            <p14:sldId id="733"/>
-            <p14:sldId id="734"/>
-            <p14:sldId id="735"/>
-            <p14:sldId id="736"/>
-            <p14:sldId id="737"/>
-            <p14:sldId id="738"/>
-            <p14:sldId id="739"/>
-            <p14:sldId id="740"/>
-            <p14:sldId id="741"/>
-            <p14:sldId id="742"/>
-            <p14:sldId id="743"/>
-            <p14:sldId id="744"/>
-            <p14:sldId id="745"/>
-            <p14:sldId id="746"/>
-            <p14:sldId id="747"/>
-            <p14:sldId id="748"/>
-            <p14:sldId id="749"/>
-            <p14:sldId id="750"/>
-            <p14:sldId id="751"/>
-            <p14:sldId id="752"/>
-            <p14:sldId id="753"/>
-            <p14:sldId id="754"/>
-            <p14:sldId id="755"/>
-            <p14:sldId id="756"/>
-            <p14:sldId id="757"/>
-            <p14:sldId id="758"/>
-            <p14:sldId id="759"/>
-            <p14:sldId id="760"/>
-            <p14:sldId id="761"/>
-            <p14:sldId id="762"/>
-            <p14:sldId id="763"/>
-            <p14:sldId id="764"/>
-            <p14:sldId id="765"/>
-            <p14:sldId id="766"/>
-            <p14:sldId id="767"/>
-            <p14:sldId id="768"/>
-            <p14:sldId id="769"/>
-            <p14:sldId id="770"/>
-            <p14:sldId id="771"/>
-            <p14:sldId id="772"/>
-            <p14:sldId id="773"/>
-            <p14:sldId id="774"/>
-            <p14:sldId id="775"/>
-            <p14:sldId id="776"/>
-            <p14:sldId id="777"/>
-            <p14:sldId id="778"/>
-            <p14:sldId id="779"/>
-            <p14:sldId id="780"/>
-            <p14:sldId id="781"/>
-            <p14:sldId id="782"/>
-            <p14:sldId id="783"/>
-            <p14:sldId id="784"/>
-            <p14:sldId id="785"/>
-            <p14:sldId id="786"/>
-            <p14:sldId id="787"/>
-            <p14:sldId id="788"/>
-            <p14:sldId id="789"/>
-            <p14:sldId id="790"/>
-            <p14:sldId id="791"/>
-            <p14:sldId id="792"/>
-            <p14:sldId id="793"/>
-            <p14:sldId id="794"/>
-            <p14:sldId id="795"/>
-            <p14:sldId id="796"/>
-            <p14:sldId id="797"/>
-            <p14:sldId id="798"/>
-            <p14:sldId id="799"/>
-            <p14:sldId id="800"/>
-            <p14:sldId id="801"/>
-            <p14:sldId id="802"/>
-            <p14:sldId id="803"/>
-            <p14:sldId id="804"/>
-            <p14:sldId id="805"/>
-            <p14:sldId id="806"/>
-            <p14:sldId id="807"/>
-            <p14:sldId id="808"/>
-            <p14:sldId id="809"/>
-            <p14:sldId id="810"/>
-            <p14:sldId id="811"/>
-            <p14:sldId id="812"/>
-            <p14:sldId id="813"/>
-            <p14:sldId id="814"/>
-            <p14:sldId id="815"/>
-            <p14:sldId id="816"/>
-            <p14:sldId id="817"/>
-            <p14:sldId id="818"/>
-            <p14:sldId id="819"/>
-            <p14:sldId id="820"/>
-            <p14:sldId id="821"/>
-            <p14:sldId id="822"/>
-            <p14:sldId id="823"/>
-            <p14:sldId id="824"/>
-            <p14:sldId id="825"/>
-            <p14:sldId id="826"/>
-            <p14:sldId id="827"/>
-            <p14:sldId id="828"/>
-            <p14:sldId id="829"/>
-            <p14:sldId id="830"/>
-            <p14:sldId id="831"/>
-            <p14:sldId id="832"/>
-            <p14:sldId id="833"/>
-            <p14:sldId id="834"/>
-            <p14:sldId id="835"/>
-            <p14:sldId id="836"/>
-            <p14:sldId id="837"/>
-            <p14:sldId id="838"/>
-            <p14:sldId id="839"/>
-            <p14:sldId id="840"/>
-            <p14:sldId id="841"/>
-          </p14:sldIdLst>
+          <p14:sldIdLst/>
         </p14:section>
         <p14:section name="Big Data" id="{714FF753-78D3-4CFC-AD17-400810612444}">
-          <p14:sldIdLst>
-            <p14:sldId id="842"/>
-            <p14:sldId id="843"/>
-            <p14:sldId id="844"/>
-            <p14:sldId id="845"/>
-            <p14:sldId id="863"/>
-            <p14:sldId id="865"/>
-            <p14:sldId id="846"/>
-            <p14:sldId id="503"/>
-            <p14:sldId id="1101"/>
-            <p14:sldId id="1118"/>
-            <p14:sldId id="1120"/>
-            <p14:sldId id="1171"/>
-            <p14:sldId id="1170"/>
-            <p14:sldId id="1169"/>
-            <p14:sldId id="1168"/>
-            <p14:sldId id="1172"/>
-            <p14:sldId id="1173"/>
-            <p14:sldId id="1174"/>
-            <p14:sldId id="1175"/>
-          </p14:sldIdLst>
+          <p14:sldIdLst/>
         </p14:section>
       </p14:sectionLst>
     </p:ext>
     <p:ext uri="{EFAFB233-063F-42B5-8137-9DF3F51BA10A}">
-      <p15:sldGuideLst xmlns="" xmlns:p15="http://schemas.microsoft.com/office/powerpoint/2012/main">
+      <p15:sldGuideLst xmlns:p15="http://schemas.microsoft.com/office/powerpoint/2012/main">
         <p15:guide id="1" orient="horz" pos="2160">
           <p15:clr>
             <a:srgbClr val="A4A3A4"/>
@@ -774,7 +172,7 @@
   <p:cmAuthor id="1" name="Saleel" initials="S" lastIdx="1" clrIdx="0">
     <p:extLst>
       <p:ext uri="{19B8F6BF-5375-455C-9EA6-DF929625EA0E}">
-        <p15:presenceInfo xmlns="" xmlns:p15="http://schemas.microsoft.com/office/powerpoint/2012/main" userId="Saleel" providerId="None"/>
+        <p15:presenceInfo xmlns:p15="http://schemas.microsoft.com/office/powerpoint/2012/main" userId="Saleel" providerId="None"/>
       </p:ext>
     </p:extLst>
   </p:cmAuthor>
@@ -864,7 +262,7 @@
             <a:fld id="{4DF51050-3720-483B-B552-57DC1341D582}" type="datetimeFigureOut">
               <a:rPr lang="en-US" smtClean="0"/>
               <a:pPr/>
-              <a:t>6/6/2020</a:t>
+              <a:t>6/8/2020</a:t>
             </a:fld>
             <a:endParaRPr lang="en-US"/>
           </a:p>
@@ -1323,7 +721,7 @@
             <a:fld id="{EEE556E8-492E-4E8F-8E7F-7A7787724D01}" type="datetimeFigureOut">
               <a:rPr lang="en-US" smtClean="0"/>
               <a:pPr/>
-              <a:t>6/6/2020</a:t>
+              <a:t>6/8/2020</a:t>
             </a:fld>
             <a:endParaRPr lang="en-US"/>
           </a:p>
@@ -1528,7 +926,7 @@
             <a:fld id="{EEE556E8-492E-4E8F-8E7F-7A7787724D01}" type="datetimeFigureOut">
               <a:rPr lang="en-US" smtClean="0"/>
               <a:pPr/>
-              <a:t>6/6/2020</a:t>
+              <a:t>6/8/2020</a:t>
             </a:fld>
             <a:endParaRPr lang="en-US"/>
           </a:p>
@@ -1733,7 +1131,7 @@
             <a:fld id="{EEE556E8-492E-4E8F-8E7F-7A7787724D01}" type="datetimeFigureOut">
               <a:rPr lang="en-US" smtClean="0"/>
               <a:pPr/>
-              <a:t>6/6/2020</a:t>
+              <a:t>6/8/2020</a:t>
             </a:fld>
             <a:endParaRPr lang="en-US"/>
           </a:p>
@@ -1938,7 +1336,7 @@
             <a:fld id="{EEE556E8-492E-4E8F-8E7F-7A7787724D01}" type="datetimeFigureOut">
               <a:rPr lang="en-US" smtClean="0"/>
               <a:pPr/>
-              <a:t>6/6/2020</a:t>
+              <a:t>6/8/2020</a:t>
             </a:fld>
             <a:endParaRPr lang="en-US"/>
           </a:p>
@@ -2210,7 +1608,7 @@
             <a:fld id="{EEE556E8-492E-4E8F-8E7F-7A7787724D01}" type="datetimeFigureOut">
               <a:rPr lang="en-US" smtClean="0"/>
               <a:pPr/>
-              <a:t>6/6/2020</a:t>
+              <a:t>6/8/2020</a:t>
             </a:fld>
             <a:endParaRPr lang="en-US"/>
           </a:p>
@@ -2530,7 +1928,7 @@
             <a:fld id="{EEE556E8-492E-4E8F-8E7F-7A7787724D01}" type="datetimeFigureOut">
               <a:rPr lang="en-US" smtClean="0"/>
               <a:pPr/>
-              <a:t>6/6/2020</a:t>
+              <a:t>6/8/2020</a:t>
             </a:fld>
             <a:endParaRPr lang="en-US"/>
           </a:p>
@@ -2990,7 +2388,7 @@
             <a:fld id="{EEE556E8-492E-4E8F-8E7F-7A7787724D01}" type="datetimeFigureOut">
               <a:rPr lang="en-US" smtClean="0"/>
               <a:pPr/>
-              <a:t>6/6/2020</a:t>
+              <a:t>6/8/2020</a:t>
             </a:fld>
             <a:endParaRPr lang="en-US"/>
           </a:p>
@@ -3136,7 +2534,7 @@
             <a:fld id="{EEE556E8-492E-4E8F-8E7F-7A7787724D01}" type="datetimeFigureOut">
               <a:rPr lang="en-US" smtClean="0"/>
               <a:pPr/>
-              <a:t>6/6/2020</a:t>
+              <a:t>6/8/2020</a:t>
             </a:fld>
             <a:endParaRPr lang="en-US"/>
           </a:p>
@@ -3466,7 +2864,7 @@
             <a:fld id="{EEE556E8-492E-4E8F-8E7F-7A7787724D01}" type="datetimeFigureOut">
               <a:rPr lang="en-US" smtClean="0"/>
               <a:pPr/>
-              <a:t>6/6/2020</a:t>
+              <a:t>6/8/2020</a:t>
             </a:fld>
             <a:endParaRPr lang="en-US"/>
           </a:p>
@@ -3748,7 +3146,7 @@
             <a:fld id="{EEE556E8-492E-4E8F-8E7F-7A7787724D01}" type="datetimeFigureOut">
               <a:rPr lang="en-US" smtClean="0"/>
               <a:pPr/>
-              <a:t>6/6/2020</a:t>
+              <a:t>6/8/2020</a:t>
             </a:fld>
             <a:endParaRPr lang="en-US"/>
           </a:p>
@@ -4134,7 +3532,7 @@
           <p:cNvPr id="8" name="Picture 7">
             <a:extLst>
               <a:ext uri="{FF2B5EF4-FFF2-40B4-BE49-F238E27FC236}">
-                <a16:creationId xmlns="" xmlns:a16="http://schemas.microsoft.com/office/drawing/2014/main" id="{FF24E983-0C73-4002-AA14-199E8763DD65}"/>
+                <a16:creationId xmlns:a16="http://schemas.microsoft.com/office/drawing/2014/main" id="{FF24E983-0C73-4002-AA14-199E8763DD65}"/>
               </a:ext>
             </a:extLst>
           </p:cNvPr>
@@ -4147,7 +3545,7 @@
           <a:blip r:embed="rId2" cstate="print">
             <a:extLst>
               <a:ext uri="{28A0092B-C50C-407E-A947-70E740481C1C}">
-                <a14:useLocalDpi xmlns="" xmlns:a14="http://schemas.microsoft.com/office/drawing/2010/main" val="0"/>
+                <a14:useLocalDpi xmlns:a14="http://schemas.microsoft.com/office/drawing/2010/main" val="0"/>
               </a:ext>
             </a:extLst>
           </a:blip>
@@ -4170,7 +3568,7 @@
           <p:cNvPr id="7" name="Footer Placeholder 2">
             <a:extLst>
               <a:ext uri="{FF2B5EF4-FFF2-40B4-BE49-F238E27FC236}">
-                <a16:creationId xmlns="" xmlns:a16="http://schemas.microsoft.com/office/drawing/2014/main" id="{E14F7621-66C5-47D6-A8C7-2B6C3CD2205A}"/>
+                <a16:creationId xmlns:a16="http://schemas.microsoft.com/office/drawing/2014/main" id="{E14F7621-66C5-47D6-A8C7-2B6C3CD2205A}"/>
               </a:ext>
             </a:extLst>
           </p:cNvPr>
@@ -4299,38 +3697,6 @@
       </p:sp>
       <p:sp>
         <p:nvSpPr>
-          <p:cNvPr id="9" name="Rectangle 8"/>
-          <p:cNvSpPr/>
-          <p:nvPr/>
-        </p:nvSpPr>
-        <p:spPr>
-          <a:xfrm>
-            <a:off x="11755679" y="0"/>
-            <a:ext cx="434734" cy="369332"/>
-          </a:xfrm>
-          <a:prstGeom prst="rect">
-            <a:avLst/>
-          </a:prstGeom>
-        </p:spPr>
-        <p:txBody>
-          <a:bodyPr wrap="none">
-            <a:spAutoFit/>
-          </a:bodyPr>
-          <a:lstStyle/>
-          <a:p>
-            <a:r>
-              <a:rPr lang="en-IN" dirty="0" smtClean="0">
-                <a:latin typeface="Segoe UI Light" panose="020B0502040204020203" pitchFamily="34" charset="0"/>
-                <a:cs typeface="Segoe UI Light" panose="020B0502040204020203" pitchFamily="34" charset="0"/>
-              </a:rPr>
-              <a:t>(6)</a:t>
-            </a:r>
-            <a:endParaRPr lang="en-US" dirty="0"/>
-          </a:p>
-        </p:txBody>
-      </p:sp>
-      <p:sp>
-        <p:nvSpPr>
           <p:cNvPr id="10" name="Title 1"/>
           <p:cNvSpPr txBox="1">
             <a:spLocks/>
@@ -4359,7 +3725,7 @@
               <a:defRPr/>
             </a:pPr>
             <a:r>
-              <a:rPr lang="en-US" sz="4800" dirty="0" smtClean="0">
+              <a:rPr lang="en-US" sz="4800" dirty="0">
                 <a:latin typeface="Segoe UI Light" panose="020B0502040204020203" pitchFamily="34" charset="0"/>
                 <a:cs typeface="Segoe UI Light" panose="020B0502040204020203" pitchFamily="34" charset="0"/>
               </a:rPr>
@@ -4394,50 +3760,47 @@
           <a:lstStyle/>
           <a:p>
             <a:r>
-              <a:rPr lang="en-US" dirty="0" smtClean="0">
+              <a:rPr lang="en-US" dirty="0">
                 <a:latin typeface="Palatino Linotype" pitchFamily="18" charset="0"/>
               </a:rPr>
               <a:t>In </a:t>
             </a:r>
             <a:r>
-              <a:rPr lang="en-US" b="1" dirty="0" smtClean="0">
+              <a:rPr lang="en-US" b="1" dirty="0">
                 <a:latin typeface="Palatino Linotype" pitchFamily="18" charset="0"/>
               </a:rPr>
               <a:t>MySQL</a:t>
             </a:r>
             <a:r>
-              <a:rPr lang="en-US" dirty="0" smtClean="0">
+              <a:rPr lang="en-US" dirty="0">
                 <a:latin typeface="Palatino Linotype" pitchFamily="18" charset="0"/>
               </a:rPr>
               <a:t>, </a:t>
             </a:r>
             <a:r>
-              <a:rPr lang="en-US" b="1" dirty="0" smtClean="0">
+              <a:rPr lang="en-US" b="1" dirty="0">
                 <a:latin typeface="Palatino Linotype" pitchFamily="18" charset="0"/>
               </a:rPr>
               <a:t>schema</a:t>
             </a:r>
             <a:r>
-              <a:rPr lang="en-US" dirty="0" smtClean="0">
+              <a:rPr lang="en-US" dirty="0">
                 <a:latin typeface="Palatino Linotype" pitchFamily="18" charset="0"/>
               </a:rPr>
               <a:t> is synonymous of </a:t>
             </a:r>
             <a:r>
-              <a:rPr lang="en-US" b="1" dirty="0" smtClean="0">
+              <a:rPr lang="en-US" b="1" dirty="0">
                 <a:latin typeface="Palatino Linotype" pitchFamily="18" charset="0"/>
               </a:rPr>
               <a:t>database</a:t>
             </a:r>
             <a:r>
-              <a:rPr lang="en-US" dirty="0" smtClean="0">
+              <a:rPr lang="en-US" dirty="0">
                 <a:latin typeface="Palatino Linotype" pitchFamily="18" charset="0"/>
               </a:rPr>
               <a:t>.</a:t>
             </a:r>
-            <a:endParaRPr lang="en-US" dirty="0">
-              <a:latin typeface="Palatino Linotype" pitchFamily="18" charset="0"/>
-            </a:endParaRPr>
           </a:p>
         </p:txBody>
       </p:sp>
@@ -4463,57 +3826,126 @@
           <a:lstStyle/>
           <a:p>
             <a:r>
-              <a:rPr lang="en-US" dirty="0" smtClean="0">
+              <a:rPr lang="en-US" dirty="0">
                 <a:latin typeface="Palatino Linotype" pitchFamily="18" charset="0"/>
               </a:rPr>
               <a:t>A </a:t>
             </a:r>
             <a:r>
-              <a:rPr lang="en-US" b="1" dirty="0" smtClean="0">
+              <a:rPr lang="en-US" b="1" dirty="0">
                 <a:latin typeface="Palatino Linotype" pitchFamily="18" charset="0"/>
               </a:rPr>
               <a:t>schema</a:t>
             </a:r>
             <a:r>
-              <a:rPr lang="en-US" dirty="0" smtClean="0">
+              <a:rPr lang="en-US" dirty="0">
                 <a:latin typeface="Palatino Linotype" pitchFamily="18" charset="0"/>
               </a:rPr>
-              <a:t> is a collection of database objects including tables, views, triggers, stored procedures, indexes, etc. A </a:t>
-            </a:r>
-            <a:r>
-              <a:rPr lang="en-US" b="1" dirty="0" smtClean="0">
+              <a:t> is a collection of database objects including </a:t>
+            </a:r>
+            <a:r>
+              <a:rPr lang="en-US" b="1" dirty="0">
+                <a:latin typeface="Palatino Linotype" pitchFamily="18" charset="0"/>
+              </a:rPr>
+              <a:t>tables</a:t>
+            </a:r>
+            <a:r>
+              <a:rPr lang="en-US" dirty="0">
+                <a:latin typeface="Palatino Linotype" pitchFamily="18" charset="0"/>
+              </a:rPr>
+              <a:t>, </a:t>
+            </a:r>
+            <a:r>
+              <a:rPr lang="en-US" b="1" dirty="0">
+                <a:latin typeface="Palatino Linotype" pitchFamily="18" charset="0"/>
+              </a:rPr>
+              <a:t>views</a:t>
+            </a:r>
+            <a:r>
+              <a:rPr lang="en-US" dirty="0">
+                <a:latin typeface="Palatino Linotype" pitchFamily="18" charset="0"/>
+              </a:rPr>
+              <a:t>, </a:t>
+            </a:r>
+            <a:r>
+              <a:rPr lang="en-US" b="1" dirty="0">
+                <a:latin typeface="Palatino Linotype" pitchFamily="18" charset="0"/>
+              </a:rPr>
+              <a:t>triggers</a:t>
+            </a:r>
+            <a:r>
+              <a:rPr lang="en-US" dirty="0">
+                <a:latin typeface="Palatino Linotype" pitchFamily="18" charset="0"/>
+              </a:rPr>
+              <a:t>, </a:t>
+            </a:r>
+            <a:r>
+              <a:rPr lang="en-US" b="1" dirty="0">
+                <a:latin typeface="Palatino Linotype" pitchFamily="18" charset="0"/>
+              </a:rPr>
+              <a:t>stored</a:t>
+            </a:r>
+            <a:r>
+              <a:rPr lang="en-US" dirty="0">
+                <a:latin typeface="Palatino Linotype" pitchFamily="18" charset="0"/>
+              </a:rPr>
+              <a:t> </a:t>
+            </a:r>
+            <a:r>
+              <a:rPr lang="en-US" b="1" dirty="0">
+                <a:latin typeface="Palatino Linotype" pitchFamily="18" charset="0"/>
+              </a:rPr>
+              <a:t>procedures</a:t>
+            </a:r>
+            <a:r>
+              <a:rPr lang="en-US" dirty="0">
+                <a:latin typeface="Palatino Linotype" pitchFamily="18" charset="0"/>
+              </a:rPr>
+              <a:t>, </a:t>
+            </a:r>
+            <a:r>
+              <a:rPr lang="en-US" b="1" dirty="0">
+                <a:latin typeface="Palatino Linotype" pitchFamily="18" charset="0"/>
+              </a:rPr>
+              <a:t>indexes</a:t>
+            </a:r>
+            <a:r>
+              <a:rPr lang="en-US" dirty="0">
+                <a:latin typeface="Palatino Linotype" pitchFamily="18" charset="0"/>
+              </a:rPr>
+              <a:t>, etc. A </a:t>
+            </a:r>
+            <a:r>
+              <a:rPr lang="en-US" b="1" dirty="0">
                 <a:latin typeface="Palatino Linotype" pitchFamily="18" charset="0"/>
               </a:rPr>
               <a:t>schema</a:t>
             </a:r>
             <a:r>
-              <a:rPr lang="en-US" dirty="0" smtClean="0">
+              <a:rPr lang="en-US" dirty="0">
                 <a:latin typeface="Palatino Linotype" pitchFamily="18" charset="0"/>
               </a:rPr>
               <a:t> is associated with a username which is known as the </a:t>
             </a:r>
             <a:r>
-              <a:rPr lang="en-US" b="1" dirty="0" smtClean="0">
+              <a:rPr lang="en-US" b="1" dirty="0">
                 <a:latin typeface="Palatino Linotype" pitchFamily="18" charset="0"/>
               </a:rPr>
               <a:t>schema</a:t>
             </a:r>
             <a:r>
-              <a:rPr lang="en-US" dirty="0" smtClean="0">
+              <a:rPr lang="en-US" dirty="0">
                 <a:latin typeface="Palatino Linotype" pitchFamily="18" charset="0"/>
               </a:rPr>
               <a:t> owner, who is the owner of the logically related database objects.</a:t>
             </a:r>
-            <a:endParaRPr lang="en-US" dirty="0">
-              <a:latin typeface="Palatino Linotype" pitchFamily="18" charset="0"/>
-            </a:endParaRPr>
           </a:p>
         </p:txBody>
       </p:sp>
     </p:spTree>
     <p:extLst>
       <p:ext uri="{BB962C8B-B14F-4D97-AF65-F5344CB8AC3E}">
-        <p14:creationId xmlns="" xmlns:p14="http://schemas.microsoft.com/office/powerpoint/2010/main" val="2547664928"/>
+        <p14:creationId xmlns:p14="http://schemas.microsoft.com/office/powerpoint/2010/main" val="2547664928"/>
       </p:ext>
     </p:extLst>
   </p:cSld>
@@ -4523,9 +3955,80 @@
   <p:timing>
     <p:tnLst>
       <p:par>
-        <p:cTn id="1" dur="indefinite" restart="never" nodeType="tmRoot"/>
+        <p:cTn id="1" dur="indefinite" restart="never" nodeType="tmRoot">
+          <p:childTnLst>
+            <p:seq concurrent="1" nextAc="seek">
+              <p:cTn id="2" dur="indefinite" nodeType="mainSeq">
+                <p:childTnLst>
+                  <p:par>
+                    <p:cTn id="3" fill="hold">
+                      <p:stCondLst>
+                        <p:cond delay="indefinite"/>
+                      </p:stCondLst>
+                      <p:childTnLst>
+                        <p:par>
+                          <p:cTn id="4" fill="hold">
+                            <p:stCondLst>
+                              <p:cond delay="0"/>
+                            </p:stCondLst>
+                            <p:childTnLst>
+                              <p:par>
+                                <p:cTn id="5" presetID="1" presetClass="entr" presetSubtype="0" fill="hold" grpId="0" nodeType="clickEffect">
+                                  <p:stCondLst>
+                                    <p:cond delay="0"/>
+                                  </p:stCondLst>
+                                  <p:childTnLst>
+                                    <p:set>
+                                      <p:cBhvr>
+                                        <p:cTn id="6" dur="1" fill="hold">
+                                          <p:stCondLst>
+                                            <p:cond delay="0"/>
+                                          </p:stCondLst>
+                                        </p:cTn>
+                                        <p:tgtEl>
+                                          <p:spTgt spid="11"/>
+                                        </p:tgtEl>
+                                        <p:attrNameLst>
+                                          <p:attrName>style.visibility</p:attrName>
+                                        </p:attrNameLst>
+                                      </p:cBhvr>
+                                      <p:to>
+                                        <p:strVal val="visible"/>
+                                      </p:to>
+                                    </p:set>
+                                  </p:childTnLst>
+                                </p:cTn>
+                              </p:par>
+                            </p:childTnLst>
+                          </p:cTn>
+                        </p:par>
+                      </p:childTnLst>
+                    </p:cTn>
+                  </p:par>
+                </p:childTnLst>
+              </p:cTn>
+              <p:prevCondLst>
+                <p:cond evt="onPrev" delay="0">
+                  <p:tgtEl>
+                    <p:sldTgt/>
+                  </p:tgtEl>
+                </p:cond>
+              </p:prevCondLst>
+              <p:nextCondLst>
+                <p:cond evt="onNext" delay="0">
+                  <p:tgtEl>
+                    <p:sldTgt/>
+                  </p:tgtEl>
+                </p:cond>
+              </p:nextCondLst>
+            </p:seq>
+          </p:childTnLst>
+        </p:cTn>
       </p:par>
     </p:tnLst>
+    <p:bldLst>
+      <p:bldP spid="11" grpId="0"/>
+    </p:bldLst>
   </p:timing>
 </p:sld>
 </file>
@@ -4552,7 +4055,7 @@
           <p:cNvPr id="4" name="Picture 3">
             <a:extLst>
               <a:ext uri="{FF2B5EF4-FFF2-40B4-BE49-F238E27FC236}">
-                <a16:creationId xmlns="" xmlns:a16="http://schemas.microsoft.com/office/drawing/2014/main" id="{4B3E96E4-8532-4FFA-8020-A53D8FBA2F23}"/>
+                <a16:creationId xmlns:a16="http://schemas.microsoft.com/office/drawing/2014/main" id="{4B3E96E4-8532-4FFA-8020-A53D8FBA2F23}"/>
               </a:ext>
             </a:extLst>
           </p:cNvPr>
@@ -4565,7 +4068,7 @@
           <a:blip r:embed="rId2" cstate="print">
             <a:extLst>
               <a:ext uri="{28A0092B-C50C-407E-A947-70E740481C1C}">
-                <a14:useLocalDpi xmlns="" xmlns:a14="http://schemas.microsoft.com/office/drawing/2010/main" val="0"/>
+                <a14:useLocalDpi xmlns:a14="http://schemas.microsoft.com/office/drawing/2010/main" val="0"/>
               </a:ext>
             </a:extLst>
           </a:blip>
@@ -4588,7 +4091,7 @@
           <p:cNvPr id="5" name="Footer Placeholder 2">
             <a:extLst>
               <a:ext uri="{FF2B5EF4-FFF2-40B4-BE49-F238E27FC236}">
-                <a16:creationId xmlns="" xmlns:a16="http://schemas.microsoft.com/office/drawing/2014/main" id="{70AFCD6D-DBA1-4EE8-A96A-D9652119B5FA}"/>
+                <a16:creationId xmlns:a16="http://schemas.microsoft.com/office/drawing/2014/main" id="{70AFCD6D-DBA1-4EE8-A96A-D9652119B5FA}"/>
               </a:ext>
             </a:extLst>
           </p:cNvPr>
@@ -4720,7 +4223,7 @@
           <p:cNvPr id="7" name="Rectangle 6">
             <a:extLst>
               <a:ext uri="{FF2B5EF4-FFF2-40B4-BE49-F238E27FC236}">
-                <a16:creationId xmlns="" xmlns:a16="http://schemas.microsoft.com/office/drawing/2014/main" id="{09A4DD51-F450-4FA7-BA18-C2A26D10D72C}"/>
+                <a16:creationId xmlns:a16="http://schemas.microsoft.com/office/drawing/2014/main" id="{09A4DD51-F450-4FA7-BA18-C2A26D10D72C}"/>
               </a:ext>
             </a:extLst>
           </p:cNvPr>
@@ -4751,103 +4254,11 @@
               </a:lnSpc>
             </a:pPr>
             <a:r>
-              <a:rPr lang="en-US" sz="3600" dirty="0" smtClean="0">
+              <a:rPr lang="en-US" sz="3600" dirty="0">
                 <a:latin typeface="Palatino Linotype" panose="02040502050505030304" pitchFamily="18" charset="0"/>
               </a:rPr>
               <a:t>Schema</a:t>
             </a:r>
-            <a:endParaRPr lang="en-US" sz="3600" dirty="0">
-              <a:latin typeface="Palatino Linotype" panose="02040502050505030304" pitchFamily="18" charset="0"/>
-            </a:endParaRPr>
-          </a:p>
-        </p:txBody>
-      </p:sp>
-      <p:sp>
-        <p:nvSpPr>
-          <p:cNvPr id="11" name="Rectangle 10"/>
-          <p:cNvSpPr/>
-          <p:nvPr/>
-        </p:nvSpPr>
-        <p:spPr>
-          <a:xfrm>
-            <a:off x="478582" y="1124744"/>
-            <a:ext cx="11305256" cy="646331"/>
-          </a:xfrm>
-          <a:prstGeom prst="rect">
-            <a:avLst/>
-          </a:prstGeom>
-        </p:spPr>
-        <p:txBody>
-          <a:bodyPr wrap="square">
-            <a:spAutoFit/>
-          </a:bodyPr>
-          <a:lstStyle/>
-          <a:p>
-            <a:r>
-              <a:rPr lang="en-US" dirty="0" smtClean="0">
-                <a:latin typeface="Palatino Linotype" pitchFamily="18" charset="0"/>
-              </a:rPr>
-              <a:t> A </a:t>
-            </a:r>
-            <a:r>
-              <a:rPr lang="en-US" b="1" dirty="0" smtClean="0">
-                <a:latin typeface="Palatino Linotype" pitchFamily="18" charset="0"/>
-              </a:rPr>
-              <a:t>database schema</a:t>
-            </a:r>
-            <a:r>
-              <a:rPr lang="en-US" dirty="0" smtClean="0">
-                <a:latin typeface="Palatino Linotype" pitchFamily="18" charset="0"/>
-              </a:rPr>
-              <a:t> is the skeleton structure that represents the logical view of the entire </a:t>
-            </a:r>
-            <a:r>
-              <a:rPr lang="en-US" b="1" dirty="0" smtClean="0">
-                <a:latin typeface="Palatino Linotype" pitchFamily="18" charset="0"/>
-              </a:rPr>
-              <a:t>database</a:t>
-            </a:r>
-            <a:r>
-              <a:rPr lang="en-US" dirty="0" smtClean="0">
-                <a:latin typeface="Palatino Linotype" pitchFamily="18" charset="0"/>
-              </a:rPr>
-              <a:t>. It defines how the data is organized and how the relations among them are associated.</a:t>
-            </a:r>
-            <a:endParaRPr lang="en-US" dirty="0">
-              <a:latin typeface="Palatino Linotype" pitchFamily="18" charset="0"/>
-            </a:endParaRPr>
-          </a:p>
-        </p:txBody>
-      </p:sp>
-      <p:sp>
-        <p:nvSpPr>
-          <p:cNvPr id="12" name="Rectangle 11"/>
-          <p:cNvSpPr/>
-          <p:nvPr/>
-        </p:nvSpPr>
-        <p:spPr>
-          <a:xfrm>
-            <a:off x="11755679" y="0"/>
-            <a:ext cx="434734" cy="369332"/>
-          </a:xfrm>
-          <a:prstGeom prst="rect">
-            <a:avLst/>
-          </a:prstGeom>
-        </p:spPr>
-        <p:txBody>
-          <a:bodyPr wrap="none">
-            <a:spAutoFit/>
-          </a:bodyPr>
-          <a:lstStyle/>
-          <a:p>
-            <a:r>
-              <a:rPr lang="en-IN" dirty="0" smtClean="0">
-                <a:latin typeface="Segoe UI Light" panose="020B0502040204020203" pitchFamily="34" charset="0"/>
-                <a:cs typeface="Segoe UI Light" panose="020B0502040204020203" pitchFamily="34" charset="0"/>
-              </a:rPr>
-              <a:t>(6)</a:t>
-            </a:r>
-            <a:endParaRPr lang="en-US" dirty="0"/>
           </a:p>
         </p:txBody>
       </p:sp>
@@ -4868,8 +4279,8 @@
         </p:blipFill>
         <p:spPr bwMode="auto">
           <a:xfrm>
-            <a:off x="3286894" y="1988840"/>
-            <a:ext cx="4968552" cy="4044383"/>
+            <a:off x="3902937" y="2940965"/>
+            <a:ext cx="4069587" cy="3312629"/>
           </a:xfrm>
           <a:prstGeom prst="rect">
             <a:avLst/>
@@ -4877,23 +4288,150 @@
           <a:noFill/>
         </p:spPr>
       </p:pic>
+      <p:sp>
+        <p:nvSpPr>
+          <p:cNvPr id="3" name="Rectangle 2">
+            <a:extLst>
+              <a:ext uri="{FF2B5EF4-FFF2-40B4-BE49-F238E27FC236}">
+                <a16:creationId xmlns:a16="http://schemas.microsoft.com/office/drawing/2014/main" id="{A82EF045-9DE6-45C0-B699-257E7D20F85D}"/>
+              </a:ext>
+            </a:extLst>
+          </p:cNvPr>
+          <p:cNvSpPr/>
+          <p:nvPr/>
+        </p:nvSpPr>
+        <p:spPr>
+          <a:xfrm>
+            <a:off x="118542" y="818447"/>
+            <a:ext cx="11809312" cy="1877437"/>
+          </a:xfrm>
+          <a:prstGeom prst="rect">
+            <a:avLst/>
+          </a:prstGeom>
+        </p:spPr>
+        <p:txBody>
+          <a:bodyPr wrap="square">
+            <a:spAutoFit/>
+          </a:bodyPr>
+          <a:lstStyle/>
+          <a:p>
+            <a:pPr algn="just"/>
+            <a:r>
+              <a:rPr lang="en-US" dirty="0">
+                <a:solidFill>
+                  <a:srgbClr val="000000"/>
+                </a:solidFill>
+                <a:latin typeface="Arial" panose="020B0604020202020204" pitchFamily="34" charset="0"/>
+              </a:rPr>
+              <a:t>A database schema can be divided broadly into two categories −</a:t>
+            </a:r>
+          </a:p>
+          <a:p>
+            <a:pPr algn="just"/>
+            <a:endParaRPr lang="en-US" dirty="0">
+              <a:solidFill>
+                <a:srgbClr val="000000"/>
+              </a:solidFill>
+              <a:latin typeface="Arial" panose="020B0604020202020204" pitchFamily="34" charset="0"/>
+            </a:endParaRPr>
+          </a:p>
+          <a:p>
+            <a:pPr algn="just">
+              <a:buFont typeface="Arial" panose="020B0604020202020204" pitchFamily="34" charset="0"/>
+              <a:buChar char="•"/>
+            </a:pPr>
+            <a:r>
+              <a:rPr lang="en-US" b="1" dirty="0">
+                <a:solidFill>
+                  <a:srgbClr val="000000"/>
+                </a:solidFill>
+                <a:latin typeface="Arial" panose="020B0604020202020204" pitchFamily="34" charset="0"/>
+              </a:rPr>
+              <a:t>Physical Database Schema</a:t>
+            </a:r>
+            <a:r>
+              <a:rPr lang="en-US" dirty="0">
+                <a:solidFill>
+                  <a:srgbClr val="000000"/>
+                </a:solidFill>
+                <a:latin typeface="Arial" panose="020B0604020202020204" pitchFamily="34" charset="0"/>
+              </a:rPr>
+              <a:t> − This schema is </a:t>
+            </a:r>
+            <a:r>
+              <a:rPr lang="en-IN" dirty="0">
+                <a:solidFill>
+                  <a:srgbClr val="000000"/>
+                </a:solidFill>
+                <a:latin typeface="Arial" panose="020B0604020202020204" pitchFamily="34" charset="0"/>
+              </a:rPr>
+              <a:t>related</a:t>
+            </a:r>
+            <a:r>
+              <a:rPr lang="en-US" dirty="0">
+                <a:solidFill>
+                  <a:srgbClr val="000000"/>
+                </a:solidFill>
+                <a:latin typeface="Arial" panose="020B0604020202020204" pitchFamily="34" charset="0"/>
+              </a:rPr>
+              <a:t> to the actual storage of data and its form of storage like files. It defines how the data will be stored in a secondary storage.</a:t>
+            </a:r>
+          </a:p>
+          <a:p>
+            <a:pPr algn="just">
+              <a:buFont typeface="Arial" panose="020B0604020202020204" pitchFamily="34" charset="0"/>
+              <a:buChar char="•"/>
+            </a:pPr>
+            <a:endParaRPr lang="en-US" sz="800" dirty="0">
+              <a:solidFill>
+                <a:srgbClr val="000000"/>
+              </a:solidFill>
+              <a:latin typeface="Arial" panose="020B0604020202020204" pitchFamily="34" charset="0"/>
+            </a:endParaRPr>
+          </a:p>
+          <a:p>
+            <a:pPr algn="just">
+              <a:buFont typeface="Arial" panose="020B0604020202020204" pitchFamily="34" charset="0"/>
+              <a:buChar char="•"/>
+            </a:pPr>
+            <a:r>
+              <a:rPr lang="en-US" b="1" dirty="0">
+                <a:solidFill>
+                  <a:srgbClr val="000000"/>
+                </a:solidFill>
+                <a:latin typeface="Arial" panose="020B0604020202020204" pitchFamily="34" charset="0"/>
+              </a:rPr>
+              <a:t>Logical Database Schema</a:t>
+            </a:r>
+            <a:r>
+              <a:rPr lang="en-US" dirty="0">
+                <a:solidFill>
+                  <a:srgbClr val="000000"/>
+                </a:solidFill>
+                <a:latin typeface="Arial" panose="020B0604020202020204" pitchFamily="34" charset="0"/>
+              </a:rPr>
+              <a:t> − This schema defines all the logical constraints that need to be applied on the data stored. It defines tables, views, and integrity constraints.</a:t>
+            </a:r>
+            <a:endParaRPr lang="en-US" b="0" i="0" dirty="0">
+              <a:solidFill>
+                <a:srgbClr val="000000"/>
+              </a:solidFill>
+              <a:effectLst/>
+              <a:latin typeface="Arial" panose="020B0604020202020204" pitchFamily="34" charset="0"/>
+            </a:endParaRPr>
+          </a:p>
+        </p:txBody>
+      </p:sp>
     </p:spTree>
     <p:extLst>
       <p:ext uri="{BB962C8B-B14F-4D97-AF65-F5344CB8AC3E}">
-        <p14:creationId xmlns="" xmlns:p14="http://schemas.microsoft.com/office/powerpoint/2010/main" val="1941358839"/>
+        <p14:creationId xmlns:p14="http://schemas.microsoft.com/office/powerpoint/2010/main" val="1941358839"/>
       </p:ext>
     </p:extLst>
   </p:cSld>
   <p:clrMapOvr>
     <a:masterClrMapping/>
   </p:clrMapOvr>
-  <p:timing>
-    <p:tnLst>
-      <p:par>
-        <p:cTn id="1" dur="indefinite" restart="never" nodeType="tmRoot"/>
-      </p:par>
-    </p:tnLst>
-  </p:timing>
 </p:sld>
 </file>
 
@@ -4919,7 +4457,7 @@
           <p:cNvPr id="4" name="Picture 3">
             <a:extLst>
               <a:ext uri="{FF2B5EF4-FFF2-40B4-BE49-F238E27FC236}">
-                <a16:creationId xmlns="" xmlns:a16="http://schemas.microsoft.com/office/drawing/2014/main" id="{4B3E96E4-8532-4FFA-8020-A53D8FBA2F23}"/>
+                <a16:creationId xmlns:a16="http://schemas.microsoft.com/office/drawing/2014/main" id="{4B3E96E4-8532-4FFA-8020-A53D8FBA2F23}"/>
               </a:ext>
             </a:extLst>
           </p:cNvPr>
@@ -4932,7 +4470,7 @@
           <a:blip r:embed="rId2" cstate="print">
             <a:extLst>
               <a:ext uri="{28A0092B-C50C-407E-A947-70E740481C1C}">
-                <a14:useLocalDpi xmlns="" xmlns:a14="http://schemas.microsoft.com/office/drawing/2010/main" val="0"/>
+                <a14:useLocalDpi xmlns:a14="http://schemas.microsoft.com/office/drawing/2010/main" val="0"/>
               </a:ext>
             </a:extLst>
           </a:blip>
@@ -4955,7 +4493,7 @@
           <p:cNvPr id="5" name="Footer Placeholder 2">
             <a:extLst>
               <a:ext uri="{FF2B5EF4-FFF2-40B4-BE49-F238E27FC236}">
-                <a16:creationId xmlns="" xmlns:a16="http://schemas.microsoft.com/office/drawing/2014/main" id="{70AFCD6D-DBA1-4EE8-A96A-D9652119B5FA}"/>
+                <a16:creationId xmlns:a16="http://schemas.microsoft.com/office/drawing/2014/main" id="{70AFCD6D-DBA1-4EE8-A96A-D9652119B5FA}"/>
               </a:ext>
             </a:extLst>
           </p:cNvPr>
@@ -5087,7 +4625,7 @@
           <p:cNvPr id="7" name="Rectangle 6">
             <a:extLst>
               <a:ext uri="{FF2B5EF4-FFF2-40B4-BE49-F238E27FC236}">
-                <a16:creationId xmlns="" xmlns:a16="http://schemas.microsoft.com/office/drawing/2014/main" id="{09A4DD51-F450-4FA7-BA18-C2A26D10D72C}"/>
+                <a16:creationId xmlns:a16="http://schemas.microsoft.com/office/drawing/2014/main" id="{09A4DD51-F450-4FA7-BA18-C2A26D10D72C}"/>
               </a:ext>
             </a:extLst>
           </p:cNvPr>
@@ -5097,7 +4635,7 @@
         <p:spPr>
           <a:xfrm>
             <a:off x="1523802" y="2"/>
-            <a:ext cx="9142810" cy="838243"/>
+            <a:ext cx="9142810" cy="838499"/>
           </a:xfrm>
           <a:prstGeom prst="rect">
             <a:avLst/>
@@ -5118,86 +4656,58 @@
               </a:lnSpc>
             </a:pPr>
             <a:r>
-              <a:rPr lang="en-US" sz="3600" dirty="0" smtClean="0"/>
-              <a:t>Create schema/database</a:t>
-            </a:r>
-            <a:endParaRPr lang="en-US" sz="3600" dirty="0">
-              <a:latin typeface="Palatino Linotype" panose="02040502050505030304" pitchFamily="18" charset="0"/>
-            </a:endParaRPr>
-          </a:p>
-        </p:txBody>
-      </p:sp>
-      <p:sp>
-        <p:nvSpPr>
-          <p:cNvPr id="12" name="Rectangle 11"/>
-          <p:cNvSpPr/>
-          <p:nvPr/>
-        </p:nvSpPr>
-        <p:spPr>
-          <a:xfrm>
-            <a:off x="11755679" y="0"/>
-            <a:ext cx="434734" cy="369332"/>
-          </a:xfrm>
-          <a:prstGeom prst="rect">
-            <a:avLst/>
-          </a:prstGeom>
-        </p:spPr>
-        <p:txBody>
-          <a:bodyPr wrap="none">
-            <a:spAutoFit/>
-          </a:bodyPr>
-          <a:lstStyle/>
-          <a:p>
-            <a:r>
-              <a:rPr lang="en-IN" dirty="0" smtClean="0">
-                <a:latin typeface="Segoe UI Light" panose="020B0502040204020203" pitchFamily="34" charset="0"/>
-                <a:cs typeface="Segoe UI Light" panose="020B0502040204020203" pitchFamily="34" charset="0"/>
+              <a:rPr lang="en-US" sz="3600" dirty="0">
+                <a:latin typeface="Palatino Linotype" panose="02040502050505030304" pitchFamily="18" charset="0"/>
               </a:rPr>
-              <a:t>(6)</a:t>
-            </a:r>
-            <a:endParaRPr lang="en-US" dirty="0"/>
-          </a:p>
-        </p:txBody>
-      </p:sp>
-      <p:sp>
-        <p:nvSpPr>
-          <p:cNvPr id="8" name="Rectangle 7"/>
-          <p:cNvSpPr/>
-          <p:nvPr/>
-        </p:nvSpPr>
-        <p:spPr>
-          <a:xfrm>
-            <a:off x="478582" y="1403484"/>
-            <a:ext cx="5480346" cy="369332"/>
-          </a:xfrm>
-          <a:prstGeom prst="rect">
-            <a:avLst/>
-          </a:prstGeom>
-        </p:spPr>
-        <p:txBody>
-          <a:bodyPr wrap="none">
-            <a:spAutoFit/>
-          </a:bodyPr>
-          <a:lstStyle/>
-          <a:p>
-            <a:r>
-              <a:rPr lang="en-US" dirty="0" smtClean="0"/>
-              <a:t>CREATE {DATABASE | SCHEMA} [IF NOT EXISTS] </a:t>
-            </a:r>
-            <a:r>
-              <a:rPr lang="en-US" i="1" dirty="0" smtClean="0"/>
-              <a:t>db_name</a:t>
-            </a:r>
-            <a:endParaRPr lang="en-US" dirty="0"/>
-          </a:p>
-        </p:txBody>
-      </p:sp>
-      <p:sp>
-        <p:nvSpPr>
-          <p:cNvPr id="10" name="Rectangle 9">
+              <a:t>Schema</a:t>
+            </a:r>
+          </a:p>
+        </p:txBody>
+      </p:sp>
+      <p:pic>
+        <p:nvPicPr>
+          <p:cNvPr id="13" name="Picture 2">
             <a:extLst>
               <a:ext uri="{FF2B5EF4-FFF2-40B4-BE49-F238E27FC236}">
-                <a16:creationId xmlns="" xmlns:a16="http://schemas.microsoft.com/office/drawing/2014/main" id="{2FDB2253-836D-468E-A0B5-6DA6EE4B76FE}"/>
+                <a16:creationId xmlns:a16="http://schemas.microsoft.com/office/drawing/2014/main" id="{9BA643CB-C68C-4DAD-BAC8-652C1A6808B3}"/>
+              </a:ext>
+            </a:extLst>
+          </p:cNvPr>
+          <p:cNvPicPr>
+            <a:picLocks noChangeAspect="1" noChangeArrowheads="1"/>
+          </p:cNvPicPr>
+          <p:nvPr/>
+        </p:nvPicPr>
+        <p:blipFill>
+          <a:blip r:embed="rId3" cstate="print"/>
+          <a:srcRect/>
+          <a:stretch>
+            <a:fillRect/>
+          </a:stretch>
+        </p:blipFill>
+        <p:spPr bwMode="auto">
+          <a:xfrm>
+            <a:off x="6311230" y="1051786"/>
+            <a:ext cx="3312368" cy="5188189"/>
+          </a:xfrm>
+          <a:prstGeom prst="rect">
+            <a:avLst/>
+          </a:prstGeom>
+          <a:noFill/>
+          <a:ln w="9525">
+            <a:noFill/>
+            <a:miter lim="800000"/>
+            <a:headEnd/>
+            <a:tailEnd/>
+          </a:ln>
+        </p:spPr>
+      </p:pic>
+      <p:sp>
+        <p:nvSpPr>
+          <p:cNvPr id="14" name="Rectangle 13">
+            <a:extLst>
+              <a:ext uri="{FF2B5EF4-FFF2-40B4-BE49-F238E27FC236}">
+                <a16:creationId xmlns:a16="http://schemas.microsoft.com/office/drawing/2014/main" id="{E7B965C2-33F9-4E25-AD6F-E6663B0215B7}"/>
               </a:ext>
             </a:extLst>
           </p:cNvPr>
@@ -5206,301 +4716,1127 @@
         </p:nvSpPr>
         <p:spPr>
           <a:xfrm>
-            <a:off x="478582" y="908720"/>
-            <a:ext cx="11163249" cy="369332"/>
-          </a:xfrm>
-          <a:prstGeom prst="rect">
-            <a:avLst/>
-          </a:prstGeom>
-        </p:spPr>
-        <p:txBody>
-          <a:bodyPr wrap="none">
+            <a:off x="406574" y="1139841"/>
+            <a:ext cx="6092825" cy="4247317"/>
+          </a:xfrm>
+          <a:prstGeom prst="rect">
+            <a:avLst/>
+          </a:prstGeom>
+        </p:spPr>
+        <p:txBody>
+          <a:bodyPr>
             <a:spAutoFit/>
           </a:bodyPr>
           <a:lstStyle/>
           <a:p>
             <a:r>
-              <a:rPr lang="en-US" dirty="0" smtClean="0">
-                <a:latin typeface="Palatino Linotype" pitchFamily="18" charset="0"/>
-              </a:rPr>
-              <a:t>To create a new database in MySQL, you use the CREATE DATABASE statement with the following syntax:</a:t>
-            </a:r>
-            <a:endParaRPr lang="en-US" b="1" i="1" dirty="0">
-              <a:latin typeface="Palatino Linotype" pitchFamily="18" charset="0"/>
-              <a:cs typeface="Arial" pitchFamily="34" charset="0"/>
-            </a:endParaRPr>
-          </a:p>
-        </p:txBody>
-      </p:sp>
-      <p:sp>
-        <p:nvSpPr>
-          <p:cNvPr id="13" name="Rectangle 12"/>
-          <p:cNvSpPr/>
-          <p:nvPr/>
-        </p:nvSpPr>
-        <p:spPr>
-          <a:xfrm>
-            <a:off x="622598" y="1772816"/>
-            <a:ext cx="4412875" cy="1046440"/>
-          </a:xfrm>
-          <a:prstGeom prst="rect">
-            <a:avLst/>
-          </a:prstGeom>
-        </p:spPr>
-        <p:txBody>
-          <a:bodyPr wrap="none">
-            <a:spAutoFit/>
-          </a:bodyPr>
-          <a:lstStyle/>
-          <a:p>
-            <a:r>
-              <a:rPr lang="en-US" dirty="0" smtClean="0"/>
-              <a:t>e.g.</a:t>
-            </a:r>
-          </a:p>
-          <a:p>
-            <a:endParaRPr lang="en-US" sz="800" dirty="0" smtClean="0"/>
-          </a:p>
-          <a:p>
-            <a:pPr marL="342900" indent="-342900">
-              <a:buFont typeface="Arial" pitchFamily="34" charset="0"/>
-              <a:buChar char="•"/>
-            </a:pPr>
-            <a:r>
-              <a:rPr lang="en-US" dirty="0" smtClean="0"/>
-              <a:t>CREATE SCHEMA IF NOT EXISTS student;</a:t>
-            </a:r>
-          </a:p>
-          <a:p>
-            <a:pPr marL="342900" indent="-342900">
-              <a:buFont typeface="Arial" pitchFamily="34" charset="0"/>
-              <a:buChar char="•"/>
-            </a:pPr>
-            <a:r>
-              <a:rPr lang="en-US" dirty="0" smtClean="0"/>
-              <a:t>CREATE DATABASE IF NOT EXISTS student;</a:t>
-            </a:r>
-          </a:p>
-        </p:txBody>
-      </p:sp>
-      <p:sp>
-        <p:nvSpPr>
-          <p:cNvPr id="14" name="Rectangle 13">
-            <a:extLst>
-              <a:ext uri="{FF2B5EF4-FFF2-40B4-BE49-F238E27FC236}">
-                <a16:creationId xmlns="" xmlns:a16="http://schemas.microsoft.com/office/drawing/2014/main" id="{2FDB2253-836D-468E-A0B5-6DA6EE4B76FE}"/>
-              </a:ext>
-            </a:extLst>
-          </p:cNvPr>
-          <p:cNvSpPr/>
-          <p:nvPr/>
-        </p:nvSpPr>
-        <p:spPr>
-          <a:xfrm>
-            <a:off x="550590" y="2996952"/>
-            <a:ext cx="11161240" cy="369332"/>
-          </a:xfrm>
-          <a:prstGeom prst="rect">
-            <a:avLst/>
-          </a:prstGeom>
-        </p:spPr>
-        <p:txBody>
-          <a:bodyPr wrap="square">
-            <a:spAutoFit/>
-          </a:bodyPr>
-          <a:lstStyle/>
-          <a:p>
-            <a:r>
-              <a:rPr lang="en-US" dirty="0" smtClean="0"/>
-              <a:t>To select a particular database to work with you issue the USE statement with the follows </a:t>
-            </a:r>
-            <a:r>
-              <a:rPr lang="en-US" dirty="0" smtClean="0">
-                <a:latin typeface="Palatino Linotype" pitchFamily="18" charset="0"/>
-              </a:rPr>
-              <a:t>syntax </a:t>
-            </a:r>
-            <a:r>
-              <a:rPr lang="en-US" dirty="0" smtClean="0"/>
-              <a:t>:</a:t>
-            </a:r>
-            <a:endParaRPr lang="en-US" b="1" i="1" dirty="0">
-              <a:latin typeface="Palatino Linotype" pitchFamily="18" charset="0"/>
-              <a:cs typeface="Arial" pitchFamily="34" charset="0"/>
-            </a:endParaRPr>
-          </a:p>
-        </p:txBody>
-      </p:sp>
-      <p:sp>
-        <p:nvSpPr>
-          <p:cNvPr id="15" name="Rectangle 14">
-            <a:extLst>
-              <a:ext uri="{FF2B5EF4-FFF2-40B4-BE49-F238E27FC236}">
-                <a16:creationId xmlns="" xmlns:a16="http://schemas.microsoft.com/office/drawing/2014/main" id="{2FDB2253-836D-468E-A0B5-6DA6EE4B76FE}"/>
-              </a:ext>
-            </a:extLst>
-          </p:cNvPr>
-          <p:cNvSpPr/>
-          <p:nvPr/>
-        </p:nvSpPr>
-        <p:spPr>
-          <a:xfrm>
-            <a:off x="190550" y="4078813"/>
-            <a:ext cx="11927855" cy="646331"/>
-          </a:xfrm>
-          <a:prstGeom prst="rect">
-            <a:avLst/>
-          </a:prstGeom>
-        </p:spPr>
-        <p:txBody>
-          <a:bodyPr wrap="square">
-            <a:spAutoFit/>
-          </a:bodyPr>
-          <a:lstStyle/>
-          <a:p>
-            <a:r>
-              <a:rPr lang="en-US" dirty="0" smtClean="0">
-                <a:latin typeface="Palatino Linotype" pitchFamily="18" charset="0"/>
-              </a:rPr>
-              <a:t>The USE statement tells MySQL to use the named database as the default (current) database for subsequent statements. The named database remains the default until the end of the session or another USE statement is issued.</a:t>
-            </a:r>
-            <a:endParaRPr lang="en-US" b="1" i="1" dirty="0">
-              <a:latin typeface="Palatino Linotype" pitchFamily="18" charset="0"/>
-              <a:cs typeface="Arial" pitchFamily="34" charset="0"/>
-            </a:endParaRPr>
-          </a:p>
-        </p:txBody>
-      </p:sp>
-      <p:sp>
-        <p:nvSpPr>
-          <p:cNvPr id="16" name="Rectangle 15"/>
-          <p:cNvSpPr/>
-          <p:nvPr/>
-        </p:nvSpPr>
-        <p:spPr>
-          <a:xfrm>
-            <a:off x="694606" y="3491716"/>
-            <a:ext cx="1486304" cy="369332"/>
-          </a:xfrm>
-          <a:prstGeom prst="rect">
-            <a:avLst/>
-          </a:prstGeom>
-        </p:spPr>
-        <p:txBody>
-          <a:bodyPr wrap="none">
-            <a:spAutoFit/>
-          </a:bodyPr>
-          <a:lstStyle/>
-          <a:p>
-            <a:r>
-              <a:rPr lang="en-US" dirty="0" smtClean="0"/>
-              <a:t>USE </a:t>
-            </a:r>
-            <a:r>
-              <a:rPr lang="en-US" i="1" dirty="0" smtClean="0"/>
-              <a:t>db_name</a:t>
-            </a:r>
+              <a:rPr lang="en-US" dirty="0"/>
+              <a:t>CREATE TABLE student (  </a:t>
+            </a:r>
+          </a:p>
+          <a:p>
+            <a:r>
+              <a:rPr lang="en-US" dirty="0"/>
+              <a:t>   ID INT(11) PRIMARY KEY,</a:t>
+            </a:r>
+          </a:p>
+          <a:p>
+            <a:r>
+              <a:rPr lang="en-US" dirty="0"/>
+              <a:t>   firstName VARCHAR(45),</a:t>
+            </a:r>
+          </a:p>
+          <a:p>
+            <a:r>
+              <a:rPr lang="en-US" dirty="0"/>
+              <a:t>   lastName VARCHAR(45),</a:t>
+            </a:r>
+          </a:p>
+          <a:p>
+            <a:r>
+              <a:rPr lang="en-US" dirty="0"/>
+              <a:t>   DoB DATE,</a:t>
+            </a:r>
+          </a:p>
+          <a:p>
+            <a:r>
+              <a:rPr lang="en-US" dirty="0"/>
+              <a:t>   emailID VARCHAR(145)</a:t>
+            </a:r>
+          </a:p>
+          <a:p>
+            <a:r>
+              <a:rPr lang="en-US" dirty="0"/>
+              <a:t> );  </a:t>
+            </a:r>
+          </a:p>
+          <a:p>
             <a:endParaRPr lang="en-US" dirty="0"/>
           </a:p>
-        </p:txBody>
-      </p:sp>
-      <p:sp>
-        <p:nvSpPr>
-          <p:cNvPr id="17" name="Rectangle 16"/>
-          <p:cNvSpPr/>
-          <p:nvPr/>
-        </p:nvSpPr>
-        <p:spPr>
-          <a:xfrm>
-            <a:off x="774998" y="4869160"/>
-            <a:ext cx="9064624" cy="1046440"/>
-          </a:xfrm>
-          <a:prstGeom prst="rect">
-            <a:avLst/>
-          </a:prstGeom>
-        </p:spPr>
-        <p:txBody>
-          <a:bodyPr wrap="square">
-            <a:spAutoFit/>
-          </a:bodyPr>
-          <a:lstStyle/>
-          <a:p>
-            <a:r>
-              <a:rPr lang="en-US" dirty="0" smtClean="0"/>
-              <a:t>e.g.</a:t>
-            </a:r>
-          </a:p>
-          <a:p>
-            <a:endParaRPr lang="en-US" sz="800" dirty="0" smtClean="0"/>
-          </a:p>
-          <a:p>
-            <a:pPr marL="342900" indent="-342900">
-              <a:buFont typeface="Arial" pitchFamily="34" charset="0"/>
-              <a:buChar char="•"/>
-            </a:pPr>
-            <a:r>
-              <a:rPr lang="en-US" dirty="0" smtClean="0"/>
-              <a:t>USE student;</a:t>
-            </a:r>
-          </a:p>
-          <a:p>
-            <a:pPr marL="342900" indent="-342900">
-              <a:buFont typeface="Arial" pitchFamily="34" charset="0"/>
-              <a:buChar char="•"/>
-            </a:pPr>
-            <a:r>
-              <a:rPr lang="en-US" dirty="0" smtClean="0"/>
-              <a:t>SELECT * FROM db1.emp;</a:t>
-            </a:r>
-          </a:p>
-        </p:txBody>
-      </p:sp>
-      <p:sp>
-        <p:nvSpPr>
-          <p:cNvPr id="18" name="Rectangle 17"/>
-          <p:cNvSpPr/>
-          <p:nvPr/>
-        </p:nvSpPr>
-        <p:spPr>
-          <a:xfrm>
-            <a:off x="694606" y="5987608"/>
-            <a:ext cx="10873208" cy="369332"/>
-          </a:xfrm>
-          <a:prstGeom prst="rect">
-            <a:avLst/>
-          </a:prstGeom>
-        </p:spPr>
-        <p:txBody>
-          <a:bodyPr wrap="square">
-            <a:spAutoFit/>
-          </a:bodyPr>
-          <a:lstStyle/>
-          <a:p>
-            <a:r>
-              <a:rPr lang="en-US" dirty="0" smtClean="0"/>
-              <a:t>Note:  Moving objects from one schema to another schema in MySQL is not possible</a:t>
-            </a:r>
+          <a:p>
             <a:endParaRPr lang="en-US" dirty="0"/>
+          </a:p>
+          <a:p>
+            <a:r>
+              <a:rPr lang="en-US" dirty="0"/>
+              <a:t>CREATE TABLE student_hobbies (  </a:t>
+            </a:r>
+          </a:p>
+          <a:p>
+            <a:r>
+              <a:rPr lang="en-US" dirty="0"/>
+              <a:t>   ID INT PRIMARY KEY,  </a:t>
+            </a:r>
+          </a:p>
+          <a:p>
+            <a:r>
+              <a:rPr lang="en-US" dirty="0"/>
+              <a:t>   studentID INT,</a:t>
+            </a:r>
+          </a:p>
+          <a:p>
+            <a:r>
+              <a:rPr lang="en-US" dirty="0"/>
+              <a:t>   name VARCHAR(45),</a:t>
+            </a:r>
+          </a:p>
+          <a:p>
+            <a:r>
+              <a:rPr lang="en-US" dirty="0"/>
+              <a:t>   FOREIGN KEY (studentID)   REFERENCES student(ID)</a:t>
+            </a:r>
+          </a:p>
+          <a:p>
+            <a:r>
+              <a:rPr lang="en-US" dirty="0"/>
+              <a:t>);</a:t>
+            </a:r>
           </a:p>
         </p:txBody>
       </p:sp>
     </p:spTree>
     <p:extLst>
       <p:ext uri="{BB962C8B-B14F-4D97-AF65-F5344CB8AC3E}">
-        <p14:creationId xmlns="" xmlns:p14="http://schemas.microsoft.com/office/powerpoint/2010/main" val="1941358839"/>
+        <p14:creationId xmlns:p14="http://schemas.microsoft.com/office/powerpoint/2010/main" val="1001500978"/>
       </p:ext>
     </p:extLst>
   </p:cSld>
   <p:clrMapOvr>
     <a:masterClrMapping/>
   </p:clrMapOvr>
-  <p:timing>
-    <p:tnLst>
-      <p:par>
-        <p:cTn id="1" dur="indefinite" restart="never" nodeType="tmRoot"/>
-      </p:par>
-    </p:tnLst>
-  </p:timing>
+</p:sld>
+</file>
+
+<file path=ppt/slides/slide4.xml><?xml version="1.0" encoding="utf-8"?>
+<p:sld xmlns:a="http://schemas.openxmlformats.org/drawingml/2006/main" xmlns:r="http://schemas.openxmlformats.org/officeDocument/2006/relationships" xmlns:p="http://schemas.openxmlformats.org/presentationml/2006/main">
+  <p:cSld>
+    <p:spTree>
+      <p:nvGrpSpPr>
+        <p:cNvPr id="1" name=""/>
+        <p:cNvGrpSpPr/>
+        <p:nvPr/>
+      </p:nvGrpSpPr>
+      <p:grpSpPr>
+        <a:xfrm>
+          <a:off x="0" y="0"/>
+          <a:ext cx="0" cy="0"/>
+          <a:chOff x="0" y="0"/>
+          <a:chExt cx="0" cy="0"/>
+        </a:xfrm>
+      </p:grpSpPr>
+      <p:pic>
+        <p:nvPicPr>
+          <p:cNvPr id="4" name="Picture 3">
+            <a:extLst>
+              <a:ext uri="{FF2B5EF4-FFF2-40B4-BE49-F238E27FC236}">
+                <a16:creationId xmlns:a16="http://schemas.microsoft.com/office/drawing/2014/main" id="{4B3E96E4-8532-4FFA-8020-A53D8FBA2F23}"/>
+              </a:ext>
+            </a:extLst>
+          </p:cNvPr>
+          <p:cNvPicPr>
+            <a:picLocks noChangeAspect="1"/>
+          </p:cNvPicPr>
+          <p:nvPr/>
+        </p:nvPicPr>
+        <p:blipFill>
+          <a:blip r:embed="rId2" cstate="print">
+            <a:extLst>
+              <a:ext uri="{28A0092B-C50C-407E-A947-70E740481C1C}">
+                <a14:useLocalDpi xmlns:a14="http://schemas.microsoft.com/office/drawing/2010/main" val="0"/>
+              </a:ext>
+            </a:extLst>
+          </a:blip>
+          <a:stretch>
+            <a:fillRect/>
+          </a:stretch>
+        </p:blipFill>
+        <p:spPr>
+          <a:xfrm>
+            <a:off x="118542" y="116632"/>
+            <a:ext cx="1371859" cy="445150"/>
+          </a:xfrm>
+          <a:prstGeom prst="rect">
+            <a:avLst/>
+          </a:prstGeom>
+        </p:spPr>
+      </p:pic>
+      <p:sp>
+        <p:nvSpPr>
+          <p:cNvPr id="5" name="Footer Placeholder 2">
+            <a:extLst>
+              <a:ext uri="{FF2B5EF4-FFF2-40B4-BE49-F238E27FC236}">
+                <a16:creationId xmlns:a16="http://schemas.microsoft.com/office/drawing/2014/main" id="{70AFCD6D-DBA1-4EE8-A96A-D9652119B5FA}"/>
+              </a:ext>
+            </a:extLst>
+          </p:cNvPr>
+          <p:cNvSpPr txBox="1">
+            <a:spLocks/>
+          </p:cNvSpPr>
+          <p:nvPr/>
+        </p:nvSpPr>
+        <p:spPr>
+          <a:xfrm>
+            <a:off x="3237431" y="6523037"/>
+            <a:ext cx="5400600" cy="365125"/>
+          </a:xfrm>
+          <a:prstGeom prst="rect">
+            <a:avLst/>
+          </a:prstGeom>
+        </p:spPr>
+        <p:txBody>
+          <a:bodyPr/>
+          <a:lstStyle>
+            <a:defPPr>
+              <a:defRPr lang="en-US"/>
+            </a:defPPr>
+            <a:lvl1pPr marL="0" algn="l" defTabSz="914400" rtl="0" eaLnBrk="1" latinLnBrk="0" hangingPunct="1">
+              <a:defRPr sz="1050" kern="1200">
+                <a:solidFill>
+                  <a:schemeClr val="tx1"/>
+                </a:solidFill>
+                <a:latin typeface="+mn-lt"/>
+                <a:ea typeface="+mn-ea"/>
+                <a:cs typeface="+mn-cs"/>
+              </a:defRPr>
+            </a:lvl1pPr>
+            <a:lvl2pPr marL="457200" algn="l" defTabSz="914400" rtl="0" eaLnBrk="1" latinLnBrk="0" hangingPunct="1">
+              <a:defRPr sz="1800" kern="1200">
+                <a:solidFill>
+                  <a:schemeClr val="tx1"/>
+                </a:solidFill>
+                <a:latin typeface="+mn-lt"/>
+                <a:ea typeface="+mn-ea"/>
+                <a:cs typeface="+mn-cs"/>
+              </a:defRPr>
+            </a:lvl2pPr>
+            <a:lvl3pPr marL="914400" algn="l" defTabSz="914400" rtl="0" eaLnBrk="1" latinLnBrk="0" hangingPunct="1">
+              <a:defRPr sz="1800" kern="1200">
+                <a:solidFill>
+                  <a:schemeClr val="tx1"/>
+                </a:solidFill>
+                <a:latin typeface="+mn-lt"/>
+                <a:ea typeface="+mn-ea"/>
+                <a:cs typeface="+mn-cs"/>
+              </a:defRPr>
+            </a:lvl3pPr>
+            <a:lvl4pPr marL="1371600" algn="l" defTabSz="914400" rtl="0" eaLnBrk="1" latinLnBrk="0" hangingPunct="1">
+              <a:defRPr sz="1800" kern="1200">
+                <a:solidFill>
+                  <a:schemeClr val="tx1"/>
+                </a:solidFill>
+                <a:latin typeface="+mn-lt"/>
+                <a:ea typeface="+mn-ea"/>
+                <a:cs typeface="+mn-cs"/>
+              </a:defRPr>
+            </a:lvl4pPr>
+            <a:lvl5pPr marL="1828800" algn="l" defTabSz="914400" rtl="0" eaLnBrk="1" latinLnBrk="0" hangingPunct="1">
+              <a:defRPr sz="1800" kern="1200">
+                <a:solidFill>
+                  <a:schemeClr val="tx1"/>
+                </a:solidFill>
+                <a:latin typeface="+mn-lt"/>
+                <a:ea typeface="+mn-ea"/>
+                <a:cs typeface="+mn-cs"/>
+              </a:defRPr>
+            </a:lvl5pPr>
+            <a:lvl6pPr marL="2286000" algn="l" defTabSz="914400" rtl="0" eaLnBrk="1" latinLnBrk="0" hangingPunct="1">
+              <a:defRPr sz="1800" kern="1200">
+                <a:solidFill>
+                  <a:schemeClr val="tx1"/>
+                </a:solidFill>
+                <a:latin typeface="+mn-lt"/>
+                <a:ea typeface="+mn-ea"/>
+                <a:cs typeface="+mn-cs"/>
+              </a:defRPr>
+            </a:lvl6pPr>
+            <a:lvl7pPr marL="2743200" algn="l" defTabSz="914400" rtl="0" eaLnBrk="1" latinLnBrk="0" hangingPunct="1">
+              <a:defRPr sz="1800" kern="1200">
+                <a:solidFill>
+                  <a:schemeClr val="tx1"/>
+                </a:solidFill>
+                <a:latin typeface="+mn-lt"/>
+                <a:ea typeface="+mn-ea"/>
+                <a:cs typeface="+mn-cs"/>
+              </a:defRPr>
+            </a:lvl7pPr>
+            <a:lvl8pPr marL="3200400" algn="l" defTabSz="914400" rtl="0" eaLnBrk="1" latinLnBrk="0" hangingPunct="1">
+              <a:defRPr sz="1800" kern="1200">
+                <a:solidFill>
+                  <a:schemeClr val="tx1"/>
+                </a:solidFill>
+                <a:latin typeface="+mn-lt"/>
+                <a:ea typeface="+mn-ea"/>
+                <a:cs typeface="+mn-cs"/>
+              </a:defRPr>
+            </a:lvl8pPr>
+            <a:lvl9pPr marL="3657600" algn="l" defTabSz="914400" rtl="0" eaLnBrk="1" latinLnBrk="0" hangingPunct="1">
+              <a:defRPr sz="1800" kern="1200">
+                <a:solidFill>
+                  <a:schemeClr val="tx1"/>
+                </a:solidFill>
+                <a:latin typeface="+mn-lt"/>
+                <a:ea typeface="+mn-ea"/>
+                <a:cs typeface="+mn-cs"/>
+              </a:defRPr>
+            </a:lvl9pPr>
+          </a:lstStyle>
+          <a:p>
+            <a:r>
+              <a:rPr lang="en-US" dirty="0"/>
+              <a:t>Infoway Technologies, 3rd  Floor Commerce Centre, Rambaug Colony, Paud Road Pune 411038</a:t>
+            </a:r>
+            <a:endParaRPr lang="en-IN" dirty="0"/>
+          </a:p>
+          <a:p>
+            <a:endParaRPr lang="en-US" dirty="0"/>
+          </a:p>
+        </p:txBody>
+      </p:sp>
+      <p:sp>
+        <p:nvSpPr>
+          <p:cNvPr id="7" name="Rectangle 6">
+            <a:extLst>
+              <a:ext uri="{FF2B5EF4-FFF2-40B4-BE49-F238E27FC236}">
+                <a16:creationId xmlns:a16="http://schemas.microsoft.com/office/drawing/2014/main" id="{09A4DD51-F450-4FA7-BA18-C2A26D10D72C}"/>
+              </a:ext>
+            </a:extLst>
+          </p:cNvPr>
+          <p:cNvSpPr/>
+          <p:nvPr/>
+        </p:nvSpPr>
+        <p:spPr>
+          <a:xfrm>
+            <a:off x="1523802" y="2"/>
+            <a:ext cx="9142810" cy="838243"/>
+          </a:xfrm>
+          <a:prstGeom prst="rect">
+            <a:avLst/>
+          </a:prstGeom>
+          <a:solidFill>
+            <a:schemeClr val="bg1"/>
+          </a:solidFill>
+        </p:spPr>
+        <p:txBody>
+          <a:bodyPr wrap="square">
+            <a:spAutoFit/>
+          </a:bodyPr>
+          <a:lstStyle/>
+          <a:p>
+            <a:pPr algn="r" fontAlgn="base">
+              <a:lnSpc>
+                <a:spcPct val="150000"/>
+              </a:lnSpc>
+            </a:pPr>
+            <a:r>
+              <a:rPr lang="en-US" sz="3600" dirty="0"/>
+              <a:t>Create schema/database</a:t>
+            </a:r>
+            <a:endParaRPr lang="en-US" sz="3600" dirty="0">
+              <a:latin typeface="Palatino Linotype" panose="02040502050505030304" pitchFamily="18" charset="0"/>
+            </a:endParaRPr>
+          </a:p>
+        </p:txBody>
+      </p:sp>
+      <p:sp>
+        <p:nvSpPr>
+          <p:cNvPr id="8" name="Rectangle 7"/>
+          <p:cNvSpPr/>
+          <p:nvPr/>
+        </p:nvSpPr>
+        <p:spPr>
+          <a:xfrm>
+            <a:off x="478582" y="1403484"/>
+            <a:ext cx="5480346" cy="369332"/>
+          </a:xfrm>
+          <a:prstGeom prst="rect">
+            <a:avLst/>
+          </a:prstGeom>
+        </p:spPr>
+        <p:txBody>
+          <a:bodyPr wrap="none">
+            <a:spAutoFit/>
+          </a:bodyPr>
+          <a:lstStyle/>
+          <a:p>
+            <a:r>
+              <a:rPr lang="en-US" dirty="0"/>
+              <a:t>CREATE {DATABASE | SCHEMA} [IF NOT EXISTS] </a:t>
+            </a:r>
+            <a:r>
+              <a:rPr lang="en-US" i="1" dirty="0"/>
+              <a:t>db_name</a:t>
+            </a:r>
+            <a:endParaRPr lang="en-US" dirty="0"/>
+          </a:p>
+        </p:txBody>
+      </p:sp>
+      <p:sp>
+        <p:nvSpPr>
+          <p:cNvPr id="10" name="Rectangle 9">
+            <a:extLst>
+              <a:ext uri="{FF2B5EF4-FFF2-40B4-BE49-F238E27FC236}">
+                <a16:creationId xmlns:a16="http://schemas.microsoft.com/office/drawing/2014/main" id="{2FDB2253-836D-468E-A0B5-6DA6EE4B76FE}"/>
+              </a:ext>
+            </a:extLst>
+          </p:cNvPr>
+          <p:cNvSpPr/>
+          <p:nvPr/>
+        </p:nvSpPr>
+        <p:spPr>
+          <a:xfrm>
+            <a:off x="478582" y="908720"/>
+            <a:ext cx="11163249" cy="369332"/>
+          </a:xfrm>
+          <a:prstGeom prst="rect">
+            <a:avLst/>
+          </a:prstGeom>
+        </p:spPr>
+        <p:txBody>
+          <a:bodyPr wrap="none">
+            <a:spAutoFit/>
+          </a:bodyPr>
+          <a:lstStyle/>
+          <a:p>
+            <a:r>
+              <a:rPr lang="en-US" dirty="0">
+                <a:latin typeface="Palatino Linotype" pitchFamily="18" charset="0"/>
+              </a:rPr>
+              <a:t>To create a new database in MySQL, you use the CREATE DATABASE statement with the following syntax:</a:t>
+            </a:r>
+            <a:endParaRPr lang="en-US" b="1" i="1" dirty="0">
+              <a:latin typeface="Palatino Linotype" pitchFamily="18" charset="0"/>
+              <a:cs typeface="Arial" pitchFamily="34" charset="0"/>
+            </a:endParaRPr>
+          </a:p>
+        </p:txBody>
+      </p:sp>
+      <p:sp>
+        <p:nvSpPr>
+          <p:cNvPr id="13" name="Rectangle 12"/>
+          <p:cNvSpPr/>
+          <p:nvPr/>
+        </p:nvSpPr>
+        <p:spPr>
+          <a:xfrm>
+            <a:off x="622598" y="1772816"/>
+            <a:ext cx="4412875" cy="1046440"/>
+          </a:xfrm>
+          <a:prstGeom prst="rect">
+            <a:avLst/>
+          </a:prstGeom>
+        </p:spPr>
+        <p:txBody>
+          <a:bodyPr wrap="none">
+            <a:spAutoFit/>
+          </a:bodyPr>
+          <a:lstStyle/>
+          <a:p>
+            <a:r>
+              <a:rPr lang="en-US" dirty="0"/>
+              <a:t>e.g.</a:t>
+            </a:r>
+          </a:p>
+          <a:p>
+            <a:endParaRPr lang="en-US" sz="800" dirty="0"/>
+          </a:p>
+          <a:p>
+            <a:pPr marL="342900" indent="-342900">
+              <a:buFont typeface="Arial" pitchFamily="34" charset="0"/>
+              <a:buChar char="•"/>
+            </a:pPr>
+            <a:r>
+              <a:rPr lang="en-US" dirty="0"/>
+              <a:t>CREATE SCHEMA IF NOT EXISTS myDB;</a:t>
+            </a:r>
+          </a:p>
+          <a:p>
+            <a:pPr marL="342900" indent="-342900">
+              <a:buFont typeface="Arial" pitchFamily="34" charset="0"/>
+              <a:buChar char="•"/>
+            </a:pPr>
+            <a:r>
+              <a:rPr lang="en-US" dirty="0"/>
+              <a:t>CREATE DATABASE IF NOT EXISTS myDB;</a:t>
+            </a:r>
+          </a:p>
+        </p:txBody>
+      </p:sp>
+      <p:sp>
+        <p:nvSpPr>
+          <p:cNvPr id="14" name="Rectangle 13">
+            <a:extLst>
+              <a:ext uri="{FF2B5EF4-FFF2-40B4-BE49-F238E27FC236}">
+                <a16:creationId xmlns:a16="http://schemas.microsoft.com/office/drawing/2014/main" id="{2FDB2253-836D-468E-A0B5-6DA6EE4B76FE}"/>
+              </a:ext>
+            </a:extLst>
+          </p:cNvPr>
+          <p:cNvSpPr/>
+          <p:nvPr/>
+        </p:nvSpPr>
+        <p:spPr>
+          <a:xfrm>
+            <a:off x="550590" y="2996952"/>
+            <a:ext cx="11161240" cy="369332"/>
+          </a:xfrm>
+          <a:prstGeom prst="rect">
+            <a:avLst/>
+          </a:prstGeom>
+        </p:spPr>
+        <p:txBody>
+          <a:bodyPr wrap="square">
+            <a:spAutoFit/>
+          </a:bodyPr>
+          <a:lstStyle/>
+          <a:p>
+            <a:r>
+              <a:rPr lang="en-US" dirty="0"/>
+              <a:t>To select a particular database to work with you issue the USE statement with the follows </a:t>
+            </a:r>
+            <a:r>
+              <a:rPr lang="en-US" dirty="0">
+                <a:latin typeface="Palatino Linotype" pitchFamily="18" charset="0"/>
+              </a:rPr>
+              <a:t>syntax </a:t>
+            </a:r>
+            <a:r>
+              <a:rPr lang="en-US" dirty="0"/>
+              <a:t>:</a:t>
+            </a:r>
+            <a:endParaRPr lang="en-US" b="1" i="1" dirty="0">
+              <a:latin typeface="Palatino Linotype" pitchFamily="18" charset="0"/>
+              <a:cs typeface="Arial" pitchFamily="34" charset="0"/>
+            </a:endParaRPr>
+          </a:p>
+        </p:txBody>
+      </p:sp>
+      <p:sp>
+        <p:nvSpPr>
+          <p:cNvPr id="15" name="Rectangle 14">
+            <a:extLst>
+              <a:ext uri="{FF2B5EF4-FFF2-40B4-BE49-F238E27FC236}">
+                <a16:creationId xmlns:a16="http://schemas.microsoft.com/office/drawing/2014/main" id="{2FDB2253-836D-468E-A0B5-6DA6EE4B76FE}"/>
+              </a:ext>
+            </a:extLst>
+          </p:cNvPr>
+          <p:cNvSpPr/>
+          <p:nvPr/>
+        </p:nvSpPr>
+        <p:spPr>
+          <a:xfrm>
+            <a:off x="190550" y="4078813"/>
+            <a:ext cx="11927855" cy="646331"/>
+          </a:xfrm>
+          <a:prstGeom prst="rect">
+            <a:avLst/>
+          </a:prstGeom>
+        </p:spPr>
+        <p:txBody>
+          <a:bodyPr wrap="square">
+            <a:spAutoFit/>
+          </a:bodyPr>
+          <a:lstStyle/>
+          <a:p>
+            <a:r>
+              <a:rPr lang="en-US" dirty="0">
+                <a:latin typeface="Palatino Linotype" pitchFamily="18" charset="0"/>
+              </a:rPr>
+              <a:t>The USE statement tells MySQL to use the named database as the default (current) database for subsequent statements. The named database remains the default until the end of the session or another USE statement is issued.</a:t>
+            </a:r>
+            <a:endParaRPr lang="en-US" b="1" i="1" dirty="0">
+              <a:latin typeface="Palatino Linotype" pitchFamily="18" charset="0"/>
+              <a:cs typeface="Arial" pitchFamily="34" charset="0"/>
+            </a:endParaRPr>
+          </a:p>
+        </p:txBody>
+      </p:sp>
+      <p:sp>
+        <p:nvSpPr>
+          <p:cNvPr id="16" name="Rectangle 15"/>
+          <p:cNvSpPr/>
+          <p:nvPr/>
+        </p:nvSpPr>
+        <p:spPr>
+          <a:xfrm>
+            <a:off x="694606" y="3491716"/>
+            <a:ext cx="1486304" cy="369332"/>
+          </a:xfrm>
+          <a:prstGeom prst="rect">
+            <a:avLst/>
+          </a:prstGeom>
+        </p:spPr>
+        <p:txBody>
+          <a:bodyPr wrap="none">
+            <a:spAutoFit/>
+          </a:bodyPr>
+          <a:lstStyle/>
+          <a:p>
+            <a:r>
+              <a:rPr lang="en-US" dirty="0"/>
+              <a:t>USE </a:t>
+            </a:r>
+            <a:r>
+              <a:rPr lang="en-US" i="1" dirty="0"/>
+              <a:t>db_name</a:t>
+            </a:r>
+            <a:endParaRPr lang="en-US" dirty="0"/>
+          </a:p>
+        </p:txBody>
+      </p:sp>
+      <p:sp>
+        <p:nvSpPr>
+          <p:cNvPr id="17" name="Rectangle 16"/>
+          <p:cNvSpPr/>
+          <p:nvPr/>
+        </p:nvSpPr>
+        <p:spPr>
+          <a:xfrm>
+            <a:off x="774998" y="4869160"/>
+            <a:ext cx="9064624" cy="769441"/>
+          </a:xfrm>
+          <a:prstGeom prst="rect">
+            <a:avLst/>
+          </a:prstGeom>
+        </p:spPr>
+        <p:txBody>
+          <a:bodyPr wrap="square">
+            <a:spAutoFit/>
+          </a:bodyPr>
+          <a:lstStyle/>
+          <a:p>
+            <a:r>
+              <a:rPr lang="en-US" dirty="0"/>
+              <a:t>e.g.</a:t>
+            </a:r>
+          </a:p>
+          <a:p>
+            <a:endParaRPr lang="en-US" sz="800" dirty="0"/>
+          </a:p>
+          <a:p>
+            <a:pPr marL="342900" indent="-342900">
+              <a:buFont typeface="Arial" pitchFamily="34" charset="0"/>
+              <a:buChar char="•"/>
+            </a:pPr>
+            <a:r>
+              <a:rPr lang="en-US" dirty="0"/>
+              <a:t>USE myDB;</a:t>
+            </a:r>
+          </a:p>
+        </p:txBody>
+      </p:sp>
+      <p:sp>
+        <p:nvSpPr>
+          <p:cNvPr id="18" name="Rectangle 17"/>
+          <p:cNvSpPr/>
+          <p:nvPr/>
+        </p:nvSpPr>
+        <p:spPr>
+          <a:xfrm>
+            <a:off x="694606" y="5949280"/>
+            <a:ext cx="10873208" cy="369332"/>
+          </a:xfrm>
+          <a:prstGeom prst="rect">
+            <a:avLst/>
+          </a:prstGeom>
+        </p:spPr>
+        <p:txBody>
+          <a:bodyPr wrap="square">
+            <a:spAutoFit/>
+          </a:bodyPr>
+          <a:lstStyle/>
+          <a:p>
+            <a:r>
+              <a:rPr lang="en-US" dirty="0"/>
+              <a:t>Note:  Moving objects from one schema to another schema in MySQL is not possible</a:t>
+            </a:r>
+          </a:p>
+        </p:txBody>
+      </p:sp>
+    </p:spTree>
+    <p:extLst>
+      <p:ext uri="{BB962C8B-B14F-4D97-AF65-F5344CB8AC3E}">
+        <p14:creationId xmlns:p14="http://schemas.microsoft.com/office/powerpoint/2010/main" val="1941358839"/>
+      </p:ext>
+    </p:extLst>
+  </p:cSld>
+  <p:clrMapOvr>
+    <a:masterClrMapping/>
+  </p:clrMapOvr>
+</p:sld>
+</file>
+
+<file path=ppt/slides/slide5.xml><?xml version="1.0" encoding="utf-8"?>
+<p:sld xmlns:a="http://schemas.openxmlformats.org/drawingml/2006/main" xmlns:r="http://schemas.openxmlformats.org/officeDocument/2006/relationships" xmlns:p="http://schemas.openxmlformats.org/presentationml/2006/main" show="0">
+  <p:cSld>
+    <p:spTree>
+      <p:nvGrpSpPr>
+        <p:cNvPr id="1" name=""/>
+        <p:cNvGrpSpPr/>
+        <p:nvPr/>
+      </p:nvGrpSpPr>
+      <p:grpSpPr>
+        <a:xfrm>
+          <a:off x="0" y="0"/>
+          <a:ext cx="0" cy="0"/>
+          <a:chOff x="0" y="0"/>
+          <a:chExt cx="0" cy="0"/>
+        </a:xfrm>
+      </p:grpSpPr>
+      <p:pic>
+        <p:nvPicPr>
+          <p:cNvPr id="4" name="Picture 3">
+            <a:extLst>
+              <a:ext uri="{FF2B5EF4-FFF2-40B4-BE49-F238E27FC236}">
+                <a16:creationId xmlns:a16="http://schemas.microsoft.com/office/drawing/2014/main" id="{4B3E96E4-8532-4FFA-8020-A53D8FBA2F23}"/>
+              </a:ext>
+            </a:extLst>
+          </p:cNvPr>
+          <p:cNvPicPr>
+            <a:picLocks noChangeAspect="1"/>
+          </p:cNvPicPr>
+          <p:nvPr/>
+        </p:nvPicPr>
+        <p:blipFill>
+          <a:blip r:embed="rId2" cstate="print">
+            <a:extLst>
+              <a:ext uri="{28A0092B-C50C-407E-A947-70E740481C1C}">
+                <a14:useLocalDpi xmlns:a14="http://schemas.microsoft.com/office/drawing/2010/main" val="0"/>
+              </a:ext>
+            </a:extLst>
+          </a:blip>
+          <a:stretch>
+            <a:fillRect/>
+          </a:stretch>
+        </p:blipFill>
+        <p:spPr>
+          <a:xfrm>
+            <a:off x="118542" y="116632"/>
+            <a:ext cx="1371859" cy="445150"/>
+          </a:xfrm>
+          <a:prstGeom prst="rect">
+            <a:avLst/>
+          </a:prstGeom>
+        </p:spPr>
+      </p:pic>
+      <p:sp>
+        <p:nvSpPr>
+          <p:cNvPr id="5" name="Footer Placeholder 2">
+            <a:extLst>
+              <a:ext uri="{FF2B5EF4-FFF2-40B4-BE49-F238E27FC236}">
+                <a16:creationId xmlns:a16="http://schemas.microsoft.com/office/drawing/2014/main" id="{70AFCD6D-DBA1-4EE8-A96A-D9652119B5FA}"/>
+              </a:ext>
+            </a:extLst>
+          </p:cNvPr>
+          <p:cNvSpPr txBox="1">
+            <a:spLocks/>
+          </p:cNvSpPr>
+          <p:nvPr/>
+        </p:nvSpPr>
+        <p:spPr>
+          <a:xfrm>
+            <a:off x="3237431" y="6523037"/>
+            <a:ext cx="5400600" cy="365125"/>
+          </a:xfrm>
+          <a:prstGeom prst="rect">
+            <a:avLst/>
+          </a:prstGeom>
+        </p:spPr>
+        <p:txBody>
+          <a:bodyPr/>
+          <a:lstStyle>
+            <a:defPPr>
+              <a:defRPr lang="en-US"/>
+            </a:defPPr>
+            <a:lvl1pPr marL="0" algn="l" defTabSz="914400" rtl="0" eaLnBrk="1" latinLnBrk="0" hangingPunct="1">
+              <a:defRPr sz="1050" kern="1200">
+                <a:solidFill>
+                  <a:schemeClr val="tx1"/>
+                </a:solidFill>
+                <a:latin typeface="+mn-lt"/>
+                <a:ea typeface="+mn-ea"/>
+                <a:cs typeface="+mn-cs"/>
+              </a:defRPr>
+            </a:lvl1pPr>
+            <a:lvl2pPr marL="457200" algn="l" defTabSz="914400" rtl="0" eaLnBrk="1" latinLnBrk="0" hangingPunct="1">
+              <a:defRPr sz="1800" kern="1200">
+                <a:solidFill>
+                  <a:schemeClr val="tx1"/>
+                </a:solidFill>
+                <a:latin typeface="+mn-lt"/>
+                <a:ea typeface="+mn-ea"/>
+                <a:cs typeface="+mn-cs"/>
+              </a:defRPr>
+            </a:lvl2pPr>
+            <a:lvl3pPr marL="914400" algn="l" defTabSz="914400" rtl="0" eaLnBrk="1" latinLnBrk="0" hangingPunct="1">
+              <a:defRPr sz="1800" kern="1200">
+                <a:solidFill>
+                  <a:schemeClr val="tx1"/>
+                </a:solidFill>
+                <a:latin typeface="+mn-lt"/>
+                <a:ea typeface="+mn-ea"/>
+                <a:cs typeface="+mn-cs"/>
+              </a:defRPr>
+            </a:lvl3pPr>
+            <a:lvl4pPr marL="1371600" algn="l" defTabSz="914400" rtl="0" eaLnBrk="1" latinLnBrk="0" hangingPunct="1">
+              <a:defRPr sz="1800" kern="1200">
+                <a:solidFill>
+                  <a:schemeClr val="tx1"/>
+                </a:solidFill>
+                <a:latin typeface="+mn-lt"/>
+                <a:ea typeface="+mn-ea"/>
+                <a:cs typeface="+mn-cs"/>
+              </a:defRPr>
+            </a:lvl4pPr>
+            <a:lvl5pPr marL="1828800" algn="l" defTabSz="914400" rtl="0" eaLnBrk="1" latinLnBrk="0" hangingPunct="1">
+              <a:defRPr sz="1800" kern="1200">
+                <a:solidFill>
+                  <a:schemeClr val="tx1"/>
+                </a:solidFill>
+                <a:latin typeface="+mn-lt"/>
+                <a:ea typeface="+mn-ea"/>
+                <a:cs typeface="+mn-cs"/>
+              </a:defRPr>
+            </a:lvl5pPr>
+            <a:lvl6pPr marL="2286000" algn="l" defTabSz="914400" rtl="0" eaLnBrk="1" latinLnBrk="0" hangingPunct="1">
+              <a:defRPr sz="1800" kern="1200">
+                <a:solidFill>
+                  <a:schemeClr val="tx1"/>
+                </a:solidFill>
+                <a:latin typeface="+mn-lt"/>
+                <a:ea typeface="+mn-ea"/>
+                <a:cs typeface="+mn-cs"/>
+              </a:defRPr>
+            </a:lvl6pPr>
+            <a:lvl7pPr marL="2743200" algn="l" defTabSz="914400" rtl="0" eaLnBrk="1" latinLnBrk="0" hangingPunct="1">
+              <a:defRPr sz="1800" kern="1200">
+                <a:solidFill>
+                  <a:schemeClr val="tx1"/>
+                </a:solidFill>
+                <a:latin typeface="+mn-lt"/>
+                <a:ea typeface="+mn-ea"/>
+                <a:cs typeface="+mn-cs"/>
+              </a:defRPr>
+            </a:lvl7pPr>
+            <a:lvl8pPr marL="3200400" algn="l" defTabSz="914400" rtl="0" eaLnBrk="1" latinLnBrk="0" hangingPunct="1">
+              <a:defRPr sz="1800" kern="1200">
+                <a:solidFill>
+                  <a:schemeClr val="tx1"/>
+                </a:solidFill>
+                <a:latin typeface="+mn-lt"/>
+                <a:ea typeface="+mn-ea"/>
+                <a:cs typeface="+mn-cs"/>
+              </a:defRPr>
+            </a:lvl8pPr>
+            <a:lvl9pPr marL="3657600" algn="l" defTabSz="914400" rtl="0" eaLnBrk="1" latinLnBrk="0" hangingPunct="1">
+              <a:defRPr sz="1800" kern="1200">
+                <a:solidFill>
+                  <a:schemeClr val="tx1"/>
+                </a:solidFill>
+                <a:latin typeface="+mn-lt"/>
+                <a:ea typeface="+mn-ea"/>
+                <a:cs typeface="+mn-cs"/>
+              </a:defRPr>
+            </a:lvl9pPr>
+          </a:lstStyle>
+          <a:p>
+            <a:r>
+              <a:rPr lang="en-US" dirty="0"/>
+              <a:t>Infoway Technologies, 3rd  Floor Commerce Centre, Rambaug Colony, Paud Road Pune 411038</a:t>
+            </a:r>
+            <a:endParaRPr lang="en-IN" dirty="0"/>
+          </a:p>
+          <a:p>
+            <a:endParaRPr lang="en-US" dirty="0"/>
+          </a:p>
+        </p:txBody>
+      </p:sp>
+      <p:sp>
+        <p:nvSpPr>
+          <p:cNvPr id="7" name="Rectangle 6">
+            <a:extLst>
+              <a:ext uri="{FF2B5EF4-FFF2-40B4-BE49-F238E27FC236}">
+                <a16:creationId xmlns:a16="http://schemas.microsoft.com/office/drawing/2014/main" id="{09A4DD51-F450-4FA7-BA18-C2A26D10D72C}"/>
+              </a:ext>
+            </a:extLst>
+          </p:cNvPr>
+          <p:cNvSpPr/>
+          <p:nvPr/>
+        </p:nvSpPr>
+        <p:spPr>
+          <a:xfrm>
+            <a:off x="1523802" y="2"/>
+            <a:ext cx="9142810" cy="838499"/>
+          </a:xfrm>
+          <a:prstGeom prst="rect">
+            <a:avLst/>
+          </a:prstGeom>
+          <a:solidFill>
+            <a:schemeClr val="bg1"/>
+          </a:solidFill>
+        </p:spPr>
+        <p:txBody>
+          <a:bodyPr wrap="square">
+            <a:spAutoFit/>
+          </a:bodyPr>
+          <a:lstStyle/>
+          <a:p>
+            <a:pPr algn="r" fontAlgn="base">
+              <a:lnSpc>
+                <a:spcPct val="150000"/>
+              </a:lnSpc>
+            </a:pPr>
+            <a:r>
+              <a:rPr lang="en-US" sz="3600" dirty="0">
+                <a:latin typeface="Palatino Linotype" panose="02040502050505030304" pitchFamily="18" charset="0"/>
+              </a:rPr>
+              <a:t>Schema</a:t>
+            </a:r>
+          </a:p>
+        </p:txBody>
+      </p:sp>
+      <p:sp>
+        <p:nvSpPr>
+          <p:cNvPr id="11" name="Rectangle 10"/>
+          <p:cNvSpPr/>
+          <p:nvPr/>
+        </p:nvSpPr>
+        <p:spPr>
+          <a:xfrm>
+            <a:off x="478582" y="980728"/>
+            <a:ext cx="11305256" cy="646331"/>
+          </a:xfrm>
+          <a:prstGeom prst="rect">
+            <a:avLst/>
+          </a:prstGeom>
+        </p:spPr>
+        <p:txBody>
+          <a:bodyPr wrap="square">
+            <a:spAutoFit/>
+          </a:bodyPr>
+          <a:lstStyle/>
+          <a:p>
+            <a:r>
+              <a:rPr lang="en-US" dirty="0">
+                <a:latin typeface="Palatino Linotype" pitchFamily="18" charset="0"/>
+              </a:rPr>
+              <a:t> A </a:t>
+            </a:r>
+            <a:r>
+              <a:rPr lang="en-US" b="1" dirty="0">
+                <a:latin typeface="Palatino Linotype" pitchFamily="18" charset="0"/>
+              </a:rPr>
+              <a:t>database schema</a:t>
+            </a:r>
+            <a:r>
+              <a:rPr lang="en-US" dirty="0">
+                <a:latin typeface="Palatino Linotype" pitchFamily="18" charset="0"/>
+              </a:rPr>
+              <a:t> is the skeleton structure that represents the logical view of the entire </a:t>
+            </a:r>
+            <a:r>
+              <a:rPr lang="en-US" b="1" dirty="0">
+                <a:latin typeface="Palatino Linotype" pitchFamily="18" charset="0"/>
+              </a:rPr>
+              <a:t>database</a:t>
+            </a:r>
+            <a:r>
+              <a:rPr lang="en-US" dirty="0">
+                <a:latin typeface="Palatino Linotype" pitchFamily="18" charset="0"/>
+              </a:rPr>
+              <a:t>. It defines how the data is organized and how the relations among them are associated.</a:t>
+            </a:r>
+          </a:p>
+        </p:txBody>
+      </p:sp>
+      <p:pic>
+        <p:nvPicPr>
+          <p:cNvPr id="8" name="Picture 2" descr="DBMS - Data Schemas - Tutorialspoint"/>
+          <p:cNvPicPr>
+            <a:picLocks noChangeAspect="1" noChangeArrowheads="1"/>
+          </p:cNvPicPr>
+          <p:nvPr/>
+        </p:nvPicPr>
+        <p:blipFill>
+          <a:blip r:embed="rId3" cstate="print"/>
+          <a:srcRect/>
+          <a:stretch>
+            <a:fillRect/>
+          </a:stretch>
+        </p:blipFill>
+        <p:spPr bwMode="auto">
+          <a:xfrm>
+            <a:off x="6959302" y="2052856"/>
+            <a:ext cx="4968552" cy="4044383"/>
+          </a:xfrm>
+          <a:prstGeom prst="rect">
+            <a:avLst/>
+          </a:prstGeom>
+          <a:noFill/>
+        </p:spPr>
+      </p:pic>
+      <p:sp>
+        <p:nvSpPr>
+          <p:cNvPr id="3" name="Rectangle 2">
+            <a:extLst>
+              <a:ext uri="{FF2B5EF4-FFF2-40B4-BE49-F238E27FC236}">
+                <a16:creationId xmlns:a16="http://schemas.microsoft.com/office/drawing/2014/main" id="{A82EF045-9DE6-45C0-B699-257E7D20F85D}"/>
+              </a:ext>
+            </a:extLst>
+          </p:cNvPr>
+          <p:cNvSpPr/>
+          <p:nvPr/>
+        </p:nvSpPr>
+        <p:spPr>
+          <a:xfrm>
+            <a:off x="118542" y="2420888"/>
+            <a:ext cx="6503647" cy="2862322"/>
+          </a:xfrm>
+          <a:prstGeom prst="rect">
+            <a:avLst/>
+          </a:prstGeom>
+        </p:spPr>
+        <p:txBody>
+          <a:bodyPr wrap="square">
+            <a:spAutoFit/>
+          </a:bodyPr>
+          <a:lstStyle/>
+          <a:p>
+            <a:pPr algn="just"/>
+            <a:r>
+              <a:rPr lang="en-US" dirty="0">
+                <a:solidFill>
+                  <a:srgbClr val="000000"/>
+                </a:solidFill>
+                <a:latin typeface="Arial" panose="020B0604020202020204" pitchFamily="34" charset="0"/>
+              </a:rPr>
+              <a:t>A database schema can be divided broadly into two categories −</a:t>
+            </a:r>
+          </a:p>
+          <a:p>
+            <a:pPr algn="just"/>
+            <a:endParaRPr lang="en-US" dirty="0">
+              <a:solidFill>
+                <a:srgbClr val="000000"/>
+              </a:solidFill>
+              <a:latin typeface="Arial" panose="020B0604020202020204" pitchFamily="34" charset="0"/>
+            </a:endParaRPr>
+          </a:p>
+          <a:p>
+            <a:pPr algn="just">
+              <a:buFont typeface="Arial" panose="020B0604020202020204" pitchFamily="34" charset="0"/>
+              <a:buChar char="•"/>
+            </a:pPr>
+            <a:r>
+              <a:rPr lang="en-US" b="1" dirty="0">
+                <a:solidFill>
+                  <a:srgbClr val="000000"/>
+                </a:solidFill>
+                <a:latin typeface="Arial" panose="020B0604020202020204" pitchFamily="34" charset="0"/>
+              </a:rPr>
+              <a:t>Physical Database Schema</a:t>
+            </a:r>
+            <a:r>
+              <a:rPr lang="en-US" dirty="0">
+                <a:solidFill>
+                  <a:srgbClr val="000000"/>
+                </a:solidFill>
+                <a:latin typeface="Arial" panose="020B0604020202020204" pitchFamily="34" charset="0"/>
+              </a:rPr>
+              <a:t> − This schema is </a:t>
+            </a:r>
+            <a:r>
+              <a:rPr lang="en-IN" dirty="0">
+                <a:solidFill>
+                  <a:srgbClr val="000000"/>
+                </a:solidFill>
+                <a:latin typeface="Arial" panose="020B0604020202020204" pitchFamily="34" charset="0"/>
+              </a:rPr>
+              <a:t>related</a:t>
+            </a:r>
+            <a:r>
+              <a:rPr lang="en-US" dirty="0">
+                <a:solidFill>
+                  <a:srgbClr val="000000"/>
+                </a:solidFill>
+                <a:latin typeface="Arial" panose="020B0604020202020204" pitchFamily="34" charset="0"/>
+              </a:rPr>
+              <a:t> to the actual storage of data and its form of storage like files. It defines how the data will be stored in a secondary storage.</a:t>
+            </a:r>
+          </a:p>
+          <a:p>
+            <a:pPr algn="just">
+              <a:buFont typeface="Arial" panose="020B0604020202020204" pitchFamily="34" charset="0"/>
+              <a:buChar char="•"/>
+            </a:pPr>
+            <a:endParaRPr lang="en-US" dirty="0">
+              <a:solidFill>
+                <a:srgbClr val="000000"/>
+              </a:solidFill>
+              <a:latin typeface="Arial" panose="020B0604020202020204" pitchFamily="34" charset="0"/>
+            </a:endParaRPr>
+          </a:p>
+          <a:p>
+            <a:pPr algn="just">
+              <a:buFont typeface="Arial" panose="020B0604020202020204" pitchFamily="34" charset="0"/>
+              <a:buChar char="•"/>
+            </a:pPr>
+            <a:r>
+              <a:rPr lang="en-US" b="1" dirty="0">
+                <a:solidFill>
+                  <a:srgbClr val="000000"/>
+                </a:solidFill>
+                <a:latin typeface="Arial" panose="020B0604020202020204" pitchFamily="34" charset="0"/>
+              </a:rPr>
+              <a:t>Logical Database Schema</a:t>
+            </a:r>
+            <a:r>
+              <a:rPr lang="en-US" dirty="0">
+                <a:solidFill>
+                  <a:srgbClr val="000000"/>
+                </a:solidFill>
+                <a:latin typeface="Arial" panose="020B0604020202020204" pitchFamily="34" charset="0"/>
+              </a:rPr>
+              <a:t> − This schema defines all the logical constraints that need to be applied on the data stored. It defines tables, views, and integrity constraints.</a:t>
+            </a:r>
+            <a:endParaRPr lang="en-US" b="0" i="0" dirty="0">
+              <a:solidFill>
+                <a:srgbClr val="000000"/>
+              </a:solidFill>
+              <a:effectLst/>
+              <a:latin typeface="Arial" panose="020B0604020202020204" pitchFamily="34" charset="0"/>
+            </a:endParaRPr>
+          </a:p>
+        </p:txBody>
+      </p:sp>
+    </p:spTree>
+    <p:extLst>
+      <p:ext uri="{BB962C8B-B14F-4D97-AF65-F5344CB8AC3E}">
+        <p14:creationId xmlns:p14="http://schemas.microsoft.com/office/powerpoint/2010/main" val="1953468206"/>
+      </p:ext>
+    </p:extLst>
+  </p:cSld>
+  <p:clrMapOvr>
+    <a:masterClrMapping/>
+  </p:clrMapOvr>
 </p:sld>
 </file>
 

--- a/Video Ver1/Video PPT/6. Schema in databases.pptx
+++ b/Video Ver1/Video PPT/6. Schema in databases.pptx
@@ -5,14 +5,13 @@
     <p:sldMasterId id="2147483648" r:id="rId1"/>
   </p:sldMasterIdLst>
   <p:notesMasterIdLst>
-    <p:notesMasterId r:id="rId7"/>
+    <p:notesMasterId r:id="rId6"/>
   </p:notesMasterIdLst>
   <p:sldIdLst>
     <p:sldId id="1199" r:id="rId2"/>
     <p:sldId id="1202" r:id="rId3"/>
     <p:sldId id="1204" r:id="rId4"/>
     <p:sldId id="1203" r:id="rId5"/>
-    <p:sldId id="1205" r:id="rId6"/>
   </p:sldIdLst>
   <p:sldSz cx="12190413" cy="6858000"/>
   <p:notesSz cx="6858000" cy="9144000"/>
@@ -120,7 +119,6 @@
             <p14:sldId id="1202"/>
             <p14:sldId id="1204"/>
             <p14:sldId id="1203"/>
-            <p14:sldId id="1205"/>
           </p14:sldIdLst>
         </p14:section>
         <p14:section name="Data Defination Language" id="{347E00EC-A70B-42D3-B55A-27753B89E162}">
@@ -262,7 +260,7 @@
             <a:fld id="{4DF51050-3720-483B-B552-57DC1341D582}" type="datetimeFigureOut">
               <a:rPr lang="en-US" smtClean="0"/>
               <a:pPr/>
-              <a:t>6/8/2020</a:t>
+              <a:t>6/12/2020</a:t>
             </a:fld>
             <a:endParaRPr lang="en-US"/>
           </a:p>
@@ -721,7 +719,7 @@
             <a:fld id="{EEE556E8-492E-4E8F-8E7F-7A7787724D01}" type="datetimeFigureOut">
               <a:rPr lang="en-US" smtClean="0"/>
               <a:pPr/>
-              <a:t>6/8/2020</a:t>
+              <a:t>6/12/2020</a:t>
             </a:fld>
             <a:endParaRPr lang="en-US"/>
           </a:p>
@@ -926,7 +924,7 @@
             <a:fld id="{EEE556E8-492E-4E8F-8E7F-7A7787724D01}" type="datetimeFigureOut">
               <a:rPr lang="en-US" smtClean="0"/>
               <a:pPr/>
-              <a:t>6/8/2020</a:t>
+              <a:t>6/12/2020</a:t>
             </a:fld>
             <a:endParaRPr lang="en-US"/>
           </a:p>
@@ -1131,7 +1129,7 @@
             <a:fld id="{EEE556E8-492E-4E8F-8E7F-7A7787724D01}" type="datetimeFigureOut">
               <a:rPr lang="en-US" smtClean="0"/>
               <a:pPr/>
-              <a:t>6/8/2020</a:t>
+              <a:t>6/12/2020</a:t>
             </a:fld>
             <a:endParaRPr lang="en-US"/>
           </a:p>
@@ -1336,7 +1334,7 @@
             <a:fld id="{EEE556E8-492E-4E8F-8E7F-7A7787724D01}" type="datetimeFigureOut">
               <a:rPr lang="en-US" smtClean="0"/>
               <a:pPr/>
-              <a:t>6/8/2020</a:t>
+              <a:t>6/12/2020</a:t>
             </a:fld>
             <a:endParaRPr lang="en-US"/>
           </a:p>
@@ -1608,7 +1606,7 @@
             <a:fld id="{EEE556E8-492E-4E8F-8E7F-7A7787724D01}" type="datetimeFigureOut">
               <a:rPr lang="en-US" smtClean="0"/>
               <a:pPr/>
-              <a:t>6/8/2020</a:t>
+              <a:t>6/12/2020</a:t>
             </a:fld>
             <a:endParaRPr lang="en-US"/>
           </a:p>
@@ -1928,7 +1926,7 @@
             <a:fld id="{EEE556E8-492E-4E8F-8E7F-7A7787724D01}" type="datetimeFigureOut">
               <a:rPr lang="en-US" smtClean="0"/>
               <a:pPr/>
-              <a:t>6/8/2020</a:t>
+              <a:t>6/12/2020</a:t>
             </a:fld>
             <a:endParaRPr lang="en-US"/>
           </a:p>
@@ -2388,7 +2386,7 @@
             <a:fld id="{EEE556E8-492E-4E8F-8E7F-7A7787724D01}" type="datetimeFigureOut">
               <a:rPr lang="en-US" smtClean="0"/>
               <a:pPr/>
-              <a:t>6/8/2020</a:t>
+              <a:t>6/12/2020</a:t>
             </a:fld>
             <a:endParaRPr lang="en-US"/>
           </a:p>
@@ -2534,7 +2532,7 @@
             <a:fld id="{EEE556E8-492E-4E8F-8E7F-7A7787724D01}" type="datetimeFigureOut">
               <a:rPr lang="en-US" smtClean="0"/>
               <a:pPr/>
-              <a:t>6/8/2020</a:t>
+              <a:t>6/12/2020</a:t>
             </a:fld>
             <a:endParaRPr lang="en-US"/>
           </a:p>
@@ -2864,7 +2862,7 @@
             <a:fld id="{EEE556E8-492E-4E8F-8E7F-7A7787724D01}" type="datetimeFigureOut">
               <a:rPr lang="en-US" smtClean="0"/>
               <a:pPr/>
-              <a:t>6/8/2020</a:t>
+              <a:t>6/12/2020</a:t>
             </a:fld>
             <a:endParaRPr lang="en-US"/>
           </a:p>
@@ -3146,7 +3144,7 @@
             <a:fld id="{EEE556E8-492E-4E8F-8E7F-7A7787724D01}" type="datetimeFigureOut">
               <a:rPr lang="en-US" smtClean="0"/>
               <a:pPr/>
-              <a:t>6/8/2020</a:t>
+              <a:t>6/12/2020</a:t>
             </a:fld>
             <a:endParaRPr lang="en-US"/>
           </a:p>
@@ -5375,462 +5373,6 @@
     <p:extLst>
       <p:ext uri="{BB962C8B-B14F-4D97-AF65-F5344CB8AC3E}">
         <p14:creationId xmlns:p14="http://schemas.microsoft.com/office/powerpoint/2010/main" val="1941358839"/>
-      </p:ext>
-    </p:extLst>
-  </p:cSld>
-  <p:clrMapOvr>
-    <a:masterClrMapping/>
-  </p:clrMapOvr>
-</p:sld>
-</file>
-
-<file path=ppt/slides/slide5.xml><?xml version="1.0" encoding="utf-8"?>
-<p:sld xmlns:a="http://schemas.openxmlformats.org/drawingml/2006/main" xmlns:r="http://schemas.openxmlformats.org/officeDocument/2006/relationships" xmlns:p="http://schemas.openxmlformats.org/presentationml/2006/main" show="0">
-  <p:cSld>
-    <p:spTree>
-      <p:nvGrpSpPr>
-        <p:cNvPr id="1" name=""/>
-        <p:cNvGrpSpPr/>
-        <p:nvPr/>
-      </p:nvGrpSpPr>
-      <p:grpSpPr>
-        <a:xfrm>
-          <a:off x="0" y="0"/>
-          <a:ext cx="0" cy="0"/>
-          <a:chOff x="0" y="0"/>
-          <a:chExt cx="0" cy="0"/>
-        </a:xfrm>
-      </p:grpSpPr>
-      <p:pic>
-        <p:nvPicPr>
-          <p:cNvPr id="4" name="Picture 3">
-            <a:extLst>
-              <a:ext uri="{FF2B5EF4-FFF2-40B4-BE49-F238E27FC236}">
-                <a16:creationId xmlns:a16="http://schemas.microsoft.com/office/drawing/2014/main" id="{4B3E96E4-8532-4FFA-8020-A53D8FBA2F23}"/>
-              </a:ext>
-            </a:extLst>
-          </p:cNvPr>
-          <p:cNvPicPr>
-            <a:picLocks noChangeAspect="1"/>
-          </p:cNvPicPr>
-          <p:nvPr/>
-        </p:nvPicPr>
-        <p:blipFill>
-          <a:blip r:embed="rId2" cstate="print">
-            <a:extLst>
-              <a:ext uri="{28A0092B-C50C-407E-A947-70E740481C1C}">
-                <a14:useLocalDpi xmlns:a14="http://schemas.microsoft.com/office/drawing/2010/main" val="0"/>
-              </a:ext>
-            </a:extLst>
-          </a:blip>
-          <a:stretch>
-            <a:fillRect/>
-          </a:stretch>
-        </p:blipFill>
-        <p:spPr>
-          <a:xfrm>
-            <a:off x="118542" y="116632"/>
-            <a:ext cx="1371859" cy="445150"/>
-          </a:xfrm>
-          <a:prstGeom prst="rect">
-            <a:avLst/>
-          </a:prstGeom>
-        </p:spPr>
-      </p:pic>
-      <p:sp>
-        <p:nvSpPr>
-          <p:cNvPr id="5" name="Footer Placeholder 2">
-            <a:extLst>
-              <a:ext uri="{FF2B5EF4-FFF2-40B4-BE49-F238E27FC236}">
-                <a16:creationId xmlns:a16="http://schemas.microsoft.com/office/drawing/2014/main" id="{70AFCD6D-DBA1-4EE8-A96A-D9652119B5FA}"/>
-              </a:ext>
-            </a:extLst>
-          </p:cNvPr>
-          <p:cNvSpPr txBox="1">
-            <a:spLocks/>
-          </p:cNvSpPr>
-          <p:nvPr/>
-        </p:nvSpPr>
-        <p:spPr>
-          <a:xfrm>
-            <a:off x="3237431" y="6523037"/>
-            <a:ext cx="5400600" cy="365125"/>
-          </a:xfrm>
-          <a:prstGeom prst="rect">
-            <a:avLst/>
-          </a:prstGeom>
-        </p:spPr>
-        <p:txBody>
-          <a:bodyPr/>
-          <a:lstStyle>
-            <a:defPPr>
-              <a:defRPr lang="en-US"/>
-            </a:defPPr>
-            <a:lvl1pPr marL="0" algn="l" defTabSz="914400" rtl="0" eaLnBrk="1" latinLnBrk="0" hangingPunct="1">
-              <a:defRPr sz="1050" kern="1200">
-                <a:solidFill>
-                  <a:schemeClr val="tx1"/>
-                </a:solidFill>
-                <a:latin typeface="+mn-lt"/>
-                <a:ea typeface="+mn-ea"/>
-                <a:cs typeface="+mn-cs"/>
-              </a:defRPr>
-            </a:lvl1pPr>
-            <a:lvl2pPr marL="457200" algn="l" defTabSz="914400" rtl="0" eaLnBrk="1" latinLnBrk="0" hangingPunct="1">
-              <a:defRPr sz="1800" kern="1200">
-                <a:solidFill>
-                  <a:schemeClr val="tx1"/>
-                </a:solidFill>
-                <a:latin typeface="+mn-lt"/>
-                <a:ea typeface="+mn-ea"/>
-                <a:cs typeface="+mn-cs"/>
-              </a:defRPr>
-            </a:lvl2pPr>
-            <a:lvl3pPr marL="914400" algn="l" defTabSz="914400" rtl="0" eaLnBrk="1" latinLnBrk="0" hangingPunct="1">
-              <a:defRPr sz="1800" kern="1200">
-                <a:solidFill>
-                  <a:schemeClr val="tx1"/>
-                </a:solidFill>
-                <a:latin typeface="+mn-lt"/>
-                <a:ea typeface="+mn-ea"/>
-                <a:cs typeface="+mn-cs"/>
-              </a:defRPr>
-            </a:lvl3pPr>
-            <a:lvl4pPr marL="1371600" algn="l" defTabSz="914400" rtl="0" eaLnBrk="1" latinLnBrk="0" hangingPunct="1">
-              <a:defRPr sz="1800" kern="1200">
-                <a:solidFill>
-                  <a:schemeClr val="tx1"/>
-                </a:solidFill>
-                <a:latin typeface="+mn-lt"/>
-                <a:ea typeface="+mn-ea"/>
-                <a:cs typeface="+mn-cs"/>
-              </a:defRPr>
-            </a:lvl4pPr>
-            <a:lvl5pPr marL="1828800" algn="l" defTabSz="914400" rtl="0" eaLnBrk="1" latinLnBrk="0" hangingPunct="1">
-              <a:defRPr sz="1800" kern="1200">
-                <a:solidFill>
-                  <a:schemeClr val="tx1"/>
-                </a:solidFill>
-                <a:latin typeface="+mn-lt"/>
-                <a:ea typeface="+mn-ea"/>
-                <a:cs typeface="+mn-cs"/>
-              </a:defRPr>
-            </a:lvl5pPr>
-            <a:lvl6pPr marL="2286000" algn="l" defTabSz="914400" rtl="0" eaLnBrk="1" latinLnBrk="0" hangingPunct="1">
-              <a:defRPr sz="1800" kern="1200">
-                <a:solidFill>
-                  <a:schemeClr val="tx1"/>
-                </a:solidFill>
-                <a:latin typeface="+mn-lt"/>
-                <a:ea typeface="+mn-ea"/>
-                <a:cs typeface="+mn-cs"/>
-              </a:defRPr>
-            </a:lvl6pPr>
-            <a:lvl7pPr marL="2743200" algn="l" defTabSz="914400" rtl="0" eaLnBrk="1" latinLnBrk="0" hangingPunct="1">
-              <a:defRPr sz="1800" kern="1200">
-                <a:solidFill>
-                  <a:schemeClr val="tx1"/>
-                </a:solidFill>
-                <a:latin typeface="+mn-lt"/>
-                <a:ea typeface="+mn-ea"/>
-                <a:cs typeface="+mn-cs"/>
-              </a:defRPr>
-            </a:lvl7pPr>
-            <a:lvl8pPr marL="3200400" algn="l" defTabSz="914400" rtl="0" eaLnBrk="1" latinLnBrk="0" hangingPunct="1">
-              <a:defRPr sz="1800" kern="1200">
-                <a:solidFill>
-                  <a:schemeClr val="tx1"/>
-                </a:solidFill>
-                <a:latin typeface="+mn-lt"/>
-                <a:ea typeface="+mn-ea"/>
-                <a:cs typeface="+mn-cs"/>
-              </a:defRPr>
-            </a:lvl8pPr>
-            <a:lvl9pPr marL="3657600" algn="l" defTabSz="914400" rtl="0" eaLnBrk="1" latinLnBrk="0" hangingPunct="1">
-              <a:defRPr sz="1800" kern="1200">
-                <a:solidFill>
-                  <a:schemeClr val="tx1"/>
-                </a:solidFill>
-                <a:latin typeface="+mn-lt"/>
-                <a:ea typeface="+mn-ea"/>
-                <a:cs typeface="+mn-cs"/>
-              </a:defRPr>
-            </a:lvl9pPr>
-          </a:lstStyle>
-          <a:p>
-            <a:r>
-              <a:rPr lang="en-US" dirty="0"/>
-              <a:t>Infoway Technologies, 3rd  Floor Commerce Centre, Rambaug Colony, Paud Road Pune 411038</a:t>
-            </a:r>
-            <a:endParaRPr lang="en-IN" dirty="0"/>
-          </a:p>
-          <a:p>
-            <a:endParaRPr lang="en-US" dirty="0"/>
-          </a:p>
-        </p:txBody>
-      </p:sp>
-      <p:sp>
-        <p:nvSpPr>
-          <p:cNvPr id="7" name="Rectangle 6">
-            <a:extLst>
-              <a:ext uri="{FF2B5EF4-FFF2-40B4-BE49-F238E27FC236}">
-                <a16:creationId xmlns:a16="http://schemas.microsoft.com/office/drawing/2014/main" id="{09A4DD51-F450-4FA7-BA18-C2A26D10D72C}"/>
-              </a:ext>
-            </a:extLst>
-          </p:cNvPr>
-          <p:cNvSpPr/>
-          <p:nvPr/>
-        </p:nvSpPr>
-        <p:spPr>
-          <a:xfrm>
-            <a:off x="1523802" y="2"/>
-            <a:ext cx="9142810" cy="838499"/>
-          </a:xfrm>
-          <a:prstGeom prst="rect">
-            <a:avLst/>
-          </a:prstGeom>
-          <a:solidFill>
-            <a:schemeClr val="bg1"/>
-          </a:solidFill>
-        </p:spPr>
-        <p:txBody>
-          <a:bodyPr wrap="square">
-            <a:spAutoFit/>
-          </a:bodyPr>
-          <a:lstStyle/>
-          <a:p>
-            <a:pPr algn="r" fontAlgn="base">
-              <a:lnSpc>
-                <a:spcPct val="150000"/>
-              </a:lnSpc>
-            </a:pPr>
-            <a:r>
-              <a:rPr lang="en-US" sz="3600" dirty="0">
-                <a:latin typeface="Palatino Linotype" panose="02040502050505030304" pitchFamily="18" charset="0"/>
-              </a:rPr>
-              <a:t>Schema</a:t>
-            </a:r>
-          </a:p>
-        </p:txBody>
-      </p:sp>
-      <p:sp>
-        <p:nvSpPr>
-          <p:cNvPr id="11" name="Rectangle 10"/>
-          <p:cNvSpPr/>
-          <p:nvPr/>
-        </p:nvSpPr>
-        <p:spPr>
-          <a:xfrm>
-            <a:off x="478582" y="980728"/>
-            <a:ext cx="11305256" cy="646331"/>
-          </a:xfrm>
-          <a:prstGeom prst="rect">
-            <a:avLst/>
-          </a:prstGeom>
-        </p:spPr>
-        <p:txBody>
-          <a:bodyPr wrap="square">
-            <a:spAutoFit/>
-          </a:bodyPr>
-          <a:lstStyle/>
-          <a:p>
-            <a:r>
-              <a:rPr lang="en-US" dirty="0">
-                <a:latin typeface="Palatino Linotype" pitchFamily="18" charset="0"/>
-              </a:rPr>
-              <a:t> A </a:t>
-            </a:r>
-            <a:r>
-              <a:rPr lang="en-US" b="1" dirty="0">
-                <a:latin typeface="Palatino Linotype" pitchFamily="18" charset="0"/>
-              </a:rPr>
-              <a:t>database schema</a:t>
-            </a:r>
-            <a:r>
-              <a:rPr lang="en-US" dirty="0">
-                <a:latin typeface="Palatino Linotype" pitchFamily="18" charset="0"/>
-              </a:rPr>
-              <a:t> is the skeleton structure that represents the logical view of the entire </a:t>
-            </a:r>
-            <a:r>
-              <a:rPr lang="en-US" b="1" dirty="0">
-                <a:latin typeface="Palatino Linotype" pitchFamily="18" charset="0"/>
-              </a:rPr>
-              <a:t>database</a:t>
-            </a:r>
-            <a:r>
-              <a:rPr lang="en-US" dirty="0">
-                <a:latin typeface="Palatino Linotype" pitchFamily="18" charset="0"/>
-              </a:rPr>
-              <a:t>. It defines how the data is organized and how the relations among them are associated.</a:t>
-            </a:r>
-          </a:p>
-        </p:txBody>
-      </p:sp>
-      <p:pic>
-        <p:nvPicPr>
-          <p:cNvPr id="8" name="Picture 2" descr="DBMS - Data Schemas - Tutorialspoint"/>
-          <p:cNvPicPr>
-            <a:picLocks noChangeAspect="1" noChangeArrowheads="1"/>
-          </p:cNvPicPr>
-          <p:nvPr/>
-        </p:nvPicPr>
-        <p:blipFill>
-          <a:blip r:embed="rId3" cstate="print"/>
-          <a:srcRect/>
-          <a:stretch>
-            <a:fillRect/>
-          </a:stretch>
-        </p:blipFill>
-        <p:spPr bwMode="auto">
-          <a:xfrm>
-            <a:off x="6959302" y="2052856"/>
-            <a:ext cx="4968552" cy="4044383"/>
-          </a:xfrm>
-          <a:prstGeom prst="rect">
-            <a:avLst/>
-          </a:prstGeom>
-          <a:noFill/>
-        </p:spPr>
-      </p:pic>
-      <p:sp>
-        <p:nvSpPr>
-          <p:cNvPr id="3" name="Rectangle 2">
-            <a:extLst>
-              <a:ext uri="{FF2B5EF4-FFF2-40B4-BE49-F238E27FC236}">
-                <a16:creationId xmlns:a16="http://schemas.microsoft.com/office/drawing/2014/main" id="{A82EF045-9DE6-45C0-B699-257E7D20F85D}"/>
-              </a:ext>
-            </a:extLst>
-          </p:cNvPr>
-          <p:cNvSpPr/>
-          <p:nvPr/>
-        </p:nvSpPr>
-        <p:spPr>
-          <a:xfrm>
-            <a:off x="118542" y="2420888"/>
-            <a:ext cx="6503647" cy="2862322"/>
-          </a:xfrm>
-          <a:prstGeom prst="rect">
-            <a:avLst/>
-          </a:prstGeom>
-        </p:spPr>
-        <p:txBody>
-          <a:bodyPr wrap="square">
-            <a:spAutoFit/>
-          </a:bodyPr>
-          <a:lstStyle/>
-          <a:p>
-            <a:pPr algn="just"/>
-            <a:r>
-              <a:rPr lang="en-US" dirty="0">
-                <a:solidFill>
-                  <a:srgbClr val="000000"/>
-                </a:solidFill>
-                <a:latin typeface="Arial" panose="020B0604020202020204" pitchFamily="34" charset="0"/>
-              </a:rPr>
-              <a:t>A database schema can be divided broadly into two categories −</a:t>
-            </a:r>
-          </a:p>
-          <a:p>
-            <a:pPr algn="just"/>
-            <a:endParaRPr lang="en-US" dirty="0">
-              <a:solidFill>
-                <a:srgbClr val="000000"/>
-              </a:solidFill>
-              <a:latin typeface="Arial" panose="020B0604020202020204" pitchFamily="34" charset="0"/>
-            </a:endParaRPr>
-          </a:p>
-          <a:p>
-            <a:pPr algn="just">
-              <a:buFont typeface="Arial" panose="020B0604020202020204" pitchFamily="34" charset="0"/>
-              <a:buChar char="•"/>
-            </a:pPr>
-            <a:r>
-              <a:rPr lang="en-US" b="1" dirty="0">
-                <a:solidFill>
-                  <a:srgbClr val="000000"/>
-                </a:solidFill>
-                <a:latin typeface="Arial" panose="020B0604020202020204" pitchFamily="34" charset="0"/>
-              </a:rPr>
-              <a:t>Physical Database Schema</a:t>
-            </a:r>
-            <a:r>
-              <a:rPr lang="en-US" dirty="0">
-                <a:solidFill>
-                  <a:srgbClr val="000000"/>
-                </a:solidFill>
-                <a:latin typeface="Arial" panose="020B0604020202020204" pitchFamily="34" charset="0"/>
-              </a:rPr>
-              <a:t> − This schema is </a:t>
-            </a:r>
-            <a:r>
-              <a:rPr lang="en-IN" dirty="0">
-                <a:solidFill>
-                  <a:srgbClr val="000000"/>
-                </a:solidFill>
-                <a:latin typeface="Arial" panose="020B0604020202020204" pitchFamily="34" charset="0"/>
-              </a:rPr>
-              <a:t>related</a:t>
-            </a:r>
-            <a:r>
-              <a:rPr lang="en-US" dirty="0">
-                <a:solidFill>
-                  <a:srgbClr val="000000"/>
-                </a:solidFill>
-                <a:latin typeface="Arial" panose="020B0604020202020204" pitchFamily="34" charset="0"/>
-              </a:rPr>
-              <a:t> to the actual storage of data and its form of storage like files. It defines how the data will be stored in a secondary storage.</a:t>
-            </a:r>
-          </a:p>
-          <a:p>
-            <a:pPr algn="just">
-              <a:buFont typeface="Arial" panose="020B0604020202020204" pitchFamily="34" charset="0"/>
-              <a:buChar char="•"/>
-            </a:pPr>
-            <a:endParaRPr lang="en-US" dirty="0">
-              <a:solidFill>
-                <a:srgbClr val="000000"/>
-              </a:solidFill>
-              <a:latin typeface="Arial" panose="020B0604020202020204" pitchFamily="34" charset="0"/>
-            </a:endParaRPr>
-          </a:p>
-          <a:p>
-            <a:pPr algn="just">
-              <a:buFont typeface="Arial" panose="020B0604020202020204" pitchFamily="34" charset="0"/>
-              <a:buChar char="•"/>
-            </a:pPr>
-            <a:r>
-              <a:rPr lang="en-US" b="1" dirty="0">
-                <a:solidFill>
-                  <a:srgbClr val="000000"/>
-                </a:solidFill>
-                <a:latin typeface="Arial" panose="020B0604020202020204" pitchFamily="34" charset="0"/>
-              </a:rPr>
-              <a:t>Logical Database Schema</a:t>
-            </a:r>
-            <a:r>
-              <a:rPr lang="en-US" dirty="0">
-                <a:solidFill>
-                  <a:srgbClr val="000000"/>
-                </a:solidFill>
-                <a:latin typeface="Arial" panose="020B0604020202020204" pitchFamily="34" charset="0"/>
-              </a:rPr>
-              <a:t> − This schema defines all the logical constraints that need to be applied on the data stored. It defines tables, views, and integrity constraints.</a:t>
-            </a:r>
-            <a:endParaRPr lang="en-US" b="0" i="0" dirty="0">
-              <a:solidFill>
-                <a:srgbClr val="000000"/>
-              </a:solidFill>
-              <a:effectLst/>
-              <a:latin typeface="Arial" panose="020B0604020202020204" pitchFamily="34" charset="0"/>
-            </a:endParaRPr>
-          </a:p>
-        </p:txBody>
-      </p:sp>
-    </p:spTree>
-    <p:extLst>
-      <p:ext uri="{BB962C8B-B14F-4D97-AF65-F5344CB8AC3E}">
-        <p14:creationId xmlns:p14="http://schemas.microsoft.com/office/powerpoint/2010/main" val="1953468206"/>
       </p:ext>
     </p:extLst>
   </p:cSld>

--- a/Video Ver1/Video PPT/6. Schema in databases.pptx
+++ b/Video Ver1/Video PPT/6. Schema in databases.pptx
@@ -5,13 +5,14 @@
     <p:sldMasterId id="2147483648" r:id="rId1"/>
   </p:sldMasterIdLst>
   <p:notesMasterIdLst>
-    <p:notesMasterId r:id="rId6"/>
+    <p:notesMasterId r:id="rId7"/>
   </p:notesMasterIdLst>
   <p:sldIdLst>
     <p:sldId id="1199" r:id="rId2"/>
-    <p:sldId id="1202" r:id="rId3"/>
-    <p:sldId id="1204" r:id="rId4"/>
-    <p:sldId id="1203" r:id="rId5"/>
+    <p:sldId id="1205" r:id="rId3"/>
+    <p:sldId id="1202" r:id="rId4"/>
+    <p:sldId id="1204" r:id="rId5"/>
+    <p:sldId id="1203" r:id="rId6"/>
   </p:sldIdLst>
   <p:sldSz cx="12190413" cy="6858000"/>
   <p:notesSz cx="6858000" cy="9144000"/>
@@ -112,7 +113,7 @@
   </p:defaultTextStyle>
   <p:extLst>
     <p:ext uri="{521415D9-36F7-43E2-AB2F-B90AF26B5E84}">
-      <p14:sectionLst xmlns:p14="http://schemas.microsoft.com/office/powerpoint/2010/main">
+      <p14:sectionLst xmlns:p14="http://schemas.microsoft.com/office/powerpoint/2010/main" xmlns="">
         <p14:section name="Introduction" id="{A3D14946-8297-4856-B082-4FEFA482017C}">
           <p14:sldIdLst>
             <p14:sldId id="1199"/>
@@ -148,7 +149,7 @@
       </p14:sectionLst>
     </p:ext>
     <p:ext uri="{EFAFB233-063F-42B5-8137-9DF3F51BA10A}">
-      <p15:sldGuideLst xmlns:p15="http://schemas.microsoft.com/office/powerpoint/2012/main">
+      <p15:sldGuideLst xmlns:p15="http://schemas.microsoft.com/office/powerpoint/2012/main" xmlns="">
         <p15:guide id="1" orient="horz" pos="2160">
           <p15:clr>
             <a:srgbClr val="A4A3A4"/>
@@ -170,7 +171,7 @@
   <p:cmAuthor id="1" name="Saleel" initials="S" lastIdx="1" clrIdx="0">
     <p:extLst>
       <p:ext uri="{19B8F6BF-5375-455C-9EA6-DF929625EA0E}">
-        <p15:presenceInfo xmlns:p15="http://schemas.microsoft.com/office/powerpoint/2012/main" userId="Saleel" providerId="None"/>
+        <p15:presenceInfo xmlns:p15="http://schemas.microsoft.com/office/powerpoint/2012/main" xmlns="" userId="Saleel" providerId="None"/>
       </p:ext>
     </p:extLst>
   </p:cmAuthor>
@@ -260,7 +261,7 @@
             <a:fld id="{4DF51050-3720-483B-B552-57DC1341D582}" type="datetimeFigureOut">
               <a:rPr lang="en-US" smtClean="0"/>
               <a:pPr/>
-              <a:t>6/12/2020</a:t>
+              <a:t>6/19/2020</a:t>
             </a:fld>
             <a:endParaRPr lang="en-US"/>
           </a:p>
@@ -719,7 +720,7 @@
             <a:fld id="{EEE556E8-492E-4E8F-8E7F-7A7787724D01}" type="datetimeFigureOut">
               <a:rPr lang="en-US" smtClean="0"/>
               <a:pPr/>
-              <a:t>6/12/2020</a:t>
+              <a:t>6/19/2020</a:t>
             </a:fld>
             <a:endParaRPr lang="en-US"/>
           </a:p>
@@ -924,7 +925,7 @@
             <a:fld id="{EEE556E8-492E-4E8F-8E7F-7A7787724D01}" type="datetimeFigureOut">
               <a:rPr lang="en-US" smtClean="0"/>
               <a:pPr/>
-              <a:t>6/12/2020</a:t>
+              <a:t>6/19/2020</a:t>
             </a:fld>
             <a:endParaRPr lang="en-US"/>
           </a:p>
@@ -1129,7 +1130,7 @@
             <a:fld id="{EEE556E8-492E-4E8F-8E7F-7A7787724D01}" type="datetimeFigureOut">
               <a:rPr lang="en-US" smtClean="0"/>
               <a:pPr/>
-              <a:t>6/12/2020</a:t>
+              <a:t>6/19/2020</a:t>
             </a:fld>
             <a:endParaRPr lang="en-US"/>
           </a:p>
@@ -1334,7 +1335,7 @@
             <a:fld id="{EEE556E8-492E-4E8F-8E7F-7A7787724D01}" type="datetimeFigureOut">
               <a:rPr lang="en-US" smtClean="0"/>
               <a:pPr/>
-              <a:t>6/12/2020</a:t>
+              <a:t>6/19/2020</a:t>
             </a:fld>
             <a:endParaRPr lang="en-US"/>
           </a:p>
@@ -1606,7 +1607,7 @@
             <a:fld id="{EEE556E8-492E-4E8F-8E7F-7A7787724D01}" type="datetimeFigureOut">
               <a:rPr lang="en-US" smtClean="0"/>
               <a:pPr/>
-              <a:t>6/12/2020</a:t>
+              <a:t>6/19/2020</a:t>
             </a:fld>
             <a:endParaRPr lang="en-US"/>
           </a:p>
@@ -1926,7 +1927,7 @@
             <a:fld id="{EEE556E8-492E-4E8F-8E7F-7A7787724D01}" type="datetimeFigureOut">
               <a:rPr lang="en-US" smtClean="0"/>
               <a:pPr/>
-              <a:t>6/12/2020</a:t>
+              <a:t>6/19/2020</a:t>
             </a:fld>
             <a:endParaRPr lang="en-US"/>
           </a:p>
@@ -2386,7 +2387,7 @@
             <a:fld id="{EEE556E8-492E-4E8F-8E7F-7A7787724D01}" type="datetimeFigureOut">
               <a:rPr lang="en-US" smtClean="0"/>
               <a:pPr/>
-              <a:t>6/12/2020</a:t>
+              <a:t>6/19/2020</a:t>
             </a:fld>
             <a:endParaRPr lang="en-US"/>
           </a:p>
@@ -2532,7 +2533,7 @@
             <a:fld id="{EEE556E8-492E-4E8F-8E7F-7A7787724D01}" type="datetimeFigureOut">
               <a:rPr lang="en-US" smtClean="0"/>
               <a:pPr/>
-              <a:t>6/12/2020</a:t>
+              <a:t>6/19/2020</a:t>
             </a:fld>
             <a:endParaRPr lang="en-US"/>
           </a:p>
@@ -2862,7 +2863,7 @@
             <a:fld id="{EEE556E8-492E-4E8F-8E7F-7A7787724D01}" type="datetimeFigureOut">
               <a:rPr lang="en-US" smtClean="0"/>
               <a:pPr/>
-              <a:t>6/12/2020</a:t>
+              <a:t>6/19/2020</a:t>
             </a:fld>
             <a:endParaRPr lang="en-US"/>
           </a:p>
@@ -3144,7 +3145,7 @@
             <a:fld id="{EEE556E8-492E-4E8F-8E7F-7A7787724D01}" type="datetimeFigureOut">
               <a:rPr lang="en-US" smtClean="0"/>
               <a:pPr/>
-              <a:t>6/12/2020</a:t>
+              <a:t>6/19/2020</a:t>
             </a:fld>
             <a:endParaRPr lang="en-US"/>
           </a:p>
@@ -3530,7 +3531,7 @@
           <p:cNvPr id="8" name="Picture 7">
             <a:extLst>
               <a:ext uri="{FF2B5EF4-FFF2-40B4-BE49-F238E27FC236}">
-                <a16:creationId xmlns:a16="http://schemas.microsoft.com/office/drawing/2014/main" id="{FF24E983-0C73-4002-AA14-199E8763DD65}"/>
+                <a16:creationId xmlns:a16="http://schemas.microsoft.com/office/drawing/2014/main" xmlns="" id="{FF24E983-0C73-4002-AA14-199E8763DD65}"/>
               </a:ext>
             </a:extLst>
           </p:cNvPr>
@@ -3543,7 +3544,7 @@
           <a:blip r:embed="rId2" cstate="print">
             <a:extLst>
               <a:ext uri="{28A0092B-C50C-407E-A947-70E740481C1C}">
-                <a14:useLocalDpi xmlns:a14="http://schemas.microsoft.com/office/drawing/2010/main" val="0"/>
+                <a14:useLocalDpi xmlns:a14="http://schemas.microsoft.com/office/drawing/2010/main" xmlns="" val="0"/>
               </a:ext>
             </a:extLst>
           </a:blip>
@@ -3566,7 +3567,7 @@
           <p:cNvPr id="7" name="Footer Placeholder 2">
             <a:extLst>
               <a:ext uri="{FF2B5EF4-FFF2-40B4-BE49-F238E27FC236}">
-                <a16:creationId xmlns:a16="http://schemas.microsoft.com/office/drawing/2014/main" id="{E14F7621-66C5-47D6-A8C7-2B6C3CD2205A}"/>
+                <a16:creationId xmlns:a16="http://schemas.microsoft.com/office/drawing/2014/main" xmlns="" id="{E14F7621-66C5-47D6-A8C7-2B6C3CD2205A}"/>
               </a:ext>
             </a:extLst>
           </p:cNvPr>
@@ -3736,6 +3737,254 @@
           </a:p>
         </p:txBody>
       </p:sp>
+    </p:spTree>
+    <p:extLst>
+      <p:ext uri="{BB962C8B-B14F-4D97-AF65-F5344CB8AC3E}">
+        <p14:creationId xmlns:p14="http://schemas.microsoft.com/office/powerpoint/2010/main" xmlns="" val="2547664928"/>
+      </p:ext>
+    </p:extLst>
+  </p:cSld>
+  <p:clrMapOvr>
+    <a:masterClrMapping/>
+  </p:clrMapOvr>
+  <p:timing>
+    <p:tnLst>
+      <p:par>
+        <p:cTn id="1" dur="indefinite" restart="never" nodeType="tmRoot"/>
+      </p:par>
+    </p:tnLst>
+  </p:timing>
+</p:sld>
+</file>
+
+<file path=ppt/slides/slide2.xml><?xml version="1.0" encoding="utf-8"?>
+<p:sld xmlns:a="http://schemas.openxmlformats.org/drawingml/2006/main" xmlns:r="http://schemas.openxmlformats.org/officeDocument/2006/relationships" xmlns:p="http://schemas.openxmlformats.org/presentationml/2006/main">
+  <p:cSld>
+    <p:spTree>
+      <p:nvGrpSpPr>
+        <p:cNvPr id="1" name=""/>
+        <p:cNvGrpSpPr/>
+        <p:nvPr/>
+      </p:nvGrpSpPr>
+      <p:grpSpPr>
+        <a:xfrm>
+          <a:off x="0" y="0"/>
+          <a:ext cx="0" cy="0"/>
+          <a:chOff x="0" y="0"/>
+          <a:chExt cx="0" cy="0"/>
+        </a:xfrm>
+      </p:grpSpPr>
+      <p:pic>
+        <p:nvPicPr>
+          <p:cNvPr id="8" name="Picture 7">
+            <a:extLst>
+              <a:ext uri="{FF2B5EF4-FFF2-40B4-BE49-F238E27FC236}">
+                <a16:creationId xmlns:a16="http://schemas.microsoft.com/office/drawing/2014/main" xmlns="" id="{FF24E983-0C73-4002-AA14-199E8763DD65}"/>
+              </a:ext>
+            </a:extLst>
+          </p:cNvPr>
+          <p:cNvPicPr>
+            <a:picLocks noChangeAspect="1"/>
+          </p:cNvPicPr>
+          <p:nvPr/>
+        </p:nvPicPr>
+        <p:blipFill>
+          <a:blip r:embed="rId2" cstate="print">
+            <a:extLst>
+              <a:ext uri="{28A0092B-C50C-407E-A947-70E740481C1C}">
+                <a14:useLocalDpi xmlns:a14="http://schemas.microsoft.com/office/drawing/2010/main" xmlns="" val="0"/>
+              </a:ext>
+            </a:extLst>
+          </a:blip>
+          <a:stretch>
+            <a:fillRect/>
+          </a:stretch>
+        </p:blipFill>
+        <p:spPr>
+          <a:xfrm>
+            <a:off x="118542" y="116632"/>
+            <a:ext cx="1371859" cy="445150"/>
+          </a:xfrm>
+          <a:prstGeom prst="rect">
+            <a:avLst/>
+          </a:prstGeom>
+        </p:spPr>
+      </p:pic>
+      <p:sp>
+        <p:nvSpPr>
+          <p:cNvPr id="7" name="Footer Placeholder 2">
+            <a:extLst>
+              <a:ext uri="{FF2B5EF4-FFF2-40B4-BE49-F238E27FC236}">
+                <a16:creationId xmlns:a16="http://schemas.microsoft.com/office/drawing/2014/main" xmlns="" id="{E14F7621-66C5-47D6-A8C7-2B6C3CD2205A}"/>
+              </a:ext>
+            </a:extLst>
+          </p:cNvPr>
+          <p:cNvSpPr txBox="1">
+            <a:spLocks/>
+          </p:cNvSpPr>
+          <p:nvPr/>
+        </p:nvSpPr>
+        <p:spPr>
+          <a:xfrm>
+            <a:off x="3237431" y="6523037"/>
+            <a:ext cx="5400600" cy="365125"/>
+          </a:xfrm>
+          <a:prstGeom prst="rect">
+            <a:avLst/>
+          </a:prstGeom>
+        </p:spPr>
+        <p:txBody>
+          <a:bodyPr/>
+          <a:lstStyle>
+            <a:defPPr>
+              <a:defRPr lang="en-US"/>
+            </a:defPPr>
+            <a:lvl1pPr marL="0" algn="l" defTabSz="914400" rtl="0" eaLnBrk="1" latinLnBrk="0" hangingPunct="1">
+              <a:defRPr sz="1050" kern="1200">
+                <a:solidFill>
+                  <a:schemeClr val="tx1"/>
+                </a:solidFill>
+                <a:latin typeface="+mn-lt"/>
+                <a:ea typeface="+mn-ea"/>
+                <a:cs typeface="+mn-cs"/>
+              </a:defRPr>
+            </a:lvl1pPr>
+            <a:lvl2pPr marL="457200" algn="l" defTabSz="914400" rtl="0" eaLnBrk="1" latinLnBrk="0" hangingPunct="1">
+              <a:defRPr sz="1800" kern="1200">
+                <a:solidFill>
+                  <a:schemeClr val="tx1"/>
+                </a:solidFill>
+                <a:latin typeface="+mn-lt"/>
+                <a:ea typeface="+mn-ea"/>
+                <a:cs typeface="+mn-cs"/>
+              </a:defRPr>
+            </a:lvl2pPr>
+            <a:lvl3pPr marL="914400" algn="l" defTabSz="914400" rtl="0" eaLnBrk="1" latinLnBrk="0" hangingPunct="1">
+              <a:defRPr sz="1800" kern="1200">
+                <a:solidFill>
+                  <a:schemeClr val="tx1"/>
+                </a:solidFill>
+                <a:latin typeface="+mn-lt"/>
+                <a:ea typeface="+mn-ea"/>
+                <a:cs typeface="+mn-cs"/>
+              </a:defRPr>
+            </a:lvl3pPr>
+            <a:lvl4pPr marL="1371600" algn="l" defTabSz="914400" rtl="0" eaLnBrk="1" latinLnBrk="0" hangingPunct="1">
+              <a:defRPr sz="1800" kern="1200">
+                <a:solidFill>
+                  <a:schemeClr val="tx1"/>
+                </a:solidFill>
+                <a:latin typeface="+mn-lt"/>
+                <a:ea typeface="+mn-ea"/>
+                <a:cs typeface="+mn-cs"/>
+              </a:defRPr>
+            </a:lvl4pPr>
+            <a:lvl5pPr marL="1828800" algn="l" defTabSz="914400" rtl="0" eaLnBrk="1" latinLnBrk="0" hangingPunct="1">
+              <a:defRPr sz="1800" kern="1200">
+                <a:solidFill>
+                  <a:schemeClr val="tx1"/>
+                </a:solidFill>
+                <a:latin typeface="+mn-lt"/>
+                <a:ea typeface="+mn-ea"/>
+                <a:cs typeface="+mn-cs"/>
+              </a:defRPr>
+            </a:lvl5pPr>
+            <a:lvl6pPr marL="2286000" algn="l" defTabSz="914400" rtl="0" eaLnBrk="1" latinLnBrk="0" hangingPunct="1">
+              <a:defRPr sz="1800" kern="1200">
+                <a:solidFill>
+                  <a:schemeClr val="tx1"/>
+                </a:solidFill>
+                <a:latin typeface="+mn-lt"/>
+                <a:ea typeface="+mn-ea"/>
+                <a:cs typeface="+mn-cs"/>
+              </a:defRPr>
+            </a:lvl6pPr>
+            <a:lvl7pPr marL="2743200" algn="l" defTabSz="914400" rtl="0" eaLnBrk="1" latinLnBrk="0" hangingPunct="1">
+              <a:defRPr sz="1800" kern="1200">
+                <a:solidFill>
+                  <a:schemeClr val="tx1"/>
+                </a:solidFill>
+                <a:latin typeface="+mn-lt"/>
+                <a:ea typeface="+mn-ea"/>
+                <a:cs typeface="+mn-cs"/>
+              </a:defRPr>
+            </a:lvl7pPr>
+            <a:lvl8pPr marL="3200400" algn="l" defTabSz="914400" rtl="0" eaLnBrk="1" latinLnBrk="0" hangingPunct="1">
+              <a:defRPr sz="1800" kern="1200">
+                <a:solidFill>
+                  <a:schemeClr val="tx1"/>
+                </a:solidFill>
+                <a:latin typeface="+mn-lt"/>
+                <a:ea typeface="+mn-ea"/>
+                <a:cs typeface="+mn-cs"/>
+              </a:defRPr>
+            </a:lvl8pPr>
+            <a:lvl9pPr marL="3657600" algn="l" defTabSz="914400" rtl="0" eaLnBrk="1" latinLnBrk="0" hangingPunct="1">
+              <a:defRPr sz="1800" kern="1200">
+                <a:solidFill>
+                  <a:schemeClr val="tx1"/>
+                </a:solidFill>
+                <a:latin typeface="+mn-lt"/>
+                <a:ea typeface="+mn-ea"/>
+                <a:cs typeface="+mn-cs"/>
+              </a:defRPr>
+            </a:lvl9pPr>
+          </a:lstStyle>
+          <a:p>
+            <a:r>
+              <a:rPr lang="en-US" dirty="0"/>
+              <a:t>Infoway Technologies, 3rd  Floor Commerce Centre, Rambaug Colony, Paud Road Pune 411038</a:t>
+            </a:r>
+            <a:endParaRPr lang="en-IN" dirty="0"/>
+          </a:p>
+          <a:p>
+            <a:endParaRPr lang="en-US" dirty="0"/>
+          </a:p>
+        </p:txBody>
+      </p:sp>
+      <p:sp>
+        <p:nvSpPr>
+          <p:cNvPr id="10" name="Title 1"/>
+          <p:cNvSpPr txBox="1">
+            <a:spLocks/>
+          </p:cNvSpPr>
+          <p:nvPr/>
+        </p:nvSpPr>
+        <p:spPr>
+          <a:xfrm>
+            <a:off x="1676182" y="2442592"/>
+            <a:ext cx="8838049" cy="914400"/>
+          </a:xfrm>
+          <a:prstGeom prst="rect">
+            <a:avLst/>
+          </a:prstGeom>
+        </p:spPr>
+        <p:txBody>
+          <a:bodyPr>
+            <a:normAutofit/>
+          </a:bodyPr>
+          <a:lstStyle/>
+          <a:p>
+            <a:pPr algn="ctr">
+              <a:spcBef>
+                <a:spcPct val="0"/>
+              </a:spcBef>
+              <a:defRPr/>
+            </a:pPr>
+            <a:r>
+              <a:rPr lang="en-US" sz="4800" dirty="0">
+                <a:latin typeface="Segoe UI Light" panose="020B0502040204020203" pitchFamily="34" charset="0"/>
+                <a:cs typeface="Segoe UI Light" panose="020B0502040204020203" pitchFamily="34" charset="0"/>
+              </a:rPr>
+              <a:t>Schema in databases</a:t>
+            </a:r>
+            <a:endParaRPr lang="en-IN" sz="4800" dirty="0">
+              <a:latin typeface="Segoe UI Light" panose="020B0502040204020203" pitchFamily="34" charset="0"/>
+              <a:cs typeface="Segoe UI Light" panose="020B0502040204020203" pitchFamily="34" charset="0"/>
+            </a:endParaRPr>
+          </a:p>
+        </p:txBody>
+      </p:sp>
       <p:sp>
         <p:nvSpPr>
           <p:cNvPr id="6" name="Rectangle 5"/>
@@ -3943,7 +4192,7 @@
     </p:spTree>
     <p:extLst>
       <p:ext uri="{BB962C8B-B14F-4D97-AF65-F5344CB8AC3E}">
-        <p14:creationId xmlns:p14="http://schemas.microsoft.com/office/powerpoint/2010/main" val="2547664928"/>
+        <p14:creationId xmlns:p14="http://schemas.microsoft.com/office/powerpoint/2010/main" xmlns="" val="2547664928"/>
       </p:ext>
     </p:extLst>
   </p:cSld>
@@ -4031,408 +4280,6 @@
 </p:sld>
 </file>
 
-<file path=ppt/slides/slide2.xml><?xml version="1.0" encoding="utf-8"?>
-<p:sld xmlns:a="http://schemas.openxmlformats.org/drawingml/2006/main" xmlns:r="http://schemas.openxmlformats.org/officeDocument/2006/relationships" xmlns:p="http://schemas.openxmlformats.org/presentationml/2006/main">
-  <p:cSld>
-    <p:spTree>
-      <p:nvGrpSpPr>
-        <p:cNvPr id="1" name=""/>
-        <p:cNvGrpSpPr/>
-        <p:nvPr/>
-      </p:nvGrpSpPr>
-      <p:grpSpPr>
-        <a:xfrm>
-          <a:off x="0" y="0"/>
-          <a:ext cx="0" cy="0"/>
-          <a:chOff x="0" y="0"/>
-          <a:chExt cx="0" cy="0"/>
-        </a:xfrm>
-      </p:grpSpPr>
-      <p:pic>
-        <p:nvPicPr>
-          <p:cNvPr id="4" name="Picture 3">
-            <a:extLst>
-              <a:ext uri="{FF2B5EF4-FFF2-40B4-BE49-F238E27FC236}">
-                <a16:creationId xmlns:a16="http://schemas.microsoft.com/office/drawing/2014/main" id="{4B3E96E4-8532-4FFA-8020-A53D8FBA2F23}"/>
-              </a:ext>
-            </a:extLst>
-          </p:cNvPr>
-          <p:cNvPicPr>
-            <a:picLocks noChangeAspect="1"/>
-          </p:cNvPicPr>
-          <p:nvPr/>
-        </p:nvPicPr>
-        <p:blipFill>
-          <a:blip r:embed="rId2" cstate="print">
-            <a:extLst>
-              <a:ext uri="{28A0092B-C50C-407E-A947-70E740481C1C}">
-                <a14:useLocalDpi xmlns:a14="http://schemas.microsoft.com/office/drawing/2010/main" val="0"/>
-              </a:ext>
-            </a:extLst>
-          </a:blip>
-          <a:stretch>
-            <a:fillRect/>
-          </a:stretch>
-        </p:blipFill>
-        <p:spPr>
-          <a:xfrm>
-            <a:off x="118542" y="116632"/>
-            <a:ext cx="1371859" cy="445150"/>
-          </a:xfrm>
-          <a:prstGeom prst="rect">
-            <a:avLst/>
-          </a:prstGeom>
-        </p:spPr>
-      </p:pic>
-      <p:sp>
-        <p:nvSpPr>
-          <p:cNvPr id="5" name="Footer Placeholder 2">
-            <a:extLst>
-              <a:ext uri="{FF2B5EF4-FFF2-40B4-BE49-F238E27FC236}">
-                <a16:creationId xmlns:a16="http://schemas.microsoft.com/office/drawing/2014/main" id="{70AFCD6D-DBA1-4EE8-A96A-D9652119B5FA}"/>
-              </a:ext>
-            </a:extLst>
-          </p:cNvPr>
-          <p:cNvSpPr txBox="1">
-            <a:spLocks/>
-          </p:cNvSpPr>
-          <p:nvPr/>
-        </p:nvSpPr>
-        <p:spPr>
-          <a:xfrm>
-            <a:off x="3237431" y="6523037"/>
-            <a:ext cx="5400600" cy="365125"/>
-          </a:xfrm>
-          <a:prstGeom prst="rect">
-            <a:avLst/>
-          </a:prstGeom>
-        </p:spPr>
-        <p:txBody>
-          <a:bodyPr/>
-          <a:lstStyle>
-            <a:defPPr>
-              <a:defRPr lang="en-US"/>
-            </a:defPPr>
-            <a:lvl1pPr marL="0" algn="l" defTabSz="914400" rtl="0" eaLnBrk="1" latinLnBrk="0" hangingPunct="1">
-              <a:defRPr sz="1050" kern="1200">
-                <a:solidFill>
-                  <a:schemeClr val="tx1"/>
-                </a:solidFill>
-                <a:latin typeface="+mn-lt"/>
-                <a:ea typeface="+mn-ea"/>
-                <a:cs typeface="+mn-cs"/>
-              </a:defRPr>
-            </a:lvl1pPr>
-            <a:lvl2pPr marL="457200" algn="l" defTabSz="914400" rtl="0" eaLnBrk="1" latinLnBrk="0" hangingPunct="1">
-              <a:defRPr sz="1800" kern="1200">
-                <a:solidFill>
-                  <a:schemeClr val="tx1"/>
-                </a:solidFill>
-                <a:latin typeface="+mn-lt"/>
-                <a:ea typeface="+mn-ea"/>
-                <a:cs typeface="+mn-cs"/>
-              </a:defRPr>
-            </a:lvl2pPr>
-            <a:lvl3pPr marL="914400" algn="l" defTabSz="914400" rtl="0" eaLnBrk="1" latinLnBrk="0" hangingPunct="1">
-              <a:defRPr sz="1800" kern="1200">
-                <a:solidFill>
-                  <a:schemeClr val="tx1"/>
-                </a:solidFill>
-                <a:latin typeface="+mn-lt"/>
-                <a:ea typeface="+mn-ea"/>
-                <a:cs typeface="+mn-cs"/>
-              </a:defRPr>
-            </a:lvl3pPr>
-            <a:lvl4pPr marL="1371600" algn="l" defTabSz="914400" rtl="0" eaLnBrk="1" latinLnBrk="0" hangingPunct="1">
-              <a:defRPr sz="1800" kern="1200">
-                <a:solidFill>
-                  <a:schemeClr val="tx1"/>
-                </a:solidFill>
-                <a:latin typeface="+mn-lt"/>
-                <a:ea typeface="+mn-ea"/>
-                <a:cs typeface="+mn-cs"/>
-              </a:defRPr>
-            </a:lvl4pPr>
-            <a:lvl5pPr marL="1828800" algn="l" defTabSz="914400" rtl="0" eaLnBrk="1" latinLnBrk="0" hangingPunct="1">
-              <a:defRPr sz="1800" kern="1200">
-                <a:solidFill>
-                  <a:schemeClr val="tx1"/>
-                </a:solidFill>
-                <a:latin typeface="+mn-lt"/>
-                <a:ea typeface="+mn-ea"/>
-                <a:cs typeface="+mn-cs"/>
-              </a:defRPr>
-            </a:lvl5pPr>
-            <a:lvl6pPr marL="2286000" algn="l" defTabSz="914400" rtl="0" eaLnBrk="1" latinLnBrk="0" hangingPunct="1">
-              <a:defRPr sz="1800" kern="1200">
-                <a:solidFill>
-                  <a:schemeClr val="tx1"/>
-                </a:solidFill>
-                <a:latin typeface="+mn-lt"/>
-                <a:ea typeface="+mn-ea"/>
-                <a:cs typeface="+mn-cs"/>
-              </a:defRPr>
-            </a:lvl6pPr>
-            <a:lvl7pPr marL="2743200" algn="l" defTabSz="914400" rtl="0" eaLnBrk="1" latinLnBrk="0" hangingPunct="1">
-              <a:defRPr sz="1800" kern="1200">
-                <a:solidFill>
-                  <a:schemeClr val="tx1"/>
-                </a:solidFill>
-                <a:latin typeface="+mn-lt"/>
-                <a:ea typeface="+mn-ea"/>
-                <a:cs typeface="+mn-cs"/>
-              </a:defRPr>
-            </a:lvl7pPr>
-            <a:lvl8pPr marL="3200400" algn="l" defTabSz="914400" rtl="0" eaLnBrk="1" latinLnBrk="0" hangingPunct="1">
-              <a:defRPr sz="1800" kern="1200">
-                <a:solidFill>
-                  <a:schemeClr val="tx1"/>
-                </a:solidFill>
-                <a:latin typeface="+mn-lt"/>
-                <a:ea typeface="+mn-ea"/>
-                <a:cs typeface="+mn-cs"/>
-              </a:defRPr>
-            </a:lvl8pPr>
-            <a:lvl9pPr marL="3657600" algn="l" defTabSz="914400" rtl="0" eaLnBrk="1" latinLnBrk="0" hangingPunct="1">
-              <a:defRPr sz="1800" kern="1200">
-                <a:solidFill>
-                  <a:schemeClr val="tx1"/>
-                </a:solidFill>
-                <a:latin typeface="+mn-lt"/>
-                <a:ea typeface="+mn-ea"/>
-                <a:cs typeface="+mn-cs"/>
-              </a:defRPr>
-            </a:lvl9pPr>
-          </a:lstStyle>
-          <a:p>
-            <a:r>
-              <a:rPr lang="en-US" dirty="0"/>
-              <a:t>Infoway Technologies, 3rd  Floor Commerce Centre, Rambaug Colony, Paud Road Pune 411038</a:t>
-            </a:r>
-            <a:endParaRPr lang="en-IN" dirty="0"/>
-          </a:p>
-          <a:p>
-            <a:endParaRPr lang="en-US" dirty="0"/>
-          </a:p>
-        </p:txBody>
-      </p:sp>
-      <p:sp>
-        <p:nvSpPr>
-          <p:cNvPr id="7" name="Rectangle 6">
-            <a:extLst>
-              <a:ext uri="{FF2B5EF4-FFF2-40B4-BE49-F238E27FC236}">
-                <a16:creationId xmlns:a16="http://schemas.microsoft.com/office/drawing/2014/main" id="{09A4DD51-F450-4FA7-BA18-C2A26D10D72C}"/>
-              </a:ext>
-            </a:extLst>
-          </p:cNvPr>
-          <p:cNvSpPr/>
-          <p:nvPr/>
-        </p:nvSpPr>
-        <p:spPr>
-          <a:xfrm>
-            <a:off x="1523802" y="2"/>
-            <a:ext cx="9142810" cy="838499"/>
-          </a:xfrm>
-          <a:prstGeom prst="rect">
-            <a:avLst/>
-          </a:prstGeom>
-          <a:solidFill>
-            <a:schemeClr val="bg1"/>
-          </a:solidFill>
-        </p:spPr>
-        <p:txBody>
-          <a:bodyPr wrap="square">
-            <a:spAutoFit/>
-          </a:bodyPr>
-          <a:lstStyle/>
-          <a:p>
-            <a:pPr algn="r" fontAlgn="base">
-              <a:lnSpc>
-                <a:spcPct val="150000"/>
-              </a:lnSpc>
-            </a:pPr>
-            <a:r>
-              <a:rPr lang="en-US" sz="3600" dirty="0">
-                <a:latin typeface="Palatino Linotype" panose="02040502050505030304" pitchFamily="18" charset="0"/>
-              </a:rPr>
-              <a:t>Schema</a:t>
-            </a:r>
-          </a:p>
-        </p:txBody>
-      </p:sp>
-      <p:pic>
-        <p:nvPicPr>
-          <p:cNvPr id="8" name="Picture 2" descr="DBMS - Data Schemas - Tutorialspoint"/>
-          <p:cNvPicPr>
-            <a:picLocks noChangeAspect="1" noChangeArrowheads="1"/>
-          </p:cNvPicPr>
-          <p:nvPr/>
-        </p:nvPicPr>
-        <p:blipFill>
-          <a:blip r:embed="rId3" cstate="print"/>
-          <a:srcRect/>
-          <a:stretch>
-            <a:fillRect/>
-          </a:stretch>
-        </p:blipFill>
-        <p:spPr bwMode="auto">
-          <a:xfrm>
-            <a:off x="3902937" y="2940965"/>
-            <a:ext cx="4069587" cy="3312629"/>
-          </a:xfrm>
-          <a:prstGeom prst="rect">
-            <a:avLst/>
-          </a:prstGeom>
-          <a:noFill/>
-        </p:spPr>
-      </p:pic>
-      <p:sp>
-        <p:nvSpPr>
-          <p:cNvPr id="3" name="Rectangle 2">
-            <a:extLst>
-              <a:ext uri="{FF2B5EF4-FFF2-40B4-BE49-F238E27FC236}">
-                <a16:creationId xmlns:a16="http://schemas.microsoft.com/office/drawing/2014/main" id="{A82EF045-9DE6-45C0-B699-257E7D20F85D}"/>
-              </a:ext>
-            </a:extLst>
-          </p:cNvPr>
-          <p:cNvSpPr/>
-          <p:nvPr/>
-        </p:nvSpPr>
-        <p:spPr>
-          <a:xfrm>
-            <a:off x="118542" y="818447"/>
-            <a:ext cx="11809312" cy="1877437"/>
-          </a:xfrm>
-          <a:prstGeom prst="rect">
-            <a:avLst/>
-          </a:prstGeom>
-        </p:spPr>
-        <p:txBody>
-          <a:bodyPr wrap="square">
-            <a:spAutoFit/>
-          </a:bodyPr>
-          <a:lstStyle/>
-          <a:p>
-            <a:pPr algn="just"/>
-            <a:r>
-              <a:rPr lang="en-US" dirty="0">
-                <a:solidFill>
-                  <a:srgbClr val="000000"/>
-                </a:solidFill>
-                <a:latin typeface="Arial" panose="020B0604020202020204" pitchFamily="34" charset="0"/>
-              </a:rPr>
-              <a:t>A database schema can be divided broadly into two categories −</a:t>
-            </a:r>
-          </a:p>
-          <a:p>
-            <a:pPr algn="just"/>
-            <a:endParaRPr lang="en-US" dirty="0">
-              <a:solidFill>
-                <a:srgbClr val="000000"/>
-              </a:solidFill>
-              <a:latin typeface="Arial" panose="020B0604020202020204" pitchFamily="34" charset="0"/>
-            </a:endParaRPr>
-          </a:p>
-          <a:p>
-            <a:pPr algn="just">
-              <a:buFont typeface="Arial" panose="020B0604020202020204" pitchFamily="34" charset="0"/>
-              <a:buChar char="•"/>
-            </a:pPr>
-            <a:r>
-              <a:rPr lang="en-US" b="1" dirty="0">
-                <a:solidFill>
-                  <a:srgbClr val="000000"/>
-                </a:solidFill>
-                <a:latin typeface="Arial" panose="020B0604020202020204" pitchFamily="34" charset="0"/>
-              </a:rPr>
-              <a:t>Physical Database Schema</a:t>
-            </a:r>
-            <a:r>
-              <a:rPr lang="en-US" dirty="0">
-                <a:solidFill>
-                  <a:srgbClr val="000000"/>
-                </a:solidFill>
-                <a:latin typeface="Arial" panose="020B0604020202020204" pitchFamily="34" charset="0"/>
-              </a:rPr>
-              <a:t> − This schema is </a:t>
-            </a:r>
-            <a:r>
-              <a:rPr lang="en-IN" dirty="0">
-                <a:solidFill>
-                  <a:srgbClr val="000000"/>
-                </a:solidFill>
-                <a:latin typeface="Arial" panose="020B0604020202020204" pitchFamily="34" charset="0"/>
-              </a:rPr>
-              <a:t>related</a:t>
-            </a:r>
-            <a:r>
-              <a:rPr lang="en-US" dirty="0">
-                <a:solidFill>
-                  <a:srgbClr val="000000"/>
-                </a:solidFill>
-                <a:latin typeface="Arial" panose="020B0604020202020204" pitchFamily="34" charset="0"/>
-              </a:rPr>
-              <a:t> to the actual storage of data and its form of storage like files. It defines how the data will be stored in a secondary storage.</a:t>
-            </a:r>
-          </a:p>
-          <a:p>
-            <a:pPr algn="just">
-              <a:buFont typeface="Arial" panose="020B0604020202020204" pitchFamily="34" charset="0"/>
-              <a:buChar char="•"/>
-            </a:pPr>
-            <a:endParaRPr lang="en-US" sz="800" dirty="0">
-              <a:solidFill>
-                <a:srgbClr val="000000"/>
-              </a:solidFill>
-              <a:latin typeface="Arial" panose="020B0604020202020204" pitchFamily="34" charset="0"/>
-            </a:endParaRPr>
-          </a:p>
-          <a:p>
-            <a:pPr algn="just">
-              <a:buFont typeface="Arial" panose="020B0604020202020204" pitchFamily="34" charset="0"/>
-              <a:buChar char="•"/>
-            </a:pPr>
-            <a:r>
-              <a:rPr lang="en-US" b="1" dirty="0">
-                <a:solidFill>
-                  <a:srgbClr val="000000"/>
-                </a:solidFill>
-                <a:latin typeface="Arial" panose="020B0604020202020204" pitchFamily="34" charset="0"/>
-              </a:rPr>
-              <a:t>Logical Database Schema</a:t>
-            </a:r>
-            <a:r>
-              <a:rPr lang="en-US" dirty="0">
-                <a:solidFill>
-                  <a:srgbClr val="000000"/>
-                </a:solidFill>
-                <a:latin typeface="Arial" panose="020B0604020202020204" pitchFamily="34" charset="0"/>
-              </a:rPr>
-              <a:t> − This schema defines all the logical constraints that need to be applied on the data stored. It defines tables, views, and integrity constraints.</a:t>
-            </a:r>
-            <a:endParaRPr lang="en-US" b="0" i="0" dirty="0">
-              <a:solidFill>
-                <a:srgbClr val="000000"/>
-              </a:solidFill>
-              <a:effectLst/>
-              <a:latin typeface="Arial" panose="020B0604020202020204" pitchFamily="34" charset="0"/>
-            </a:endParaRPr>
-          </a:p>
-        </p:txBody>
-      </p:sp>
-    </p:spTree>
-    <p:extLst>
-      <p:ext uri="{BB962C8B-B14F-4D97-AF65-F5344CB8AC3E}">
-        <p14:creationId xmlns:p14="http://schemas.microsoft.com/office/powerpoint/2010/main" val="1941358839"/>
-      </p:ext>
-    </p:extLst>
-  </p:cSld>
-  <p:clrMapOvr>
-    <a:masterClrMapping/>
-  </p:clrMapOvr>
-</p:sld>
-</file>
-
 <file path=ppt/slides/slide3.xml><?xml version="1.0" encoding="utf-8"?>
 <p:sld xmlns:a="http://schemas.openxmlformats.org/drawingml/2006/main" xmlns:r="http://schemas.openxmlformats.org/officeDocument/2006/relationships" xmlns:p="http://schemas.openxmlformats.org/presentationml/2006/main">
   <p:cSld>
@@ -4455,7 +4302,7 @@
           <p:cNvPr id="4" name="Picture 3">
             <a:extLst>
               <a:ext uri="{FF2B5EF4-FFF2-40B4-BE49-F238E27FC236}">
-                <a16:creationId xmlns:a16="http://schemas.microsoft.com/office/drawing/2014/main" id="{4B3E96E4-8532-4FFA-8020-A53D8FBA2F23}"/>
+                <a16:creationId xmlns:a16="http://schemas.microsoft.com/office/drawing/2014/main" xmlns="" id="{4B3E96E4-8532-4FFA-8020-A53D8FBA2F23}"/>
               </a:ext>
             </a:extLst>
           </p:cNvPr>
@@ -4468,7 +4315,7 @@
           <a:blip r:embed="rId2" cstate="print">
             <a:extLst>
               <a:ext uri="{28A0092B-C50C-407E-A947-70E740481C1C}">
-                <a14:useLocalDpi xmlns:a14="http://schemas.microsoft.com/office/drawing/2010/main" val="0"/>
+                <a14:useLocalDpi xmlns:a14="http://schemas.microsoft.com/office/drawing/2010/main" xmlns="" val="0"/>
               </a:ext>
             </a:extLst>
           </a:blip>
@@ -4491,7 +4338,7 @@
           <p:cNvPr id="5" name="Footer Placeholder 2">
             <a:extLst>
               <a:ext uri="{FF2B5EF4-FFF2-40B4-BE49-F238E27FC236}">
-                <a16:creationId xmlns:a16="http://schemas.microsoft.com/office/drawing/2014/main" id="{70AFCD6D-DBA1-4EE8-A96A-D9652119B5FA}"/>
+                <a16:creationId xmlns:a16="http://schemas.microsoft.com/office/drawing/2014/main" xmlns="" id="{70AFCD6D-DBA1-4EE8-A96A-D9652119B5FA}"/>
               </a:ext>
             </a:extLst>
           </p:cNvPr>
@@ -4623,7 +4470,7 @@
           <p:cNvPr id="7" name="Rectangle 6">
             <a:extLst>
               <a:ext uri="{FF2B5EF4-FFF2-40B4-BE49-F238E27FC236}">
-                <a16:creationId xmlns:a16="http://schemas.microsoft.com/office/drawing/2014/main" id="{09A4DD51-F450-4FA7-BA18-C2A26D10D72C}"/>
+                <a16:creationId xmlns:a16="http://schemas.microsoft.com/office/drawing/2014/main" xmlns="" id="{09A4DD51-F450-4FA7-BA18-C2A26D10D72C}"/>
               </a:ext>
             </a:extLst>
           </p:cNvPr>
@@ -4633,7 +4480,7 @@
         <p:spPr>
           <a:xfrm>
             <a:off x="1523802" y="2"/>
-            <a:ext cx="9142810" cy="838499"/>
+            <a:ext cx="9142810" cy="834652"/>
           </a:xfrm>
           <a:prstGeom prst="rect">
             <a:avLst/>
@@ -4654,23 +4501,50 @@
               </a:lnSpc>
             </a:pPr>
             <a:r>
-              <a:rPr lang="en-US" sz="3600" dirty="0">
-                <a:latin typeface="Palatino Linotype" panose="02040502050505030304" pitchFamily="18" charset="0"/>
+              <a:rPr lang="en-US" sz="3600" b="1" dirty="0" smtClean="0">
+                <a:solidFill>
+                  <a:srgbClr val="000000"/>
+                </a:solidFill>
+                <a:latin typeface="Arial" panose="020B0604020202020204" pitchFamily="34" charset="0"/>
               </a:rPr>
-              <a:t>Schema</a:t>
-            </a:r>
+              <a:t>Physical and </a:t>
+            </a:r>
+            <a:r>
+              <a:rPr lang="en-US" sz="3600" b="1" dirty="0" smtClean="0">
+                <a:solidFill>
+                  <a:srgbClr val="000000"/>
+                </a:solidFill>
+                <a:latin typeface="Arial" panose="020B0604020202020204" pitchFamily="34" charset="0"/>
+              </a:rPr>
+              <a:t>Logical</a:t>
+            </a:r>
+            <a:r>
+              <a:rPr lang="en-US" sz="3600" b="1" dirty="0" smtClean="0">
+                <a:solidFill>
+                  <a:srgbClr val="000000"/>
+                </a:solidFill>
+                <a:latin typeface="Arial" panose="020B0604020202020204" pitchFamily="34" charset="0"/>
+              </a:rPr>
+              <a:t> </a:t>
+            </a:r>
+            <a:r>
+              <a:rPr lang="en-US" sz="3600" b="1" dirty="0" smtClean="0">
+                <a:solidFill>
+                  <a:srgbClr val="000000"/>
+                </a:solidFill>
+                <a:latin typeface="Arial" panose="020B0604020202020204" pitchFamily="34" charset="0"/>
+              </a:rPr>
+              <a:t>Database Schema</a:t>
+            </a:r>
+            <a:endParaRPr lang="en-US" sz="3600" dirty="0">
+              <a:latin typeface="Palatino Linotype" panose="02040502050505030304" pitchFamily="18" charset="0"/>
+            </a:endParaRPr>
           </a:p>
         </p:txBody>
       </p:sp>
       <p:pic>
         <p:nvPicPr>
-          <p:cNvPr id="13" name="Picture 2">
-            <a:extLst>
-              <a:ext uri="{FF2B5EF4-FFF2-40B4-BE49-F238E27FC236}">
-                <a16:creationId xmlns:a16="http://schemas.microsoft.com/office/drawing/2014/main" id="{9BA643CB-C68C-4DAD-BAC8-652C1A6808B3}"/>
-              </a:ext>
-            </a:extLst>
-          </p:cNvPr>
+          <p:cNvPr id="8" name="Picture 2" descr="DBMS - Data Schemas - Tutorialspoint"/>
           <p:cNvPicPr>
             <a:picLocks noChangeAspect="1" noChangeArrowheads="1"/>
           </p:cNvPicPr>
@@ -4685,27 +4559,21 @@
         </p:blipFill>
         <p:spPr bwMode="auto">
           <a:xfrm>
-            <a:off x="6311230" y="1051786"/>
-            <a:ext cx="3312368" cy="5188189"/>
+            <a:off x="3902937" y="3045329"/>
+            <a:ext cx="4069587" cy="3312629"/>
           </a:xfrm>
           <a:prstGeom prst="rect">
             <a:avLst/>
           </a:prstGeom>
           <a:noFill/>
-          <a:ln w="9525">
-            <a:noFill/>
-            <a:miter lim="800000"/>
-            <a:headEnd/>
-            <a:tailEnd/>
-          </a:ln>
         </p:spPr>
       </p:pic>
       <p:sp>
         <p:nvSpPr>
-          <p:cNvPr id="14" name="Rectangle 13">
+          <p:cNvPr id="3" name="Rectangle 2">
             <a:extLst>
               <a:ext uri="{FF2B5EF4-FFF2-40B4-BE49-F238E27FC236}">
-                <a16:creationId xmlns:a16="http://schemas.microsoft.com/office/drawing/2014/main" id="{E7B965C2-33F9-4E25-AD6F-E6663B0215B7}"/>
+                <a16:creationId xmlns:a16="http://schemas.microsoft.com/office/drawing/2014/main" xmlns="" id="{A82EF045-9DE6-45C0-B699-257E7D20F85D}"/>
               </a:ext>
             </a:extLst>
           </p:cNvPr>
@@ -4714,108 +4582,130 @@
         </p:nvSpPr>
         <p:spPr>
           <a:xfrm>
-            <a:off x="406574" y="1139841"/>
-            <a:ext cx="6092825" cy="4247317"/>
-          </a:xfrm>
-          <a:prstGeom prst="rect">
-            <a:avLst/>
-          </a:prstGeom>
-        </p:spPr>
-        <p:txBody>
-          <a:bodyPr>
+            <a:off x="118542" y="922811"/>
+            <a:ext cx="11809312" cy="1877437"/>
+          </a:xfrm>
+          <a:prstGeom prst="rect">
+            <a:avLst/>
+          </a:prstGeom>
+        </p:spPr>
+        <p:txBody>
+          <a:bodyPr wrap="square">
             <a:spAutoFit/>
           </a:bodyPr>
           <a:lstStyle/>
           <a:p>
-            <a:r>
-              <a:rPr lang="en-US" dirty="0"/>
-              <a:t>CREATE TABLE student (  </a:t>
-            </a:r>
-          </a:p>
-          <a:p>
-            <a:r>
-              <a:rPr lang="en-US" dirty="0"/>
-              <a:t>   ID INT(11) PRIMARY KEY,</a:t>
-            </a:r>
-          </a:p>
-          <a:p>
-            <a:r>
-              <a:rPr lang="en-US" dirty="0"/>
-              <a:t>   firstName VARCHAR(45),</a:t>
-            </a:r>
-          </a:p>
-          <a:p>
-            <a:r>
-              <a:rPr lang="en-US" dirty="0"/>
-              <a:t>   lastName VARCHAR(45),</a:t>
-            </a:r>
-          </a:p>
-          <a:p>
-            <a:r>
-              <a:rPr lang="en-US" dirty="0"/>
-              <a:t>   DoB DATE,</a:t>
-            </a:r>
-          </a:p>
-          <a:p>
-            <a:r>
-              <a:rPr lang="en-US" dirty="0"/>
-              <a:t>   emailID VARCHAR(145)</a:t>
-            </a:r>
-          </a:p>
-          <a:p>
-            <a:r>
-              <a:rPr lang="en-US" dirty="0"/>
-              <a:t> );  </a:t>
-            </a:r>
-          </a:p>
-          <a:p>
-            <a:endParaRPr lang="en-US" dirty="0"/>
-          </a:p>
-          <a:p>
-            <a:endParaRPr lang="en-US" dirty="0"/>
-          </a:p>
-          <a:p>
-            <a:r>
-              <a:rPr lang="en-US" dirty="0"/>
-              <a:t>CREATE TABLE student_hobbies (  </a:t>
-            </a:r>
-          </a:p>
-          <a:p>
-            <a:r>
-              <a:rPr lang="en-US" dirty="0"/>
-              <a:t>   ID INT PRIMARY KEY,  </a:t>
-            </a:r>
-          </a:p>
-          <a:p>
-            <a:r>
-              <a:rPr lang="en-US" dirty="0"/>
-              <a:t>   studentID INT,</a:t>
-            </a:r>
-          </a:p>
-          <a:p>
-            <a:r>
-              <a:rPr lang="en-US" dirty="0"/>
-              <a:t>   name VARCHAR(45),</a:t>
-            </a:r>
-          </a:p>
-          <a:p>
-            <a:r>
-              <a:rPr lang="en-US" dirty="0"/>
-              <a:t>   FOREIGN KEY (studentID)   REFERENCES student(ID)</a:t>
-            </a:r>
-          </a:p>
-          <a:p>
-            <a:r>
-              <a:rPr lang="en-US" dirty="0"/>
-              <a:t>);</a:t>
-            </a:r>
+            <a:pPr algn="just"/>
+            <a:r>
+              <a:rPr lang="en-US" dirty="0">
+                <a:solidFill>
+                  <a:srgbClr val="000000"/>
+                </a:solidFill>
+                <a:latin typeface="Arial" panose="020B0604020202020204" pitchFamily="34" charset="0"/>
+              </a:rPr>
+              <a:t>A database schema can be divided broadly into two categories −</a:t>
+            </a:r>
+          </a:p>
+          <a:p>
+            <a:pPr algn="just"/>
+            <a:endParaRPr lang="en-US" dirty="0">
+              <a:solidFill>
+                <a:srgbClr val="000000"/>
+              </a:solidFill>
+              <a:latin typeface="Arial" panose="020B0604020202020204" pitchFamily="34" charset="0"/>
+            </a:endParaRPr>
+          </a:p>
+          <a:p>
+            <a:pPr algn="just">
+              <a:buFont typeface="Arial" panose="020B0604020202020204" pitchFamily="34" charset="0"/>
+              <a:buChar char="•"/>
+            </a:pPr>
+            <a:r>
+              <a:rPr lang="en-US" b="1" dirty="0">
+                <a:solidFill>
+                  <a:srgbClr val="000000"/>
+                </a:solidFill>
+                <a:latin typeface="Arial" panose="020B0604020202020204" pitchFamily="34" charset="0"/>
+              </a:rPr>
+              <a:t>Physical Database Schema</a:t>
+            </a:r>
+            <a:r>
+              <a:rPr lang="en-US" dirty="0">
+                <a:solidFill>
+                  <a:srgbClr val="000000"/>
+                </a:solidFill>
+                <a:latin typeface="Arial" panose="020B0604020202020204" pitchFamily="34" charset="0"/>
+              </a:rPr>
+              <a:t> − This schema is </a:t>
+            </a:r>
+            <a:r>
+              <a:rPr lang="en-IN" dirty="0">
+                <a:solidFill>
+                  <a:srgbClr val="000000"/>
+                </a:solidFill>
+                <a:latin typeface="Arial" panose="020B0604020202020204" pitchFamily="34" charset="0"/>
+              </a:rPr>
+              <a:t>related</a:t>
+            </a:r>
+            <a:r>
+              <a:rPr lang="en-US" dirty="0">
+                <a:solidFill>
+                  <a:srgbClr val="000000"/>
+                </a:solidFill>
+                <a:latin typeface="Arial" panose="020B0604020202020204" pitchFamily="34" charset="0"/>
+              </a:rPr>
+              <a:t> to the actual storage of data and its form of storage like files. It defines how the data will be stored in a secondary storage.</a:t>
+            </a:r>
+          </a:p>
+          <a:p>
+            <a:pPr algn="just">
+              <a:buFont typeface="Arial" panose="020B0604020202020204" pitchFamily="34" charset="0"/>
+              <a:buChar char="•"/>
+            </a:pPr>
+            <a:endParaRPr lang="en-US" sz="800" dirty="0">
+              <a:solidFill>
+                <a:srgbClr val="000000"/>
+              </a:solidFill>
+              <a:latin typeface="Arial" panose="020B0604020202020204" pitchFamily="34" charset="0"/>
+            </a:endParaRPr>
+          </a:p>
+          <a:p>
+            <a:pPr algn="just">
+              <a:buFont typeface="Arial" panose="020B0604020202020204" pitchFamily="34" charset="0"/>
+              <a:buChar char="•"/>
+            </a:pPr>
+            <a:r>
+              <a:rPr lang="en-US" b="1" dirty="0">
+                <a:solidFill>
+                  <a:srgbClr val="000000"/>
+                </a:solidFill>
+                <a:latin typeface="Arial" panose="020B0604020202020204" pitchFamily="34" charset="0"/>
+              </a:rPr>
+              <a:t>Logical Database Schema</a:t>
+            </a:r>
+            <a:r>
+              <a:rPr lang="en-US" dirty="0">
+                <a:solidFill>
+                  <a:srgbClr val="000000"/>
+                </a:solidFill>
+                <a:latin typeface="Arial" panose="020B0604020202020204" pitchFamily="34" charset="0"/>
+              </a:rPr>
+              <a:t> − This schema defines all the logical constraints that need to be applied on the data stored. It defines tables, views, and integrity constraints.</a:t>
+            </a:r>
+            <a:endParaRPr lang="en-US" b="0" i="0" dirty="0">
+              <a:solidFill>
+                <a:srgbClr val="000000"/>
+              </a:solidFill>
+              <a:effectLst/>
+              <a:latin typeface="Arial" panose="020B0604020202020204" pitchFamily="34" charset="0"/>
+            </a:endParaRPr>
           </a:p>
         </p:txBody>
       </p:sp>
     </p:spTree>
     <p:extLst>
       <p:ext uri="{BB962C8B-B14F-4D97-AF65-F5344CB8AC3E}">
-        <p14:creationId xmlns:p14="http://schemas.microsoft.com/office/powerpoint/2010/main" val="1001500978"/>
+        <p14:creationId xmlns:p14="http://schemas.microsoft.com/office/powerpoint/2010/main" xmlns="" val="1941358839"/>
       </p:ext>
     </p:extLst>
   </p:cSld>
@@ -4847,7 +4737,7 @@
           <p:cNvPr id="4" name="Picture 3">
             <a:extLst>
               <a:ext uri="{FF2B5EF4-FFF2-40B4-BE49-F238E27FC236}">
-                <a16:creationId xmlns:a16="http://schemas.microsoft.com/office/drawing/2014/main" id="{4B3E96E4-8532-4FFA-8020-A53D8FBA2F23}"/>
+                <a16:creationId xmlns:a16="http://schemas.microsoft.com/office/drawing/2014/main" xmlns="" id="{4B3E96E4-8532-4FFA-8020-A53D8FBA2F23}"/>
               </a:ext>
             </a:extLst>
           </p:cNvPr>
@@ -4860,7 +4750,7 @@
           <a:blip r:embed="rId2" cstate="print">
             <a:extLst>
               <a:ext uri="{28A0092B-C50C-407E-A947-70E740481C1C}">
-                <a14:useLocalDpi xmlns:a14="http://schemas.microsoft.com/office/drawing/2010/main" val="0"/>
+                <a14:useLocalDpi xmlns:a14="http://schemas.microsoft.com/office/drawing/2010/main" xmlns="" val="0"/>
               </a:ext>
             </a:extLst>
           </a:blip>
@@ -4883,7 +4773,7 @@
           <p:cNvPr id="5" name="Footer Placeholder 2">
             <a:extLst>
               <a:ext uri="{FF2B5EF4-FFF2-40B4-BE49-F238E27FC236}">
-                <a16:creationId xmlns:a16="http://schemas.microsoft.com/office/drawing/2014/main" id="{70AFCD6D-DBA1-4EE8-A96A-D9652119B5FA}"/>
+                <a16:creationId xmlns:a16="http://schemas.microsoft.com/office/drawing/2014/main" xmlns="" id="{70AFCD6D-DBA1-4EE8-A96A-D9652119B5FA}"/>
               </a:ext>
             </a:extLst>
           </p:cNvPr>
@@ -5015,7 +4905,7 @@
           <p:cNvPr id="7" name="Rectangle 6">
             <a:extLst>
               <a:ext uri="{FF2B5EF4-FFF2-40B4-BE49-F238E27FC236}">
-                <a16:creationId xmlns:a16="http://schemas.microsoft.com/office/drawing/2014/main" id="{09A4DD51-F450-4FA7-BA18-C2A26D10D72C}"/>
+                <a16:creationId xmlns:a16="http://schemas.microsoft.com/office/drawing/2014/main" xmlns="" id="{09A4DD51-F450-4FA7-BA18-C2A26D10D72C}"/>
               </a:ext>
             </a:extLst>
           </p:cNvPr>
@@ -5025,7 +4915,7 @@
         <p:spPr>
           <a:xfrm>
             <a:off x="1523802" y="2"/>
-            <a:ext cx="9142810" cy="838243"/>
+            <a:ext cx="9142810" cy="838499"/>
           </a:xfrm>
           <a:prstGeom prst="rect">
             <a:avLst/>
@@ -5046,8 +4936,10 @@
               </a:lnSpc>
             </a:pPr>
             <a:r>
-              <a:rPr lang="en-US" sz="3600" dirty="0"/>
-              <a:t>Create schema/database</a:t>
+              <a:rPr lang="en-US" sz="3600" dirty="0" smtClean="0">
+                <a:latin typeface="Palatino Linotype" panose="02040502050505030304" pitchFamily="18" charset="0"/>
+              </a:rPr>
+              <a:t>Logical schema example</a:t>
             </a:r>
             <a:endParaRPr lang="en-US" sz="3600" dirty="0">
               <a:latin typeface="Palatino Linotype" panose="02040502050505030304" pitchFamily="18" charset="0"/>
@@ -5055,45 +4947,50 @@
           </a:p>
         </p:txBody>
       </p:sp>
-      <p:sp>
-        <p:nvSpPr>
-          <p:cNvPr id="8" name="Rectangle 7"/>
-          <p:cNvSpPr/>
-          <p:nvPr/>
-        </p:nvSpPr>
-        <p:spPr>
-          <a:xfrm>
-            <a:off x="478582" y="1403484"/>
-            <a:ext cx="5480346" cy="369332"/>
-          </a:xfrm>
-          <a:prstGeom prst="rect">
-            <a:avLst/>
-          </a:prstGeom>
-        </p:spPr>
-        <p:txBody>
-          <a:bodyPr wrap="none">
-            <a:spAutoFit/>
-          </a:bodyPr>
-          <a:lstStyle/>
-          <a:p>
-            <a:r>
-              <a:rPr lang="en-US" dirty="0"/>
-              <a:t>CREATE {DATABASE | SCHEMA} [IF NOT EXISTS] </a:t>
-            </a:r>
-            <a:r>
-              <a:rPr lang="en-US" i="1" dirty="0"/>
-              <a:t>db_name</a:t>
-            </a:r>
-            <a:endParaRPr lang="en-US" dirty="0"/>
-          </a:p>
-        </p:txBody>
-      </p:sp>
-      <p:sp>
-        <p:nvSpPr>
-          <p:cNvPr id="10" name="Rectangle 9">
+      <p:pic>
+        <p:nvPicPr>
+          <p:cNvPr id="13" name="Picture 2">
             <a:extLst>
               <a:ext uri="{FF2B5EF4-FFF2-40B4-BE49-F238E27FC236}">
-                <a16:creationId xmlns:a16="http://schemas.microsoft.com/office/drawing/2014/main" id="{2FDB2253-836D-468E-A0B5-6DA6EE4B76FE}"/>
+                <a16:creationId xmlns:a16="http://schemas.microsoft.com/office/drawing/2014/main" xmlns="" id="{9BA643CB-C68C-4DAD-BAC8-652C1A6808B3}"/>
+              </a:ext>
+            </a:extLst>
+          </p:cNvPr>
+          <p:cNvPicPr>
+            <a:picLocks noChangeAspect="1" noChangeArrowheads="1"/>
+          </p:cNvPicPr>
+          <p:nvPr/>
+        </p:nvPicPr>
+        <p:blipFill>
+          <a:blip r:embed="rId3" cstate="print"/>
+          <a:srcRect/>
+          <a:stretch>
+            <a:fillRect/>
+          </a:stretch>
+        </p:blipFill>
+        <p:spPr bwMode="auto">
+          <a:xfrm>
+            <a:off x="6311230" y="1051786"/>
+            <a:ext cx="3312368" cy="5188189"/>
+          </a:xfrm>
+          <a:prstGeom prst="rect">
+            <a:avLst/>
+          </a:prstGeom>
+          <a:noFill/>
+          <a:ln w="9525">
+            <a:noFill/>
+            <a:miter lim="800000"/>
+            <a:headEnd/>
+            <a:tailEnd/>
+          </a:ln>
+        </p:spPr>
+      </p:pic>
+      <p:sp>
+        <p:nvSpPr>
+          <p:cNvPr id="14" name="Rectangle 13">
+            <a:extLst>
+              <a:ext uri="{FF2B5EF4-FFF2-40B4-BE49-F238E27FC236}">
+                <a16:creationId xmlns:a16="http://schemas.microsoft.com/office/drawing/2014/main" xmlns="" id="{E7B965C2-33F9-4E25-AD6F-E6663B0215B7}"/>
               </a:ext>
             </a:extLst>
           </p:cNvPr>
@@ -5102,89 +4999,308 @@
         </p:nvSpPr>
         <p:spPr>
           <a:xfrm>
-            <a:off x="478582" y="908720"/>
-            <a:ext cx="11163249" cy="369332"/>
-          </a:xfrm>
-          <a:prstGeom prst="rect">
-            <a:avLst/>
-          </a:prstGeom>
-        </p:spPr>
-        <p:txBody>
-          <a:bodyPr wrap="none">
+            <a:off x="406574" y="1139841"/>
+            <a:ext cx="6092825" cy="4247317"/>
+          </a:xfrm>
+          <a:prstGeom prst="rect">
+            <a:avLst/>
+          </a:prstGeom>
+        </p:spPr>
+        <p:txBody>
+          <a:bodyPr>
             <a:spAutoFit/>
           </a:bodyPr>
           <a:lstStyle/>
           <a:p>
             <a:r>
-              <a:rPr lang="en-US" dirty="0">
-                <a:latin typeface="Palatino Linotype" pitchFamily="18" charset="0"/>
-              </a:rPr>
-              <a:t>To create a new database in MySQL, you use the CREATE DATABASE statement with the following syntax:</a:t>
-            </a:r>
-            <a:endParaRPr lang="en-US" b="1" i="1" dirty="0">
-              <a:latin typeface="Palatino Linotype" pitchFamily="18" charset="0"/>
-              <a:cs typeface="Arial" pitchFamily="34" charset="0"/>
-            </a:endParaRPr>
-          </a:p>
-        </p:txBody>
-      </p:sp>
-      <p:sp>
-        <p:nvSpPr>
-          <p:cNvPr id="13" name="Rectangle 12"/>
-          <p:cNvSpPr/>
-          <p:nvPr/>
-        </p:nvSpPr>
-        <p:spPr>
-          <a:xfrm>
-            <a:off x="622598" y="1772816"/>
-            <a:ext cx="4412875" cy="1046440"/>
-          </a:xfrm>
-          <a:prstGeom prst="rect">
-            <a:avLst/>
-          </a:prstGeom>
-        </p:spPr>
-        <p:txBody>
-          <a:bodyPr wrap="none">
-            <a:spAutoFit/>
-          </a:bodyPr>
-          <a:lstStyle/>
-          <a:p>
-            <a:r>
               <a:rPr lang="en-US" dirty="0"/>
-              <a:t>e.g.</a:t>
-            </a:r>
-          </a:p>
-          <a:p>
-            <a:endParaRPr lang="en-US" sz="800" dirty="0"/>
-          </a:p>
-          <a:p>
-            <a:pPr marL="342900" indent="-342900">
-              <a:buFont typeface="Arial" pitchFamily="34" charset="0"/>
-              <a:buChar char="•"/>
-            </a:pPr>
+              <a:t>CREATE TABLE student (  </a:t>
+            </a:r>
+          </a:p>
+          <a:p>
             <a:r>
               <a:rPr lang="en-US" dirty="0"/>
-              <a:t>CREATE SCHEMA IF NOT EXISTS myDB;</a:t>
-            </a:r>
-          </a:p>
-          <a:p>
-            <a:pPr marL="342900" indent="-342900">
-              <a:buFont typeface="Arial" pitchFamily="34" charset="0"/>
-              <a:buChar char="•"/>
-            </a:pPr>
+              <a:t>   ID INT(11) PRIMARY KEY,</a:t>
+            </a:r>
+          </a:p>
+          <a:p>
             <a:r>
               <a:rPr lang="en-US" dirty="0"/>
-              <a:t>CREATE DATABASE IF NOT EXISTS myDB;</a:t>
-            </a:r>
-          </a:p>
-        </p:txBody>
-      </p:sp>
-      <p:sp>
-        <p:nvSpPr>
-          <p:cNvPr id="14" name="Rectangle 13">
+              <a:t>   firstName VARCHAR(45),</a:t>
+            </a:r>
+          </a:p>
+          <a:p>
+            <a:r>
+              <a:rPr lang="en-US" dirty="0"/>
+              <a:t>   lastName VARCHAR(45),</a:t>
+            </a:r>
+          </a:p>
+          <a:p>
+            <a:r>
+              <a:rPr lang="en-US" dirty="0"/>
+              <a:t>   DoB DATE,</a:t>
+            </a:r>
+          </a:p>
+          <a:p>
+            <a:r>
+              <a:rPr lang="en-US" dirty="0"/>
+              <a:t>   emailID VARCHAR(145)</a:t>
+            </a:r>
+          </a:p>
+          <a:p>
+            <a:r>
+              <a:rPr lang="en-US" dirty="0"/>
+              <a:t> );  </a:t>
+            </a:r>
+          </a:p>
+          <a:p>
+            <a:endParaRPr lang="en-US" dirty="0"/>
+          </a:p>
+          <a:p>
+            <a:endParaRPr lang="en-US" dirty="0"/>
+          </a:p>
+          <a:p>
+            <a:r>
+              <a:rPr lang="en-US" dirty="0"/>
+              <a:t>CREATE TABLE student_hobbies (  </a:t>
+            </a:r>
+          </a:p>
+          <a:p>
+            <a:r>
+              <a:rPr lang="en-US" dirty="0"/>
+              <a:t>   ID INT PRIMARY KEY,  </a:t>
+            </a:r>
+          </a:p>
+          <a:p>
+            <a:r>
+              <a:rPr lang="en-US" dirty="0"/>
+              <a:t>   studentID INT,</a:t>
+            </a:r>
+          </a:p>
+          <a:p>
+            <a:r>
+              <a:rPr lang="en-US" dirty="0"/>
+              <a:t>   name VARCHAR(45),</a:t>
+            </a:r>
+          </a:p>
+          <a:p>
+            <a:r>
+              <a:rPr lang="en-US" dirty="0"/>
+              <a:t>   FOREIGN KEY (studentID)   REFERENCES student(ID)</a:t>
+            </a:r>
+          </a:p>
+          <a:p>
+            <a:r>
+              <a:rPr lang="en-US" dirty="0"/>
+              <a:t>);</a:t>
+            </a:r>
+          </a:p>
+        </p:txBody>
+      </p:sp>
+    </p:spTree>
+    <p:extLst>
+      <p:ext uri="{BB962C8B-B14F-4D97-AF65-F5344CB8AC3E}">
+        <p14:creationId xmlns:p14="http://schemas.microsoft.com/office/powerpoint/2010/main" xmlns="" val="1001500978"/>
+      </p:ext>
+    </p:extLst>
+  </p:cSld>
+  <p:clrMapOvr>
+    <a:masterClrMapping/>
+  </p:clrMapOvr>
+</p:sld>
+</file>
+
+<file path=ppt/slides/slide5.xml><?xml version="1.0" encoding="utf-8"?>
+<p:sld xmlns:a="http://schemas.openxmlformats.org/drawingml/2006/main" xmlns:r="http://schemas.openxmlformats.org/officeDocument/2006/relationships" xmlns:p="http://schemas.openxmlformats.org/presentationml/2006/main">
+  <p:cSld>
+    <p:spTree>
+      <p:nvGrpSpPr>
+        <p:cNvPr id="1" name=""/>
+        <p:cNvGrpSpPr/>
+        <p:nvPr/>
+      </p:nvGrpSpPr>
+      <p:grpSpPr>
+        <a:xfrm>
+          <a:off x="0" y="0"/>
+          <a:ext cx="0" cy="0"/>
+          <a:chOff x="0" y="0"/>
+          <a:chExt cx="0" cy="0"/>
+        </a:xfrm>
+      </p:grpSpPr>
+      <p:pic>
+        <p:nvPicPr>
+          <p:cNvPr id="4" name="Picture 3">
             <a:extLst>
               <a:ext uri="{FF2B5EF4-FFF2-40B4-BE49-F238E27FC236}">
-                <a16:creationId xmlns:a16="http://schemas.microsoft.com/office/drawing/2014/main" id="{2FDB2253-836D-468E-A0B5-6DA6EE4B76FE}"/>
+                <a16:creationId xmlns:a16="http://schemas.microsoft.com/office/drawing/2014/main" xmlns="" id="{4B3E96E4-8532-4FFA-8020-A53D8FBA2F23}"/>
+              </a:ext>
+            </a:extLst>
+          </p:cNvPr>
+          <p:cNvPicPr>
+            <a:picLocks noChangeAspect="1"/>
+          </p:cNvPicPr>
+          <p:nvPr/>
+        </p:nvPicPr>
+        <p:blipFill>
+          <a:blip r:embed="rId2" cstate="print">
+            <a:extLst>
+              <a:ext uri="{28A0092B-C50C-407E-A947-70E740481C1C}">
+                <a14:useLocalDpi xmlns:a14="http://schemas.microsoft.com/office/drawing/2010/main" xmlns="" val="0"/>
+              </a:ext>
+            </a:extLst>
+          </a:blip>
+          <a:stretch>
+            <a:fillRect/>
+          </a:stretch>
+        </p:blipFill>
+        <p:spPr>
+          <a:xfrm>
+            <a:off x="118542" y="116632"/>
+            <a:ext cx="1371859" cy="445150"/>
+          </a:xfrm>
+          <a:prstGeom prst="rect">
+            <a:avLst/>
+          </a:prstGeom>
+        </p:spPr>
+      </p:pic>
+      <p:sp>
+        <p:nvSpPr>
+          <p:cNvPr id="5" name="Footer Placeholder 2">
+            <a:extLst>
+              <a:ext uri="{FF2B5EF4-FFF2-40B4-BE49-F238E27FC236}">
+                <a16:creationId xmlns:a16="http://schemas.microsoft.com/office/drawing/2014/main" xmlns="" id="{70AFCD6D-DBA1-4EE8-A96A-D9652119B5FA}"/>
+              </a:ext>
+            </a:extLst>
+          </p:cNvPr>
+          <p:cNvSpPr txBox="1">
+            <a:spLocks/>
+          </p:cNvSpPr>
+          <p:nvPr/>
+        </p:nvSpPr>
+        <p:spPr>
+          <a:xfrm>
+            <a:off x="3237431" y="6523037"/>
+            <a:ext cx="5400600" cy="365125"/>
+          </a:xfrm>
+          <a:prstGeom prst="rect">
+            <a:avLst/>
+          </a:prstGeom>
+        </p:spPr>
+        <p:txBody>
+          <a:bodyPr/>
+          <a:lstStyle>
+            <a:defPPr>
+              <a:defRPr lang="en-US"/>
+            </a:defPPr>
+            <a:lvl1pPr marL="0" algn="l" defTabSz="914400" rtl="0" eaLnBrk="1" latinLnBrk="0" hangingPunct="1">
+              <a:defRPr sz="1050" kern="1200">
+                <a:solidFill>
+                  <a:schemeClr val="tx1"/>
+                </a:solidFill>
+                <a:latin typeface="+mn-lt"/>
+                <a:ea typeface="+mn-ea"/>
+                <a:cs typeface="+mn-cs"/>
+              </a:defRPr>
+            </a:lvl1pPr>
+            <a:lvl2pPr marL="457200" algn="l" defTabSz="914400" rtl="0" eaLnBrk="1" latinLnBrk="0" hangingPunct="1">
+              <a:defRPr sz="1800" kern="1200">
+                <a:solidFill>
+                  <a:schemeClr val="tx1"/>
+                </a:solidFill>
+                <a:latin typeface="+mn-lt"/>
+                <a:ea typeface="+mn-ea"/>
+                <a:cs typeface="+mn-cs"/>
+              </a:defRPr>
+            </a:lvl2pPr>
+            <a:lvl3pPr marL="914400" algn="l" defTabSz="914400" rtl="0" eaLnBrk="1" latinLnBrk="0" hangingPunct="1">
+              <a:defRPr sz="1800" kern="1200">
+                <a:solidFill>
+                  <a:schemeClr val="tx1"/>
+                </a:solidFill>
+                <a:latin typeface="+mn-lt"/>
+                <a:ea typeface="+mn-ea"/>
+                <a:cs typeface="+mn-cs"/>
+              </a:defRPr>
+            </a:lvl3pPr>
+            <a:lvl4pPr marL="1371600" algn="l" defTabSz="914400" rtl="0" eaLnBrk="1" latinLnBrk="0" hangingPunct="1">
+              <a:defRPr sz="1800" kern="1200">
+                <a:solidFill>
+                  <a:schemeClr val="tx1"/>
+                </a:solidFill>
+                <a:latin typeface="+mn-lt"/>
+                <a:ea typeface="+mn-ea"/>
+                <a:cs typeface="+mn-cs"/>
+              </a:defRPr>
+            </a:lvl4pPr>
+            <a:lvl5pPr marL="1828800" algn="l" defTabSz="914400" rtl="0" eaLnBrk="1" latinLnBrk="0" hangingPunct="1">
+              <a:defRPr sz="1800" kern="1200">
+                <a:solidFill>
+                  <a:schemeClr val="tx1"/>
+                </a:solidFill>
+                <a:latin typeface="+mn-lt"/>
+                <a:ea typeface="+mn-ea"/>
+                <a:cs typeface="+mn-cs"/>
+              </a:defRPr>
+            </a:lvl5pPr>
+            <a:lvl6pPr marL="2286000" algn="l" defTabSz="914400" rtl="0" eaLnBrk="1" latinLnBrk="0" hangingPunct="1">
+              <a:defRPr sz="1800" kern="1200">
+                <a:solidFill>
+                  <a:schemeClr val="tx1"/>
+                </a:solidFill>
+                <a:latin typeface="+mn-lt"/>
+                <a:ea typeface="+mn-ea"/>
+                <a:cs typeface="+mn-cs"/>
+              </a:defRPr>
+            </a:lvl6pPr>
+            <a:lvl7pPr marL="2743200" algn="l" defTabSz="914400" rtl="0" eaLnBrk="1" latinLnBrk="0" hangingPunct="1">
+              <a:defRPr sz="1800" kern="1200">
+                <a:solidFill>
+                  <a:schemeClr val="tx1"/>
+                </a:solidFill>
+                <a:latin typeface="+mn-lt"/>
+                <a:ea typeface="+mn-ea"/>
+                <a:cs typeface="+mn-cs"/>
+              </a:defRPr>
+            </a:lvl7pPr>
+            <a:lvl8pPr marL="3200400" algn="l" defTabSz="914400" rtl="0" eaLnBrk="1" latinLnBrk="0" hangingPunct="1">
+              <a:defRPr sz="1800" kern="1200">
+                <a:solidFill>
+                  <a:schemeClr val="tx1"/>
+                </a:solidFill>
+                <a:latin typeface="+mn-lt"/>
+                <a:ea typeface="+mn-ea"/>
+                <a:cs typeface="+mn-cs"/>
+              </a:defRPr>
+            </a:lvl8pPr>
+            <a:lvl9pPr marL="3657600" algn="l" defTabSz="914400" rtl="0" eaLnBrk="1" latinLnBrk="0" hangingPunct="1">
+              <a:defRPr sz="1800" kern="1200">
+                <a:solidFill>
+                  <a:schemeClr val="tx1"/>
+                </a:solidFill>
+                <a:latin typeface="+mn-lt"/>
+                <a:ea typeface="+mn-ea"/>
+                <a:cs typeface="+mn-cs"/>
+              </a:defRPr>
+            </a:lvl9pPr>
+          </a:lstStyle>
+          <a:p>
+            <a:r>
+              <a:rPr lang="en-US" dirty="0"/>
+              <a:t>Infoway Technologies, 3rd  Floor Commerce Centre, Rambaug Colony, Paud Road Pune 411038</a:t>
+            </a:r>
+            <a:endParaRPr lang="en-IN" dirty="0"/>
+          </a:p>
+          <a:p>
+            <a:endParaRPr lang="en-US" dirty="0"/>
+          </a:p>
+        </p:txBody>
+      </p:sp>
+      <p:sp>
+        <p:nvSpPr>
+          <p:cNvPr id="7" name="Rectangle 6">
+            <a:extLst>
+              <a:ext uri="{FF2B5EF4-FFF2-40B4-BE49-F238E27FC236}">
+                <a16:creationId xmlns:a16="http://schemas.microsoft.com/office/drawing/2014/main" xmlns="" id="{09A4DD51-F450-4FA7-BA18-C2A26D10D72C}"/>
               </a:ext>
             </a:extLst>
           </p:cNvPr>
@@ -5193,12 +5309,15 @@
         </p:nvSpPr>
         <p:spPr>
           <a:xfrm>
-            <a:off x="550590" y="2996952"/>
-            <a:ext cx="11161240" cy="369332"/>
-          </a:xfrm>
-          <a:prstGeom prst="rect">
-            <a:avLst/>
-          </a:prstGeom>
+            <a:off x="1523802" y="2"/>
+            <a:ext cx="9142810" cy="838243"/>
+          </a:xfrm>
+          <a:prstGeom prst="rect">
+            <a:avLst/>
+          </a:prstGeom>
+          <a:solidFill>
+            <a:schemeClr val="bg1"/>
+          </a:solidFill>
         </p:spPr>
         <p:txBody>
           <a:bodyPr wrap="square">
@@ -5206,33 +5325,60 @@
           </a:bodyPr>
           <a:lstStyle/>
           <a:p>
+            <a:pPr algn="r" fontAlgn="base">
+              <a:lnSpc>
+                <a:spcPct val="150000"/>
+              </a:lnSpc>
+            </a:pPr>
+            <a:r>
+              <a:rPr lang="en-US" sz="3600" dirty="0"/>
+              <a:t>Create schema/database</a:t>
+            </a:r>
+            <a:endParaRPr lang="en-US" sz="3600" dirty="0">
+              <a:latin typeface="Palatino Linotype" panose="02040502050505030304" pitchFamily="18" charset="0"/>
+            </a:endParaRPr>
+          </a:p>
+        </p:txBody>
+      </p:sp>
+      <p:sp>
+        <p:nvSpPr>
+          <p:cNvPr id="8" name="Rectangle 7"/>
+          <p:cNvSpPr/>
+          <p:nvPr/>
+        </p:nvSpPr>
+        <p:spPr>
+          <a:xfrm>
+            <a:off x="478582" y="1403484"/>
+            <a:ext cx="5480346" cy="369332"/>
+          </a:xfrm>
+          <a:prstGeom prst="rect">
+            <a:avLst/>
+          </a:prstGeom>
+        </p:spPr>
+        <p:txBody>
+          <a:bodyPr wrap="none">
+            <a:spAutoFit/>
+          </a:bodyPr>
+          <a:lstStyle/>
+          <a:p>
             <a:r>
               <a:rPr lang="en-US" dirty="0"/>
-              <a:t>To select a particular database to work with you issue the USE statement with the follows </a:t>
-            </a:r>
-            <a:r>
-              <a:rPr lang="en-US" dirty="0">
-                <a:latin typeface="Palatino Linotype" pitchFamily="18" charset="0"/>
-              </a:rPr>
-              <a:t>syntax </a:t>
-            </a:r>
-            <a:r>
-              <a:rPr lang="en-US" dirty="0"/>
-              <a:t>:</a:t>
-            </a:r>
-            <a:endParaRPr lang="en-US" b="1" i="1" dirty="0">
-              <a:latin typeface="Palatino Linotype" pitchFamily="18" charset="0"/>
-              <a:cs typeface="Arial" pitchFamily="34" charset="0"/>
-            </a:endParaRPr>
-          </a:p>
-        </p:txBody>
-      </p:sp>
-      <p:sp>
-        <p:nvSpPr>
-          <p:cNvPr id="15" name="Rectangle 14">
+              <a:t>CREATE {DATABASE | SCHEMA} [IF NOT EXISTS] </a:t>
+            </a:r>
+            <a:r>
+              <a:rPr lang="en-US" i="1" dirty="0"/>
+              <a:t>db_name</a:t>
+            </a:r>
+            <a:endParaRPr lang="en-US" dirty="0"/>
+          </a:p>
+        </p:txBody>
+      </p:sp>
+      <p:sp>
+        <p:nvSpPr>
+          <p:cNvPr id="10" name="Rectangle 9">
             <a:extLst>
               <a:ext uri="{FF2B5EF4-FFF2-40B4-BE49-F238E27FC236}">
-                <a16:creationId xmlns:a16="http://schemas.microsoft.com/office/drawing/2014/main" id="{2FDB2253-836D-468E-A0B5-6DA6EE4B76FE}"/>
+                <a16:creationId xmlns:a16="http://schemas.microsoft.com/office/drawing/2014/main" xmlns="" id="{2FDB2253-836D-468E-A0B5-6DA6EE4B76FE}"/>
               </a:ext>
             </a:extLst>
           </p:cNvPr>
@@ -5241,8 +5387,99 @@
         </p:nvSpPr>
         <p:spPr>
           <a:xfrm>
-            <a:off x="190550" y="4078813"/>
-            <a:ext cx="11927855" cy="646331"/>
+            <a:off x="478582" y="908720"/>
+            <a:ext cx="11163249" cy="369332"/>
+          </a:xfrm>
+          <a:prstGeom prst="rect">
+            <a:avLst/>
+          </a:prstGeom>
+        </p:spPr>
+        <p:txBody>
+          <a:bodyPr wrap="none">
+            <a:spAutoFit/>
+          </a:bodyPr>
+          <a:lstStyle/>
+          <a:p>
+            <a:r>
+              <a:rPr lang="en-US" dirty="0">
+                <a:latin typeface="Palatino Linotype" pitchFamily="18" charset="0"/>
+              </a:rPr>
+              <a:t>To create a new database in MySQL, you use the CREATE DATABASE statement with the following syntax:</a:t>
+            </a:r>
+            <a:endParaRPr lang="en-US" b="1" i="1" dirty="0">
+              <a:latin typeface="Palatino Linotype" pitchFamily="18" charset="0"/>
+              <a:cs typeface="Arial" pitchFamily="34" charset="0"/>
+            </a:endParaRPr>
+          </a:p>
+        </p:txBody>
+      </p:sp>
+      <p:sp>
+        <p:nvSpPr>
+          <p:cNvPr id="13" name="Rectangle 12"/>
+          <p:cNvSpPr/>
+          <p:nvPr/>
+        </p:nvSpPr>
+        <p:spPr>
+          <a:xfrm>
+            <a:off x="622598" y="1772816"/>
+            <a:ext cx="4412875" cy="1046440"/>
+          </a:xfrm>
+          <a:prstGeom prst="rect">
+            <a:avLst/>
+          </a:prstGeom>
+        </p:spPr>
+        <p:txBody>
+          <a:bodyPr wrap="none">
+            <a:spAutoFit/>
+          </a:bodyPr>
+          <a:lstStyle/>
+          <a:p>
+            <a:r>
+              <a:rPr lang="en-US" dirty="0"/>
+              <a:t>e.g.</a:t>
+            </a:r>
+          </a:p>
+          <a:p>
+            <a:endParaRPr lang="en-US" sz="800" dirty="0"/>
+          </a:p>
+          <a:p>
+            <a:pPr marL="342900" indent="-342900">
+              <a:buFont typeface="Arial" pitchFamily="34" charset="0"/>
+              <a:buChar char="•"/>
+            </a:pPr>
+            <a:r>
+              <a:rPr lang="en-US" dirty="0"/>
+              <a:t>CREATE SCHEMA IF NOT EXISTS myDB;</a:t>
+            </a:r>
+          </a:p>
+          <a:p>
+            <a:pPr marL="342900" indent="-342900">
+              <a:buFont typeface="Arial" pitchFamily="34" charset="0"/>
+              <a:buChar char="•"/>
+            </a:pPr>
+            <a:r>
+              <a:rPr lang="en-US" dirty="0"/>
+              <a:t>CREATE DATABASE IF NOT EXISTS myDB;</a:t>
+            </a:r>
+          </a:p>
+        </p:txBody>
+      </p:sp>
+      <p:sp>
+        <p:nvSpPr>
+          <p:cNvPr id="14" name="Rectangle 13">
+            <a:extLst>
+              <a:ext uri="{FF2B5EF4-FFF2-40B4-BE49-F238E27FC236}">
+                <a16:creationId xmlns:a16="http://schemas.microsoft.com/office/drawing/2014/main" xmlns="" id="{2FDB2253-836D-468E-A0B5-6DA6EE4B76FE}"/>
+              </a:ext>
+            </a:extLst>
+          </p:cNvPr>
+          <p:cNvSpPr/>
+          <p:nvPr/>
+        </p:nvSpPr>
+        <p:spPr>
+          <a:xfrm>
+            <a:off x="550590" y="2996952"/>
+            <a:ext cx="11161240" cy="369332"/>
           </a:xfrm>
           <a:prstGeom prst="rect">
             <a:avLst/>
@@ -5255,6 +5492,54 @@
           <a:lstStyle/>
           <a:p>
             <a:r>
+              <a:rPr lang="en-US" dirty="0"/>
+              <a:t>To select a particular database to work with you issue the USE statement with the follows </a:t>
+            </a:r>
+            <a:r>
+              <a:rPr lang="en-US" dirty="0">
+                <a:latin typeface="Palatino Linotype" pitchFamily="18" charset="0"/>
+              </a:rPr>
+              <a:t>syntax </a:t>
+            </a:r>
+            <a:r>
+              <a:rPr lang="en-US" dirty="0"/>
+              <a:t>:</a:t>
+            </a:r>
+            <a:endParaRPr lang="en-US" b="1" i="1" dirty="0">
+              <a:latin typeface="Palatino Linotype" pitchFamily="18" charset="0"/>
+              <a:cs typeface="Arial" pitchFamily="34" charset="0"/>
+            </a:endParaRPr>
+          </a:p>
+        </p:txBody>
+      </p:sp>
+      <p:sp>
+        <p:nvSpPr>
+          <p:cNvPr id="15" name="Rectangle 14">
+            <a:extLst>
+              <a:ext uri="{FF2B5EF4-FFF2-40B4-BE49-F238E27FC236}">
+                <a16:creationId xmlns:a16="http://schemas.microsoft.com/office/drawing/2014/main" xmlns="" id="{2FDB2253-836D-468E-A0B5-6DA6EE4B76FE}"/>
+              </a:ext>
+            </a:extLst>
+          </p:cNvPr>
+          <p:cNvSpPr/>
+          <p:nvPr/>
+        </p:nvSpPr>
+        <p:spPr>
+          <a:xfrm>
+            <a:off x="190550" y="4078813"/>
+            <a:ext cx="11927855" cy="646331"/>
+          </a:xfrm>
+          <a:prstGeom prst="rect">
+            <a:avLst/>
+          </a:prstGeom>
+        </p:spPr>
+        <p:txBody>
+          <a:bodyPr wrap="square">
+            <a:spAutoFit/>
+          </a:bodyPr>
+          <a:lstStyle/>
+          <a:p>
+            <a:r>
               <a:rPr lang="en-US" dirty="0">
                 <a:latin typeface="Palatino Linotype" pitchFamily="18" charset="0"/>
               </a:rPr>
@@ -5372,7 +5657,7 @@
     </p:spTree>
     <p:extLst>
       <p:ext uri="{BB962C8B-B14F-4D97-AF65-F5344CB8AC3E}">
-        <p14:creationId xmlns:p14="http://schemas.microsoft.com/office/powerpoint/2010/main" val="1941358839"/>
+        <p14:creationId xmlns:p14="http://schemas.microsoft.com/office/powerpoint/2010/main" xmlns="" val="1941358839"/>
       </p:ext>
     </p:extLst>
   </p:cSld>
